--- a/Non-Technical.pptx
+++ b/Non-Technical.pptx
@@ -6,6 +6,7 @@
   </p:sldMasterIdLst>
   <p:sldIdLst>
     <p:sldId id="256" r:id="rId2"/>
+    <p:sldId id="257" r:id="rId3"/>
   </p:sldIdLst>
   <p:sldSz cx="12192000" cy="6858000"/>
   <p:notesSz cx="6858000" cy="9144000"/>
@@ -104,11 +105,47 @@
       </a:defRPr>
     </a:lvl9pPr>
   </p:defaultTextStyle>
+  <p:extLst>
+    <p:ext uri="{EFAFB233-063F-42B5-8137-9DF3F51BA10A}">
+      <p15:sldGuideLst xmlns:p15="http://schemas.microsoft.com/office/powerpoint/2012/main"/>
+    </p:ext>
+  </p:extLst>
 </p:presentation>
 </file>
 
 <file path=ppt/changesInfos/changesInfo1.xml><?xml version="1.0" encoding="utf-8"?>
 <pc:chgInfo xmlns:a="http://schemas.openxmlformats.org/drawingml/2006/main" xmlns:r="http://schemas.openxmlformats.org/officeDocument/2006/relationships" xmlns:ac="http://schemas.microsoft.com/office/drawing/2013/main/command" xmlns:pc="http://schemas.microsoft.com/office/powerpoint/2013/main/command">
+  <pc:docChgLst>
+    <pc:chgData name="Michael" userId="0df92e9667c24698" providerId="LiveId" clId="{1F99F48F-5B65-4770-B2EE-DE9434FFD723}"/>
+    <pc:docChg chg="addSld modSld">
+      <pc:chgData name="Michael" userId="0df92e9667c24698" providerId="LiveId" clId="{1F99F48F-5B65-4770-B2EE-DE9434FFD723}" dt="2020-08-03T01:35:23.107" v="17" actId="680"/>
+      <pc:docMkLst>
+        <pc:docMk/>
+      </pc:docMkLst>
+      <pc:sldChg chg="modSp mod">
+        <pc:chgData name="Michael" userId="0df92e9667c24698" providerId="LiveId" clId="{1F99F48F-5B65-4770-B2EE-DE9434FFD723}" dt="2020-08-03T01:35:04.217" v="16" actId="20577"/>
+        <pc:sldMkLst>
+          <pc:docMk/>
+          <pc:sldMk cId="1265917787" sldId="256"/>
+        </pc:sldMkLst>
+        <pc:spChg chg="mod">
+          <ac:chgData name="Michael" userId="0df92e9667c24698" providerId="LiveId" clId="{1F99F48F-5B65-4770-B2EE-DE9434FFD723}" dt="2020-08-03T01:35:04.217" v="16" actId="20577"/>
+          <ac:spMkLst>
+            <pc:docMk/>
+            <pc:sldMk cId="1265917787" sldId="256"/>
+            <ac:spMk id="2" creationId="{6E861DEA-96B7-410B-ADA5-587204502AF3}"/>
+          </ac:spMkLst>
+        </pc:spChg>
+      </pc:sldChg>
+      <pc:sldChg chg="new">
+        <pc:chgData name="Michael" userId="0df92e9667c24698" providerId="LiveId" clId="{1F99F48F-5B65-4770-B2EE-DE9434FFD723}" dt="2020-08-03T01:35:23.107" v="17" actId="680"/>
+        <pc:sldMkLst>
+          <pc:docMk/>
+          <pc:sldMk cId="2709198907" sldId="257"/>
+        </pc:sldMkLst>
+      </pc:sldChg>
+    </pc:docChg>
+  </pc:docChgLst>
   <pc:docChgLst>
     <pc:chgData name="Michael" userId="0df92e9667c24698" providerId="LiveId" clId="{51027CB0-4EFB-41A8-88F7-48E0C374C192}"/>
     <pc:docChg chg="addSld">
@@ -275,7 +312,7 @@
           <a:p>
             <a:fld id="{A310A56D-2A73-4214-BDEC-EE3DDD3E3C39}" type="datetimeFigureOut">
               <a:rPr lang="en-US" smtClean="0"/>
-              <a:t>7/31/2020</a:t>
+              <a:t>8/2/2020</a:t>
             </a:fld>
             <a:endParaRPr lang="en-US"/>
           </a:p>
@@ -473,7 +510,7 @@
           <a:p>
             <a:fld id="{A310A56D-2A73-4214-BDEC-EE3DDD3E3C39}" type="datetimeFigureOut">
               <a:rPr lang="en-US" smtClean="0"/>
-              <a:t>7/31/2020</a:t>
+              <a:t>8/2/2020</a:t>
             </a:fld>
             <a:endParaRPr lang="en-US"/>
           </a:p>
@@ -681,7 +718,7 @@
           <a:p>
             <a:fld id="{A310A56D-2A73-4214-BDEC-EE3DDD3E3C39}" type="datetimeFigureOut">
               <a:rPr lang="en-US" smtClean="0"/>
-              <a:t>7/31/2020</a:t>
+              <a:t>8/2/2020</a:t>
             </a:fld>
             <a:endParaRPr lang="en-US"/>
           </a:p>
@@ -879,7 +916,7 @@
           <a:p>
             <a:fld id="{A310A56D-2A73-4214-BDEC-EE3DDD3E3C39}" type="datetimeFigureOut">
               <a:rPr lang="en-US" smtClean="0"/>
-              <a:t>7/31/2020</a:t>
+              <a:t>8/2/2020</a:t>
             </a:fld>
             <a:endParaRPr lang="en-US"/>
           </a:p>
@@ -1154,7 +1191,7 @@
           <a:p>
             <a:fld id="{A310A56D-2A73-4214-BDEC-EE3DDD3E3C39}" type="datetimeFigureOut">
               <a:rPr lang="en-US" smtClean="0"/>
-              <a:t>7/31/2020</a:t>
+              <a:t>8/2/2020</a:t>
             </a:fld>
             <a:endParaRPr lang="en-US"/>
           </a:p>
@@ -1419,7 +1456,7 @@
           <a:p>
             <a:fld id="{A310A56D-2A73-4214-BDEC-EE3DDD3E3C39}" type="datetimeFigureOut">
               <a:rPr lang="en-US" smtClean="0"/>
-              <a:t>7/31/2020</a:t>
+              <a:t>8/2/2020</a:t>
             </a:fld>
             <a:endParaRPr lang="en-US"/>
           </a:p>
@@ -1831,7 +1868,7 @@
           <a:p>
             <a:fld id="{A310A56D-2A73-4214-BDEC-EE3DDD3E3C39}" type="datetimeFigureOut">
               <a:rPr lang="en-US" smtClean="0"/>
-              <a:t>7/31/2020</a:t>
+              <a:t>8/2/2020</a:t>
             </a:fld>
             <a:endParaRPr lang="en-US"/>
           </a:p>
@@ -1972,7 +2009,7 @@
           <a:p>
             <a:fld id="{A310A56D-2A73-4214-BDEC-EE3DDD3E3C39}" type="datetimeFigureOut">
               <a:rPr lang="en-US" smtClean="0"/>
-              <a:t>7/31/2020</a:t>
+              <a:t>8/2/2020</a:t>
             </a:fld>
             <a:endParaRPr lang="en-US"/>
           </a:p>
@@ -2085,7 +2122,7 @@
           <a:p>
             <a:fld id="{A310A56D-2A73-4214-BDEC-EE3DDD3E3C39}" type="datetimeFigureOut">
               <a:rPr lang="en-US" smtClean="0"/>
-              <a:t>7/31/2020</a:t>
+              <a:t>8/2/2020</a:t>
             </a:fld>
             <a:endParaRPr lang="en-US"/>
           </a:p>
@@ -2396,7 +2433,7 @@
           <a:p>
             <a:fld id="{A310A56D-2A73-4214-BDEC-EE3DDD3E3C39}" type="datetimeFigureOut">
               <a:rPr lang="en-US" smtClean="0"/>
-              <a:t>7/31/2020</a:t>
+              <a:t>8/2/2020</a:t>
             </a:fld>
             <a:endParaRPr lang="en-US"/>
           </a:p>
@@ -2684,7 +2721,7 @@
           <a:p>
             <a:fld id="{A310A56D-2A73-4214-BDEC-EE3DDD3E3C39}" type="datetimeFigureOut">
               <a:rPr lang="en-US" smtClean="0"/>
-              <a:t>7/31/2020</a:t>
+              <a:t>8/2/2020</a:t>
             </a:fld>
             <a:endParaRPr lang="en-US"/>
           </a:p>
@@ -2925,7 +2962,7 @@
           <a:p>
             <a:fld id="{A310A56D-2A73-4214-BDEC-EE3DDD3E3C39}" type="datetimeFigureOut">
               <a:rPr lang="en-US" smtClean="0"/>
-              <a:t>7/31/2020</a:t>
+              <a:t>8/2/2020</a:t>
             </a:fld>
             <a:endParaRPr lang="en-US"/>
           </a:p>
@@ -3363,7 +3400,10 @@
           <a:bodyPr/>
           <a:lstStyle/>
           <a:p>
-            <a:endParaRPr lang="en-US"/>
+            <a:r>
+              <a:rPr lang="en-US" dirty="0"/>
+              <a:t>King County Homes</a:t>
+            </a:r>
           </a:p>
         </p:txBody>
       </p:sp>
@@ -3388,7 +3428,7 @@
           <a:bodyPr/>
           <a:lstStyle/>
           <a:p>
-            <a:endParaRPr lang="en-US"/>
+            <a:endParaRPr lang="en-US" dirty="0"/>
           </a:p>
         </p:txBody>
       </p:sp>
@@ -3396,6 +3436,86 @@
     <p:extLst>
       <p:ext uri="{BB962C8B-B14F-4D97-AF65-F5344CB8AC3E}">
         <p14:creationId xmlns:p14="http://schemas.microsoft.com/office/powerpoint/2010/main" val="1265917787"/>
+      </p:ext>
+    </p:extLst>
+  </p:cSld>
+  <p:clrMapOvr>
+    <a:masterClrMapping/>
+  </p:clrMapOvr>
+</p:sld>
+</file>
+
+<file path=ppt/slides/slide2.xml><?xml version="1.0" encoding="utf-8"?>
+<p:sld xmlns:a="http://schemas.openxmlformats.org/drawingml/2006/main" xmlns:r="http://schemas.openxmlformats.org/officeDocument/2006/relationships" xmlns:p="http://schemas.openxmlformats.org/presentationml/2006/main">
+  <p:cSld>
+    <p:spTree>
+      <p:nvGrpSpPr>
+        <p:cNvPr id="1" name=""/>
+        <p:cNvGrpSpPr/>
+        <p:nvPr/>
+      </p:nvGrpSpPr>
+      <p:grpSpPr>
+        <a:xfrm>
+          <a:off x="0" y="0"/>
+          <a:ext cx="0" cy="0"/>
+          <a:chOff x="0" y="0"/>
+          <a:chExt cx="0" cy="0"/>
+        </a:xfrm>
+      </p:grpSpPr>
+      <p:sp>
+        <p:nvSpPr>
+          <p:cNvPr id="2" name="Title 1">
+            <a:extLst>
+              <a:ext uri="{FF2B5EF4-FFF2-40B4-BE49-F238E27FC236}">
+                <a16:creationId xmlns:a16="http://schemas.microsoft.com/office/drawing/2014/main" id="{A34B8A40-B7D8-4B6E-8F77-60C268CBF4ED}"/>
+              </a:ext>
+            </a:extLst>
+          </p:cNvPr>
+          <p:cNvSpPr>
+            <a:spLocks noGrp="1"/>
+          </p:cNvSpPr>
+          <p:nvPr>
+            <p:ph type="title"/>
+          </p:nvPr>
+        </p:nvSpPr>
+        <p:spPr/>
+        <p:txBody>
+          <a:bodyPr/>
+          <a:lstStyle/>
+          <a:p>
+            <a:endParaRPr lang="en-US"/>
+          </a:p>
+        </p:txBody>
+      </p:sp>
+      <p:sp>
+        <p:nvSpPr>
+          <p:cNvPr id="3" name="Content Placeholder 2">
+            <a:extLst>
+              <a:ext uri="{FF2B5EF4-FFF2-40B4-BE49-F238E27FC236}">
+                <a16:creationId xmlns:a16="http://schemas.microsoft.com/office/drawing/2014/main" id="{788DC7C3-148B-4450-96FA-03F96F3D79C9}"/>
+              </a:ext>
+            </a:extLst>
+          </p:cNvPr>
+          <p:cNvSpPr>
+            <a:spLocks noGrp="1"/>
+          </p:cNvSpPr>
+          <p:nvPr>
+            <p:ph idx="1"/>
+          </p:nvPr>
+        </p:nvSpPr>
+        <p:spPr/>
+        <p:txBody>
+          <a:bodyPr/>
+          <a:lstStyle/>
+          <a:p>
+            <a:endParaRPr lang="en-US"/>
+          </a:p>
+        </p:txBody>
+      </p:sp>
+    </p:spTree>
+    <p:extLst>
+      <p:ext uri="{BB962C8B-B14F-4D97-AF65-F5344CB8AC3E}">
+        <p14:creationId xmlns:p14="http://schemas.microsoft.com/office/powerpoint/2010/main" val="2709198907"/>
       </p:ext>
     </p:extLst>
   </p:cSld>

--- a/Non-Technical.pptx
+++ b/Non-Technical.pptx
@@ -2,11 +2,13 @@
 <file path=ppt/presentation.xml><?xml version="1.0" encoding="utf-8"?>
 <p:presentation xmlns:a="http://schemas.openxmlformats.org/drawingml/2006/main" xmlns:r="http://schemas.openxmlformats.org/officeDocument/2006/relationships" xmlns:p="http://schemas.openxmlformats.org/presentationml/2006/main" saveSubsetFonts="1">
   <p:sldMasterIdLst>
-    <p:sldMasterId id="2147483648" r:id="rId1"/>
+    <p:sldMasterId id="2147483672" r:id="rId1"/>
   </p:sldMasterIdLst>
   <p:sldIdLst>
     <p:sldId id="256" r:id="rId2"/>
-    <p:sldId id="257" r:id="rId3"/>
+    <p:sldId id="258" r:id="rId3"/>
+    <p:sldId id="257" r:id="rId4"/>
+    <p:sldId id="259" r:id="rId5"/>
   </p:sldIdLst>
   <p:sldSz cx="12192000" cy="6858000"/>
   <p:notesSz cx="6858000" cy="9144000"/>
@@ -14,7 +16,7 @@
     <a:defPPr>
       <a:defRPr lang="en-US"/>
     </a:defPPr>
-    <a:lvl1pPr marL="0" algn="l" defTabSz="914400" rtl="0" eaLnBrk="1" latinLnBrk="0" hangingPunct="1">
+    <a:lvl1pPr marL="0" algn="l" defTabSz="457200" rtl="0" eaLnBrk="1" latinLnBrk="0" hangingPunct="1">
       <a:defRPr sz="1800" kern="1200">
         <a:solidFill>
           <a:schemeClr val="tx1"/>
@@ -24,7 +26,7 @@
         <a:cs typeface="+mn-cs"/>
       </a:defRPr>
     </a:lvl1pPr>
-    <a:lvl2pPr marL="457200" algn="l" defTabSz="914400" rtl="0" eaLnBrk="1" latinLnBrk="0" hangingPunct="1">
+    <a:lvl2pPr marL="457200" algn="l" defTabSz="457200" rtl="0" eaLnBrk="1" latinLnBrk="0" hangingPunct="1">
       <a:defRPr sz="1800" kern="1200">
         <a:solidFill>
           <a:schemeClr val="tx1"/>
@@ -34,7 +36,7 @@
         <a:cs typeface="+mn-cs"/>
       </a:defRPr>
     </a:lvl2pPr>
-    <a:lvl3pPr marL="914400" algn="l" defTabSz="914400" rtl="0" eaLnBrk="1" latinLnBrk="0" hangingPunct="1">
+    <a:lvl3pPr marL="914400" algn="l" defTabSz="457200" rtl="0" eaLnBrk="1" latinLnBrk="0" hangingPunct="1">
       <a:defRPr sz="1800" kern="1200">
         <a:solidFill>
           <a:schemeClr val="tx1"/>
@@ -44,7 +46,7 @@
         <a:cs typeface="+mn-cs"/>
       </a:defRPr>
     </a:lvl3pPr>
-    <a:lvl4pPr marL="1371600" algn="l" defTabSz="914400" rtl="0" eaLnBrk="1" latinLnBrk="0" hangingPunct="1">
+    <a:lvl4pPr marL="1371600" algn="l" defTabSz="457200" rtl="0" eaLnBrk="1" latinLnBrk="0" hangingPunct="1">
       <a:defRPr sz="1800" kern="1200">
         <a:solidFill>
           <a:schemeClr val="tx1"/>
@@ -54,7 +56,7 @@
         <a:cs typeface="+mn-cs"/>
       </a:defRPr>
     </a:lvl4pPr>
-    <a:lvl5pPr marL="1828800" algn="l" defTabSz="914400" rtl="0" eaLnBrk="1" latinLnBrk="0" hangingPunct="1">
+    <a:lvl5pPr marL="1828800" algn="l" defTabSz="457200" rtl="0" eaLnBrk="1" latinLnBrk="0" hangingPunct="1">
       <a:defRPr sz="1800" kern="1200">
         <a:solidFill>
           <a:schemeClr val="tx1"/>
@@ -64,7 +66,7 @@
         <a:cs typeface="+mn-cs"/>
       </a:defRPr>
     </a:lvl5pPr>
-    <a:lvl6pPr marL="2286000" algn="l" defTabSz="914400" rtl="0" eaLnBrk="1" latinLnBrk="0" hangingPunct="1">
+    <a:lvl6pPr marL="2286000" algn="l" defTabSz="457200" rtl="0" eaLnBrk="1" latinLnBrk="0" hangingPunct="1">
       <a:defRPr sz="1800" kern="1200">
         <a:solidFill>
           <a:schemeClr val="tx1"/>
@@ -74,7 +76,7 @@
         <a:cs typeface="+mn-cs"/>
       </a:defRPr>
     </a:lvl6pPr>
-    <a:lvl7pPr marL="2743200" algn="l" defTabSz="914400" rtl="0" eaLnBrk="1" latinLnBrk="0" hangingPunct="1">
+    <a:lvl7pPr marL="2743200" algn="l" defTabSz="457200" rtl="0" eaLnBrk="1" latinLnBrk="0" hangingPunct="1">
       <a:defRPr sz="1800" kern="1200">
         <a:solidFill>
           <a:schemeClr val="tx1"/>
@@ -84,7 +86,7 @@
         <a:cs typeface="+mn-cs"/>
       </a:defRPr>
     </a:lvl7pPr>
-    <a:lvl8pPr marL="3200400" algn="l" defTabSz="914400" rtl="0" eaLnBrk="1" latinLnBrk="0" hangingPunct="1">
+    <a:lvl8pPr marL="3200400" algn="l" defTabSz="457200" rtl="0" eaLnBrk="1" latinLnBrk="0" hangingPunct="1">
       <a:defRPr sz="1800" kern="1200">
         <a:solidFill>
           <a:schemeClr val="tx1"/>
@@ -94,7 +96,7 @@
         <a:cs typeface="+mn-cs"/>
       </a:defRPr>
     </a:lvl8pPr>
-    <a:lvl9pPr marL="3657600" algn="l" defTabSz="914400" rtl="0" eaLnBrk="1" latinLnBrk="0" hangingPunct="1">
+    <a:lvl9pPr marL="3657600" algn="l" defTabSz="457200" rtl="0" eaLnBrk="1" latinLnBrk="0" hangingPunct="1">
       <a:defRPr sz="1800" kern="1200">
         <a:solidFill>
           <a:schemeClr val="tx1"/>
@@ -111,6 +113,14 @@
     </p:ext>
   </p:extLst>
 </p:presentation>
+</file>
+
+<file path=ppt/revisionInfo.xml><?xml version="1.0" encoding="utf-8"?>
+<p1510:revInfo xmlns:a="http://schemas.openxmlformats.org/drawingml/2006/main" xmlns:r="http://schemas.openxmlformats.org/officeDocument/2006/relationships" xmlns:p1510="http://schemas.microsoft.com/office/powerpoint/2015/10/main">
+  <p1510:revLst>
+    <p1510:client id="{63F90B20-AD47-4B60-BE49-36ADD5B2B0D2}" v="4" dt="2020-08-07T03:59:57.121"/>
+  </p1510:revLst>
+</p1510:revInfo>
 </file>
 
 <file path=ppt/changesInfos/changesInfo1.xml><?xml version="1.0" encoding="utf-8"?>
@@ -143,6 +153,92 @@
           <pc:docMk/>
           <pc:sldMk cId="2709198907" sldId="257"/>
         </pc:sldMkLst>
+      </pc:sldChg>
+    </pc:docChg>
+  </pc:docChgLst>
+  <pc:docChgLst>
+    <pc:chgData name="Michael" userId="0df92e9667c24698" providerId="LiveId" clId="{63F90B20-AD47-4B60-BE49-36ADD5B2B0D2}"/>
+    <pc:docChg chg="undo custSel addSld modSld">
+      <pc:chgData name="Michael" userId="0df92e9667c24698" providerId="LiveId" clId="{63F90B20-AD47-4B60-BE49-36ADD5B2B0D2}" dt="2020-08-07T04:00:47.851" v="187" actId="1076"/>
+      <pc:docMkLst>
+        <pc:docMk/>
+      </pc:docMkLst>
+      <pc:sldChg chg="addSp delSp modSp mod">
+        <pc:chgData name="Michael" userId="0df92e9667c24698" providerId="LiveId" clId="{63F90B20-AD47-4B60-BE49-36ADD5B2B0D2}" dt="2020-08-07T04:00:47.851" v="187" actId="1076"/>
+        <pc:sldMkLst>
+          <pc:docMk/>
+          <pc:sldMk cId="2709198907" sldId="257"/>
+        </pc:sldMkLst>
+        <pc:spChg chg="mod">
+          <ac:chgData name="Michael" userId="0df92e9667c24698" providerId="LiveId" clId="{63F90B20-AD47-4B60-BE49-36ADD5B2B0D2}" dt="2020-08-07T03:21:20.985" v="165" actId="20577"/>
+          <ac:spMkLst>
+            <pc:docMk/>
+            <pc:sldMk cId="2709198907" sldId="257"/>
+            <ac:spMk id="2" creationId="{A34B8A40-B7D8-4B6E-8F77-60C268CBF4ED}"/>
+          </ac:spMkLst>
+        </pc:spChg>
+        <pc:spChg chg="del">
+          <ac:chgData name="Michael" userId="0df92e9667c24698" providerId="LiveId" clId="{63F90B20-AD47-4B60-BE49-36ADD5B2B0D2}" dt="2020-08-07T03:56:59.877" v="166" actId="931"/>
+          <ac:spMkLst>
+            <pc:docMk/>
+            <pc:sldMk cId="2709198907" sldId="257"/>
+            <ac:spMk id="3" creationId="{788DC7C3-148B-4450-96FA-03F96F3D79C9}"/>
+          </ac:spMkLst>
+        </pc:spChg>
+        <pc:picChg chg="add mod">
+          <ac:chgData name="Michael" userId="0df92e9667c24698" providerId="LiveId" clId="{63F90B20-AD47-4B60-BE49-36ADD5B2B0D2}" dt="2020-08-07T04:00:47.851" v="187" actId="1076"/>
+          <ac:picMkLst>
+            <pc:docMk/>
+            <pc:sldMk cId="2709198907" sldId="257"/>
+            <ac:picMk id="5" creationId="{38766B99-6144-4199-9937-F7AA9E078255}"/>
+          </ac:picMkLst>
+        </pc:picChg>
+      </pc:sldChg>
+      <pc:sldChg chg="modSp new mod">
+        <pc:chgData name="Michael" userId="0df92e9667c24698" providerId="LiveId" clId="{63F90B20-AD47-4B60-BE49-36ADD5B2B0D2}" dt="2020-08-07T03:59:57.306" v="179" actId="27636"/>
+        <pc:sldMkLst>
+          <pc:docMk/>
+          <pc:sldMk cId="470197049" sldId="258"/>
+        </pc:sldMkLst>
+        <pc:spChg chg="mod">
+          <ac:chgData name="Michael" userId="0df92e9667c24698" providerId="LiveId" clId="{63F90B20-AD47-4B60-BE49-36ADD5B2B0D2}" dt="2020-08-07T03:18:11.776" v="73" actId="20577"/>
+          <ac:spMkLst>
+            <pc:docMk/>
+            <pc:sldMk cId="470197049" sldId="258"/>
+            <ac:spMk id="2" creationId="{450A55ED-B344-4B90-8E54-3FA7DCD06411}"/>
+          </ac:spMkLst>
+        </pc:spChg>
+        <pc:spChg chg="mod">
+          <ac:chgData name="Michael" userId="0df92e9667c24698" providerId="LiveId" clId="{63F90B20-AD47-4B60-BE49-36ADD5B2B0D2}" dt="2020-08-07T03:59:57.306" v="179" actId="27636"/>
+          <ac:spMkLst>
+            <pc:docMk/>
+            <pc:sldMk cId="470197049" sldId="258"/>
+            <ac:spMk id="3" creationId="{ACE8AE74-60CA-4CC0-B9B2-DAFCEB00217C}"/>
+          </ac:spMkLst>
+        </pc:spChg>
+      </pc:sldChg>
+      <pc:sldChg chg="addSp delSp modSp new mod">
+        <pc:chgData name="Michael" userId="0df92e9667c24698" providerId="LiveId" clId="{63F90B20-AD47-4B60-BE49-36ADD5B2B0D2}" dt="2020-08-07T04:00:11.132" v="184" actId="14100"/>
+        <pc:sldMkLst>
+          <pc:docMk/>
+          <pc:sldMk cId="1022739119" sldId="259"/>
+        </pc:sldMkLst>
+        <pc:spChg chg="del">
+          <ac:chgData name="Michael" userId="0df92e9667c24698" providerId="LiveId" clId="{63F90B20-AD47-4B60-BE49-36ADD5B2B0D2}" dt="2020-08-07T03:57:17.525" v="170" actId="931"/>
+          <ac:spMkLst>
+            <pc:docMk/>
+            <pc:sldMk cId="1022739119" sldId="259"/>
+            <ac:spMk id="3" creationId="{D728B6C6-CA48-40E7-9CF8-60DCFC98566F}"/>
+          </ac:spMkLst>
+        </pc:spChg>
+        <pc:picChg chg="add mod">
+          <ac:chgData name="Michael" userId="0df92e9667c24698" providerId="LiveId" clId="{63F90B20-AD47-4B60-BE49-36ADD5B2B0D2}" dt="2020-08-07T04:00:11.132" v="184" actId="14100"/>
+          <ac:picMkLst>
+            <pc:docMk/>
+            <pc:sldMk cId="1022739119" sldId="259"/>
+            <ac:picMk id="5" creationId="{1481E1AB-C705-4D63-A70E-F14EE30A4318}"/>
+          </ac:picMkLst>
+        </pc:picChg>
       </pc:sldChg>
     </pc:docChg>
   </pc:docChgLst>
@@ -184,13 +280,7 @@
       </p:grpSpPr>
       <p:sp>
         <p:nvSpPr>
-          <p:cNvPr id="2" name="Title 1">
-            <a:extLst>
-              <a:ext uri="{FF2B5EF4-FFF2-40B4-BE49-F238E27FC236}">
-                <a16:creationId xmlns:a16="http://schemas.microsoft.com/office/drawing/2014/main" id="{D3B37C7C-21C8-424F-A409-9BF14D272E7D}"/>
-              </a:ext>
-            </a:extLst>
-          </p:cNvPr>
+          <p:cNvPr id="2" name="Title 1"/>
           <p:cNvSpPr>
             <a:spLocks noGrp="1"/>
           </p:cNvSpPr>
@@ -216,18 +306,13 @@
               <a:rPr lang="en-US"/>
               <a:t>Click to edit Master title style</a:t>
             </a:r>
-          </a:p>
-        </p:txBody>
-      </p:sp>
-      <p:sp>
-        <p:nvSpPr>
-          <p:cNvPr id="3" name="Subtitle 2">
-            <a:extLst>
-              <a:ext uri="{FF2B5EF4-FFF2-40B4-BE49-F238E27FC236}">
-                <a16:creationId xmlns:a16="http://schemas.microsoft.com/office/drawing/2014/main" id="{33FB4B25-ADDE-44B0-8A89-24A5133D6106}"/>
-              </a:ext>
-            </a:extLst>
-          </p:cNvPr>
+            <a:endParaRPr lang="en-US" dirty="0"/>
+          </a:p>
+        </p:txBody>
+      </p:sp>
+      <p:sp>
+        <p:nvSpPr>
+          <p:cNvPr id="3" name="Subtitle 2"/>
           <p:cNvSpPr>
             <a:spLocks noGrp="1"/>
           </p:cNvSpPr>
@@ -286,18 +371,13 @@
               <a:rPr lang="en-US"/>
               <a:t>Click to edit Master subtitle style</a:t>
             </a:r>
-          </a:p>
-        </p:txBody>
-      </p:sp>
-      <p:sp>
-        <p:nvSpPr>
-          <p:cNvPr id="4" name="Date Placeholder 3">
-            <a:extLst>
-              <a:ext uri="{FF2B5EF4-FFF2-40B4-BE49-F238E27FC236}">
-                <a16:creationId xmlns:a16="http://schemas.microsoft.com/office/drawing/2014/main" id="{CCAACEAD-BFB1-48AA-A495-C460A451EC43}"/>
-              </a:ext>
-            </a:extLst>
-          </p:cNvPr>
+            <a:endParaRPr lang="en-US" dirty="0"/>
+          </a:p>
+        </p:txBody>
+      </p:sp>
+      <p:sp>
+        <p:nvSpPr>
+          <p:cNvPr id="4" name="Date Placeholder 3"/>
           <p:cNvSpPr>
             <a:spLocks noGrp="1"/>
           </p:cNvSpPr>
@@ -312,7 +392,7 @@
           <a:p>
             <a:fld id="{A310A56D-2A73-4214-BDEC-EE3DDD3E3C39}" type="datetimeFigureOut">
               <a:rPr lang="en-US" smtClean="0"/>
-              <a:t>8/2/2020</a:t>
+              <a:t>8/6/2020</a:t>
             </a:fld>
             <a:endParaRPr lang="en-US"/>
           </a:p>
@@ -320,13 +400,7 @@
       </p:sp>
       <p:sp>
         <p:nvSpPr>
-          <p:cNvPr id="5" name="Footer Placeholder 4">
-            <a:extLst>
-              <a:ext uri="{FF2B5EF4-FFF2-40B4-BE49-F238E27FC236}">
-                <a16:creationId xmlns:a16="http://schemas.microsoft.com/office/drawing/2014/main" id="{789C9952-B76D-4F14-8C76-4171137598DE}"/>
-              </a:ext>
-            </a:extLst>
-          </p:cNvPr>
+          <p:cNvPr id="5" name="Footer Placeholder 4"/>
           <p:cNvSpPr>
             <a:spLocks noGrp="1"/>
           </p:cNvSpPr>
@@ -345,13 +419,7 @@
       </p:sp>
       <p:sp>
         <p:nvSpPr>
-          <p:cNvPr id="6" name="Slide Number Placeholder 5">
-            <a:extLst>
-              <a:ext uri="{FF2B5EF4-FFF2-40B4-BE49-F238E27FC236}">
-                <a16:creationId xmlns:a16="http://schemas.microsoft.com/office/drawing/2014/main" id="{F80B5F27-D73D-46D5-83CB-888C93A7C97D}"/>
-              </a:ext>
-            </a:extLst>
-          </p:cNvPr>
+          <p:cNvPr id="6" name="Slide Number Placeholder 5"/>
           <p:cNvSpPr>
             <a:spLocks noGrp="1"/>
           </p:cNvSpPr>
@@ -375,7 +443,7 @@
     </p:spTree>
     <p:extLst>
       <p:ext uri="{BB962C8B-B14F-4D97-AF65-F5344CB8AC3E}">
-        <p14:creationId xmlns:p14="http://schemas.microsoft.com/office/powerpoint/2010/main" val="1762089329"/>
+        <p14:creationId xmlns:p14="http://schemas.microsoft.com/office/powerpoint/2010/main" val="3604365851"/>
       </p:ext>
     </p:extLst>
   </p:cSld>
@@ -404,13 +472,7 @@
       </p:grpSpPr>
       <p:sp>
         <p:nvSpPr>
-          <p:cNvPr id="2" name="Title 1">
-            <a:extLst>
-              <a:ext uri="{FF2B5EF4-FFF2-40B4-BE49-F238E27FC236}">
-                <a16:creationId xmlns:a16="http://schemas.microsoft.com/office/drawing/2014/main" id="{FAB0E330-4807-44E7-A5A4-ED231C86DAE0}"/>
-              </a:ext>
-            </a:extLst>
-          </p:cNvPr>
+          <p:cNvPr id="2" name="Title 1"/>
           <p:cNvSpPr>
             <a:spLocks noGrp="1"/>
           </p:cNvSpPr>
@@ -427,18 +489,13 @@
               <a:rPr lang="en-US"/>
               <a:t>Click to edit Master title style</a:t>
             </a:r>
-          </a:p>
-        </p:txBody>
-      </p:sp>
-      <p:sp>
-        <p:nvSpPr>
-          <p:cNvPr id="3" name="Vertical Text Placeholder 2">
-            <a:extLst>
-              <a:ext uri="{FF2B5EF4-FFF2-40B4-BE49-F238E27FC236}">
-                <a16:creationId xmlns:a16="http://schemas.microsoft.com/office/drawing/2014/main" id="{E64DBCDC-EFC3-499F-B696-E830D8100EB1}"/>
-              </a:ext>
-            </a:extLst>
-          </p:cNvPr>
+            <a:endParaRPr lang="en-US" dirty="0"/>
+          </a:p>
+        </p:txBody>
+      </p:sp>
+      <p:sp>
+        <p:nvSpPr>
+          <p:cNvPr id="3" name="Vertical Text Placeholder 2"/>
           <p:cNvSpPr>
             <a:spLocks noGrp="1"/>
           </p:cNvSpPr>
@@ -484,18 +541,13 @@
               <a:rPr lang="en-US"/>
               <a:t>Fifth level</a:t>
             </a:r>
-          </a:p>
-        </p:txBody>
-      </p:sp>
-      <p:sp>
-        <p:nvSpPr>
-          <p:cNvPr id="4" name="Date Placeholder 3">
-            <a:extLst>
-              <a:ext uri="{FF2B5EF4-FFF2-40B4-BE49-F238E27FC236}">
-                <a16:creationId xmlns:a16="http://schemas.microsoft.com/office/drawing/2014/main" id="{E75CC6F7-C88E-42AF-BC49-B7C4DFF381BF}"/>
-              </a:ext>
-            </a:extLst>
-          </p:cNvPr>
+            <a:endParaRPr lang="en-US" dirty="0"/>
+          </a:p>
+        </p:txBody>
+      </p:sp>
+      <p:sp>
+        <p:nvSpPr>
+          <p:cNvPr id="4" name="Date Placeholder 3"/>
           <p:cNvSpPr>
             <a:spLocks noGrp="1"/>
           </p:cNvSpPr>
@@ -510,7 +562,7 @@
           <a:p>
             <a:fld id="{A310A56D-2A73-4214-BDEC-EE3DDD3E3C39}" type="datetimeFigureOut">
               <a:rPr lang="en-US" smtClean="0"/>
-              <a:t>8/2/2020</a:t>
+              <a:t>8/6/2020</a:t>
             </a:fld>
             <a:endParaRPr lang="en-US"/>
           </a:p>
@@ -518,13 +570,7 @@
       </p:sp>
       <p:sp>
         <p:nvSpPr>
-          <p:cNvPr id="5" name="Footer Placeholder 4">
-            <a:extLst>
-              <a:ext uri="{FF2B5EF4-FFF2-40B4-BE49-F238E27FC236}">
-                <a16:creationId xmlns:a16="http://schemas.microsoft.com/office/drawing/2014/main" id="{0B3D4AF2-856A-4B4C-B4AE-AB7E4C122341}"/>
-              </a:ext>
-            </a:extLst>
-          </p:cNvPr>
+          <p:cNvPr id="5" name="Footer Placeholder 4"/>
           <p:cNvSpPr>
             <a:spLocks noGrp="1"/>
           </p:cNvSpPr>
@@ -543,13 +589,7 @@
       </p:sp>
       <p:sp>
         <p:nvSpPr>
-          <p:cNvPr id="6" name="Slide Number Placeholder 5">
-            <a:extLst>
-              <a:ext uri="{FF2B5EF4-FFF2-40B4-BE49-F238E27FC236}">
-                <a16:creationId xmlns:a16="http://schemas.microsoft.com/office/drawing/2014/main" id="{DC3FA94F-145C-48A4-935F-0912EDC2E1BF}"/>
-              </a:ext>
-            </a:extLst>
-          </p:cNvPr>
+          <p:cNvPr id="6" name="Slide Number Placeholder 5"/>
           <p:cNvSpPr>
             <a:spLocks noGrp="1"/>
           </p:cNvSpPr>
@@ -573,7 +613,7 @@
     </p:spTree>
     <p:extLst>
       <p:ext uri="{BB962C8B-B14F-4D97-AF65-F5344CB8AC3E}">
-        <p14:creationId xmlns:p14="http://schemas.microsoft.com/office/powerpoint/2010/main" val="1081717538"/>
+        <p14:creationId xmlns:p14="http://schemas.microsoft.com/office/powerpoint/2010/main" val="522256396"/>
       </p:ext>
     </p:extLst>
   </p:cSld>
@@ -602,13 +642,7 @@
       </p:grpSpPr>
       <p:sp>
         <p:nvSpPr>
-          <p:cNvPr id="2" name="Vertical Title 1">
-            <a:extLst>
-              <a:ext uri="{FF2B5EF4-FFF2-40B4-BE49-F238E27FC236}">
-                <a16:creationId xmlns:a16="http://schemas.microsoft.com/office/drawing/2014/main" id="{2E7B879D-9AE0-490D-A91B-FC4D171688D1}"/>
-              </a:ext>
-            </a:extLst>
-          </p:cNvPr>
+          <p:cNvPr id="2" name="Vertical Title 1"/>
           <p:cNvSpPr>
             <a:spLocks noGrp="1"/>
           </p:cNvSpPr>
@@ -630,18 +664,13 @@
               <a:rPr lang="en-US"/>
               <a:t>Click to edit Master title style</a:t>
             </a:r>
-          </a:p>
-        </p:txBody>
-      </p:sp>
-      <p:sp>
-        <p:nvSpPr>
-          <p:cNvPr id="3" name="Vertical Text Placeholder 2">
-            <a:extLst>
-              <a:ext uri="{FF2B5EF4-FFF2-40B4-BE49-F238E27FC236}">
-                <a16:creationId xmlns:a16="http://schemas.microsoft.com/office/drawing/2014/main" id="{961FC221-28B0-48FB-B0FE-1D993FC9D44E}"/>
-              </a:ext>
-            </a:extLst>
-          </p:cNvPr>
+            <a:endParaRPr lang="en-US" dirty="0"/>
+          </a:p>
+        </p:txBody>
+      </p:sp>
+      <p:sp>
+        <p:nvSpPr>
+          <p:cNvPr id="3" name="Vertical Text Placeholder 2"/>
           <p:cNvSpPr>
             <a:spLocks noGrp="1"/>
           </p:cNvSpPr>
@@ -692,18 +721,13 @@
               <a:rPr lang="en-US"/>
               <a:t>Fifth level</a:t>
             </a:r>
-          </a:p>
-        </p:txBody>
-      </p:sp>
-      <p:sp>
-        <p:nvSpPr>
-          <p:cNvPr id="4" name="Date Placeholder 3">
-            <a:extLst>
-              <a:ext uri="{FF2B5EF4-FFF2-40B4-BE49-F238E27FC236}">
-                <a16:creationId xmlns:a16="http://schemas.microsoft.com/office/drawing/2014/main" id="{FF6987BC-0294-4FD6-80B5-127ADD2F6FAD}"/>
-              </a:ext>
-            </a:extLst>
-          </p:cNvPr>
+            <a:endParaRPr lang="en-US" dirty="0"/>
+          </a:p>
+        </p:txBody>
+      </p:sp>
+      <p:sp>
+        <p:nvSpPr>
+          <p:cNvPr id="4" name="Date Placeholder 3"/>
           <p:cNvSpPr>
             <a:spLocks noGrp="1"/>
           </p:cNvSpPr>
@@ -718,7 +742,7 @@
           <a:p>
             <a:fld id="{A310A56D-2A73-4214-BDEC-EE3DDD3E3C39}" type="datetimeFigureOut">
               <a:rPr lang="en-US" smtClean="0"/>
-              <a:t>8/2/2020</a:t>
+              <a:t>8/6/2020</a:t>
             </a:fld>
             <a:endParaRPr lang="en-US"/>
           </a:p>
@@ -726,13 +750,7 @@
       </p:sp>
       <p:sp>
         <p:nvSpPr>
-          <p:cNvPr id="5" name="Footer Placeholder 4">
-            <a:extLst>
-              <a:ext uri="{FF2B5EF4-FFF2-40B4-BE49-F238E27FC236}">
-                <a16:creationId xmlns:a16="http://schemas.microsoft.com/office/drawing/2014/main" id="{7BA844CC-E19C-4024-89C0-B859DCC699AF}"/>
-              </a:ext>
-            </a:extLst>
-          </p:cNvPr>
+          <p:cNvPr id="5" name="Footer Placeholder 4"/>
           <p:cNvSpPr>
             <a:spLocks noGrp="1"/>
           </p:cNvSpPr>
@@ -751,13 +769,7 @@
       </p:sp>
       <p:sp>
         <p:nvSpPr>
-          <p:cNvPr id="6" name="Slide Number Placeholder 5">
-            <a:extLst>
-              <a:ext uri="{FF2B5EF4-FFF2-40B4-BE49-F238E27FC236}">
-                <a16:creationId xmlns:a16="http://schemas.microsoft.com/office/drawing/2014/main" id="{DE12438E-6655-43F2-BCBA-975EA65A8103}"/>
-              </a:ext>
-            </a:extLst>
-          </p:cNvPr>
+          <p:cNvPr id="6" name="Slide Number Placeholder 5"/>
           <p:cNvSpPr>
             <a:spLocks noGrp="1"/>
           </p:cNvSpPr>
@@ -781,7 +793,7 @@
     </p:spTree>
     <p:extLst>
       <p:ext uri="{BB962C8B-B14F-4D97-AF65-F5344CB8AC3E}">
-        <p14:creationId xmlns:p14="http://schemas.microsoft.com/office/powerpoint/2010/main" val="2023715101"/>
+        <p14:creationId xmlns:p14="http://schemas.microsoft.com/office/powerpoint/2010/main" val="3445887728"/>
       </p:ext>
     </p:extLst>
   </p:cSld>
@@ -810,13 +822,7 @@
       </p:grpSpPr>
       <p:sp>
         <p:nvSpPr>
-          <p:cNvPr id="2" name="Title 1">
-            <a:extLst>
-              <a:ext uri="{FF2B5EF4-FFF2-40B4-BE49-F238E27FC236}">
-                <a16:creationId xmlns:a16="http://schemas.microsoft.com/office/drawing/2014/main" id="{8AC89E9B-A33D-46FF-B48D-C4DD1C2D6567}"/>
-              </a:ext>
-            </a:extLst>
-          </p:cNvPr>
+          <p:cNvPr id="2" name="Title 1"/>
           <p:cNvSpPr>
             <a:spLocks noGrp="1"/>
           </p:cNvSpPr>
@@ -833,18 +839,13 @@
               <a:rPr lang="en-US"/>
               <a:t>Click to edit Master title style</a:t>
             </a:r>
-          </a:p>
-        </p:txBody>
-      </p:sp>
-      <p:sp>
-        <p:nvSpPr>
-          <p:cNvPr id="3" name="Content Placeholder 2">
-            <a:extLst>
-              <a:ext uri="{FF2B5EF4-FFF2-40B4-BE49-F238E27FC236}">
-                <a16:creationId xmlns:a16="http://schemas.microsoft.com/office/drawing/2014/main" id="{005191A7-EC03-43A1-AE22-0B3CC9501E51}"/>
-              </a:ext>
-            </a:extLst>
-          </p:cNvPr>
+            <a:endParaRPr lang="en-US" dirty="0"/>
+          </a:p>
+        </p:txBody>
+      </p:sp>
+      <p:sp>
+        <p:nvSpPr>
+          <p:cNvPr id="3" name="Content Placeholder 2"/>
           <p:cNvSpPr>
             <a:spLocks noGrp="1"/>
           </p:cNvSpPr>
@@ -890,18 +891,13 @@
               <a:rPr lang="en-US"/>
               <a:t>Fifth level</a:t>
             </a:r>
-          </a:p>
-        </p:txBody>
-      </p:sp>
-      <p:sp>
-        <p:nvSpPr>
-          <p:cNvPr id="4" name="Date Placeholder 3">
-            <a:extLst>
-              <a:ext uri="{FF2B5EF4-FFF2-40B4-BE49-F238E27FC236}">
-                <a16:creationId xmlns:a16="http://schemas.microsoft.com/office/drawing/2014/main" id="{C0C4DB94-C8C3-4CB5-963C-90DC8CC72B90}"/>
-              </a:ext>
-            </a:extLst>
-          </p:cNvPr>
+            <a:endParaRPr lang="en-US" dirty="0"/>
+          </a:p>
+        </p:txBody>
+      </p:sp>
+      <p:sp>
+        <p:nvSpPr>
+          <p:cNvPr id="4" name="Date Placeholder 3"/>
           <p:cNvSpPr>
             <a:spLocks noGrp="1"/>
           </p:cNvSpPr>
@@ -916,7 +912,7 @@
           <a:p>
             <a:fld id="{A310A56D-2A73-4214-BDEC-EE3DDD3E3C39}" type="datetimeFigureOut">
               <a:rPr lang="en-US" smtClean="0"/>
-              <a:t>8/2/2020</a:t>
+              <a:t>8/6/2020</a:t>
             </a:fld>
             <a:endParaRPr lang="en-US"/>
           </a:p>
@@ -924,13 +920,7 @@
       </p:sp>
       <p:sp>
         <p:nvSpPr>
-          <p:cNvPr id="5" name="Footer Placeholder 4">
-            <a:extLst>
-              <a:ext uri="{FF2B5EF4-FFF2-40B4-BE49-F238E27FC236}">
-                <a16:creationId xmlns:a16="http://schemas.microsoft.com/office/drawing/2014/main" id="{0547A8C1-D7F5-4B0A-82C7-5D39EDAE1476}"/>
-              </a:ext>
-            </a:extLst>
-          </p:cNvPr>
+          <p:cNvPr id="5" name="Footer Placeholder 4"/>
           <p:cNvSpPr>
             <a:spLocks noGrp="1"/>
           </p:cNvSpPr>
@@ -949,13 +939,7 @@
       </p:sp>
       <p:sp>
         <p:nvSpPr>
-          <p:cNvPr id="6" name="Slide Number Placeholder 5">
-            <a:extLst>
-              <a:ext uri="{FF2B5EF4-FFF2-40B4-BE49-F238E27FC236}">
-                <a16:creationId xmlns:a16="http://schemas.microsoft.com/office/drawing/2014/main" id="{4B75185E-369B-4275-814A-F31F6DE79010}"/>
-              </a:ext>
-            </a:extLst>
-          </p:cNvPr>
+          <p:cNvPr id="6" name="Slide Number Placeholder 5"/>
           <p:cNvSpPr>
             <a:spLocks noGrp="1"/>
           </p:cNvSpPr>
@@ -979,7 +963,7 @@
     </p:spTree>
     <p:extLst>
       <p:ext uri="{BB962C8B-B14F-4D97-AF65-F5344CB8AC3E}">
-        <p14:creationId xmlns:p14="http://schemas.microsoft.com/office/powerpoint/2010/main" val="1534629150"/>
+        <p14:creationId xmlns:p14="http://schemas.microsoft.com/office/powerpoint/2010/main" val="3942564165"/>
       </p:ext>
     </p:extLst>
   </p:cSld>
@@ -1008,13 +992,7 @@
       </p:grpSpPr>
       <p:sp>
         <p:nvSpPr>
-          <p:cNvPr id="2" name="Title 1">
-            <a:extLst>
-              <a:ext uri="{FF2B5EF4-FFF2-40B4-BE49-F238E27FC236}">
-                <a16:creationId xmlns:a16="http://schemas.microsoft.com/office/drawing/2014/main" id="{705514FE-D1E6-4BA8-8D91-4405ACA6836C}"/>
-              </a:ext>
-            </a:extLst>
-          </p:cNvPr>
+          <p:cNvPr id="2" name="Title 1"/>
           <p:cNvSpPr>
             <a:spLocks noGrp="1"/>
           </p:cNvSpPr>
@@ -1040,18 +1018,13 @@
               <a:rPr lang="en-US"/>
               <a:t>Click to edit Master title style</a:t>
             </a:r>
-          </a:p>
-        </p:txBody>
-      </p:sp>
-      <p:sp>
-        <p:nvSpPr>
-          <p:cNvPr id="3" name="Text Placeholder 2">
-            <a:extLst>
-              <a:ext uri="{FF2B5EF4-FFF2-40B4-BE49-F238E27FC236}">
-                <a16:creationId xmlns:a16="http://schemas.microsoft.com/office/drawing/2014/main" id="{EA1BCADD-6FCC-4F2E-A860-56F71ED6C969}"/>
-              </a:ext>
-            </a:extLst>
-          </p:cNvPr>
+            <a:endParaRPr lang="en-US" dirty="0"/>
+          </a:p>
+        </p:txBody>
+      </p:sp>
+      <p:sp>
+        <p:nvSpPr>
+          <p:cNvPr id="3" name="Text Placeholder 2"/>
           <p:cNvSpPr>
             <a:spLocks noGrp="1"/>
           </p:cNvSpPr>
@@ -1170,13 +1143,7 @@
       </p:sp>
       <p:sp>
         <p:nvSpPr>
-          <p:cNvPr id="4" name="Date Placeholder 3">
-            <a:extLst>
-              <a:ext uri="{FF2B5EF4-FFF2-40B4-BE49-F238E27FC236}">
-                <a16:creationId xmlns:a16="http://schemas.microsoft.com/office/drawing/2014/main" id="{59AD5121-8836-4169-9C20-DDF09928D3BB}"/>
-              </a:ext>
-            </a:extLst>
-          </p:cNvPr>
+          <p:cNvPr id="4" name="Date Placeholder 3"/>
           <p:cNvSpPr>
             <a:spLocks noGrp="1"/>
           </p:cNvSpPr>
@@ -1191,7 +1158,7 @@
           <a:p>
             <a:fld id="{A310A56D-2A73-4214-BDEC-EE3DDD3E3C39}" type="datetimeFigureOut">
               <a:rPr lang="en-US" smtClean="0"/>
-              <a:t>8/2/2020</a:t>
+              <a:t>8/6/2020</a:t>
             </a:fld>
             <a:endParaRPr lang="en-US"/>
           </a:p>
@@ -1199,13 +1166,7 @@
       </p:sp>
       <p:sp>
         <p:nvSpPr>
-          <p:cNvPr id="5" name="Footer Placeholder 4">
-            <a:extLst>
-              <a:ext uri="{FF2B5EF4-FFF2-40B4-BE49-F238E27FC236}">
-                <a16:creationId xmlns:a16="http://schemas.microsoft.com/office/drawing/2014/main" id="{078E6D33-636F-49A5-A5E8-29CF43ED5D70}"/>
-              </a:ext>
-            </a:extLst>
-          </p:cNvPr>
+          <p:cNvPr id="5" name="Footer Placeholder 4"/>
           <p:cNvSpPr>
             <a:spLocks noGrp="1"/>
           </p:cNvSpPr>
@@ -1224,13 +1185,7 @@
       </p:sp>
       <p:sp>
         <p:nvSpPr>
-          <p:cNvPr id="6" name="Slide Number Placeholder 5">
-            <a:extLst>
-              <a:ext uri="{FF2B5EF4-FFF2-40B4-BE49-F238E27FC236}">
-                <a16:creationId xmlns:a16="http://schemas.microsoft.com/office/drawing/2014/main" id="{EA1194DE-BA57-4475-83F8-A1C9917B4696}"/>
-              </a:ext>
-            </a:extLst>
-          </p:cNvPr>
+          <p:cNvPr id="6" name="Slide Number Placeholder 5"/>
           <p:cNvSpPr>
             <a:spLocks noGrp="1"/>
           </p:cNvSpPr>
@@ -1254,7 +1209,7 @@
     </p:spTree>
     <p:extLst>
       <p:ext uri="{BB962C8B-B14F-4D97-AF65-F5344CB8AC3E}">
-        <p14:creationId xmlns:p14="http://schemas.microsoft.com/office/powerpoint/2010/main" val="284111324"/>
+        <p14:creationId xmlns:p14="http://schemas.microsoft.com/office/powerpoint/2010/main" val="1712169665"/>
       </p:ext>
     </p:extLst>
   </p:cSld>
@@ -1283,13 +1238,7 @@
       </p:grpSpPr>
       <p:sp>
         <p:nvSpPr>
-          <p:cNvPr id="2" name="Title 1">
-            <a:extLst>
-              <a:ext uri="{FF2B5EF4-FFF2-40B4-BE49-F238E27FC236}">
-                <a16:creationId xmlns:a16="http://schemas.microsoft.com/office/drawing/2014/main" id="{747FD54F-BE32-4983-9FDB-1E3DBDB574D5}"/>
-              </a:ext>
-            </a:extLst>
-          </p:cNvPr>
+          <p:cNvPr id="2" name="Title 1"/>
           <p:cNvSpPr>
             <a:spLocks noGrp="1"/>
           </p:cNvSpPr>
@@ -1306,18 +1255,13 @@
               <a:rPr lang="en-US"/>
               <a:t>Click to edit Master title style</a:t>
             </a:r>
-          </a:p>
-        </p:txBody>
-      </p:sp>
-      <p:sp>
-        <p:nvSpPr>
-          <p:cNvPr id="3" name="Content Placeholder 2">
-            <a:extLst>
-              <a:ext uri="{FF2B5EF4-FFF2-40B4-BE49-F238E27FC236}">
-                <a16:creationId xmlns:a16="http://schemas.microsoft.com/office/drawing/2014/main" id="{F50C1389-8A01-4582-A635-F64FF8CF4573}"/>
-              </a:ext>
-            </a:extLst>
-          </p:cNvPr>
+            <a:endParaRPr lang="en-US" dirty="0"/>
+          </a:p>
+        </p:txBody>
+      </p:sp>
+      <p:sp>
+        <p:nvSpPr>
+          <p:cNvPr id="3" name="Content Placeholder 2"/>
           <p:cNvSpPr>
             <a:spLocks noGrp="1"/>
           </p:cNvSpPr>
@@ -1368,18 +1312,13 @@
               <a:rPr lang="en-US"/>
               <a:t>Fifth level</a:t>
             </a:r>
-          </a:p>
-        </p:txBody>
-      </p:sp>
-      <p:sp>
-        <p:nvSpPr>
-          <p:cNvPr id="4" name="Content Placeholder 3">
-            <a:extLst>
-              <a:ext uri="{FF2B5EF4-FFF2-40B4-BE49-F238E27FC236}">
-                <a16:creationId xmlns:a16="http://schemas.microsoft.com/office/drawing/2014/main" id="{ECC2B960-9FB6-4673-A619-D70A58B6D10C}"/>
-              </a:ext>
-            </a:extLst>
-          </p:cNvPr>
+            <a:endParaRPr lang="en-US" dirty="0"/>
+          </a:p>
+        </p:txBody>
+      </p:sp>
+      <p:sp>
+        <p:nvSpPr>
+          <p:cNvPr id="4" name="Content Placeholder 3"/>
           <p:cNvSpPr>
             <a:spLocks noGrp="1"/>
           </p:cNvSpPr>
@@ -1430,18 +1369,13 @@
               <a:rPr lang="en-US"/>
               <a:t>Fifth level</a:t>
             </a:r>
-          </a:p>
-        </p:txBody>
-      </p:sp>
-      <p:sp>
-        <p:nvSpPr>
-          <p:cNvPr id="5" name="Date Placeholder 4">
-            <a:extLst>
-              <a:ext uri="{FF2B5EF4-FFF2-40B4-BE49-F238E27FC236}">
-                <a16:creationId xmlns:a16="http://schemas.microsoft.com/office/drawing/2014/main" id="{C4004656-0434-4D21-AE82-8B335ABF9FB7}"/>
-              </a:ext>
-            </a:extLst>
-          </p:cNvPr>
+            <a:endParaRPr lang="en-US" dirty="0"/>
+          </a:p>
+        </p:txBody>
+      </p:sp>
+      <p:sp>
+        <p:nvSpPr>
+          <p:cNvPr id="5" name="Date Placeholder 4"/>
           <p:cNvSpPr>
             <a:spLocks noGrp="1"/>
           </p:cNvSpPr>
@@ -1456,7 +1390,7 @@
           <a:p>
             <a:fld id="{A310A56D-2A73-4214-BDEC-EE3DDD3E3C39}" type="datetimeFigureOut">
               <a:rPr lang="en-US" smtClean="0"/>
-              <a:t>8/2/2020</a:t>
+              <a:t>8/6/2020</a:t>
             </a:fld>
             <a:endParaRPr lang="en-US"/>
           </a:p>
@@ -1464,13 +1398,7 @@
       </p:sp>
       <p:sp>
         <p:nvSpPr>
-          <p:cNvPr id="6" name="Footer Placeholder 5">
-            <a:extLst>
-              <a:ext uri="{FF2B5EF4-FFF2-40B4-BE49-F238E27FC236}">
-                <a16:creationId xmlns:a16="http://schemas.microsoft.com/office/drawing/2014/main" id="{9758127D-DFC0-46D4-BE3A-CDF86AF4E1CC}"/>
-              </a:ext>
-            </a:extLst>
-          </p:cNvPr>
+          <p:cNvPr id="6" name="Footer Placeholder 5"/>
           <p:cNvSpPr>
             <a:spLocks noGrp="1"/>
           </p:cNvSpPr>
@@ -1489,13 +1417,7 @@
       </p:sp>
       <p:sp>
         <p:nvSpPr>
-          <p:cNvPr id="7" name="Slide Number Placeholder 6">
-            <a:extLst>
-              <a:ext uri="{FF2B5EF4-FFF2-40B4-BE49-F238E27FC236}">
-                <a16:creationId xmlns:a16="http://schemas.microsoft.com/office/drawing/2014/main" id="{B4C57A4C-12CC-4F1E-A0B4-A43036E198DC}"/>
-              </a:ext>
-            </a:extLst>
-          </p:cNvPr>
+          <p:cNvPr id="7" name="Slide Number Placeholder 6"/>
           <p:cNvSpPr>
             <a:spLocks noGrp="1"/>
           </p:cNvSpPr>
@@ -1519,7 +1441,7 @@
     </p:spTree>
     <p:extLst>
       <p:ext uri="{BB962C8B-B14F-4D97-AF65-F5344CB8AC3E}">
-        <p14:creationId xmlns:p14="http://schemas.microsoft.com/office/powerpoint/2010/main" val="1680896701"/>
+        <p14:creationId xmlns:p14="http://schemas.microsoft.com/office/powerpoint/2010/main" val="362261546"/>
       </p:ext>
     </p:extLst>
   </p:cSld>
@@ -1548,13 +1470,7 @@
       </p:grpSpPr>
       <p:sp>
         <p:nvSpPr>
-          <p:cNvPr id="2" name="Title 1">
-            <a:extLst>
-              <a:ext uri="{FF2B5EF4-FFF2-40B4-BE49-F238E27FC236}">
-                <a16:creationId xmlns:a16="http://schemas.microsoft.com/office/drawing/2014/main" id="{9335E234-A207-468F-83BF-EEFD76967CA6}"/>
-              </a:ext>
-            </a:extLst>
-          </p:cNvPr>
+          <p:cNvPr id="2" name="Title 1"/>
           <p:cNvSpPr>
             <a:spLocks noGrp="1"/>
           </p:cNvSpPr>
@@ -1576,18 +1492,13 @@
               <a:rPr lang="en-US"/>
               <a:t>Click to edit Master title style</a:t>
             </a:r>
-          </a:p>
-        </p:txBody>
-      </p:sp>
-      <p:sp>
-        <p:nvSpPr>
-          <p:cNvPr id="3" name="Text Placeholder 2">
-            <a:extLst>
-              <a:ext uri="{FF2B5EF4-FFF2-40B4-BE49-F238E27FC236}">
-                <a16:creationId xmlns:a16="http://schemas.microsoft.com/office/drawing/2014/main" id="{32E8E311-7A48-4C90-9E08-27870F711D0C}"/>
-              </a:ext>
-            </a:extLst>
-          </p:cNvPr>
+            <a:endParaRPr lang="en-US" dirty="0"/>
+          </a:p>
+        </p:txBody>
+      </p:sp>
+      <p:sp>
+        <p:nvSpPr>
+          <p:cNvPr id="3" name="Text Placeholder 2"/>
           <p:cNvSpPr>
             <a:spLocks noGrp="1"/>
           </p:cNvSpPr>
@@ -1652,13 +1563,7 @@
       </p:sp>
       <p:sp>
         <p:nvSpPr>
-          <p:cNvPr id="4" name="Content Placeholder 3">
-            <a:extLst>
-              <a:ext uri="{FF2B5EF4-FFF2-40B4-BE49-F238E27FC236}">
-                <a16:creationId xmlns:a16="http://schemas.microsoft.com/office/drawing/2014/main" id="{1374C382-CA87-456A-BEB1-280CC9514A54}"/>
-              </a:ext>
-            </a:extLst>
-          </p:cNvPr>
+          <p:cNvPr id="4" name="Content Placeholder 3"/>
           <p:cNvSpPr>
             <a:spLocks noGrp="1"/>
           </p:cNvSpPr>
@@ -1709,18 +1614,13 @@
               <a:rPr lang="en-US"/>
               <a:t>Fifth level</a:t>
             </a:r>
-          </a:p>
-        </p:txBody>
-      </p:sp>
-      <p:sp>
-        <p:nvSpPr>
-          <p:cNvPr id="5" name="Text Placeholder 4">
-            <a:extLst>
-              <a:ext uri="{FF2B5EF4-FFF2-40B4-BE49-F238E27FC236}">
-                <a16:creationId xmlns:a16="http://schemas.microsoft.com/office/drawing/2014/main" id="{FE398C69-70BF-4209-BC56-00A0E3CAB341}"/>
-              </a:ext>
-            </a:extLst>
-          </p:cNvPr>
+            <a:endParaRPr lang="en-US" dirty="0"/>
+          </a:p>
+        </p:txBody>
+      </p:sp>
+      <p:sp>
+        <p:nvSpPr>
+          <p:cNvPr id="5" name="Text Placeholder 4"/>
           <p:cNvSpPr>
             <a:spLocks noGrp="1"/>
           </p:cNvSpPr>
@@ -1785,13 +1685,7 @@
       </p:sp>
       <p:sp>
         <p:nvSpPr>
-          <p:cNvPr id="6" name="Content Placeholder 5">
-            <a:extLst>
-              <a:ext uri="{FF2B5EF4-FFF2-40B4-BE49-F238E27FC236}">
-                <a16:creationId xmlns:a16="http://schemas.microsoft.com/office/drawing/2014/main" id="{4D4D9AA5-4A2C-4518-A7CC-C6AA3C09BF67}"/>
-              </a:ext>
-            </a:extLst>
-          </p:cNvPr>
+          <p:cNvPr id="6" name="Content Placeholder 5"/>
           <p:cNvSpPr>
             <a:spLocks noGrp="1"/>
           </p:cNvSpPr>
@@ -1842,18 +1736,13 @@
               <a:rPr lang="en-US"/>
               <a:t>Fifth level</a:t>
             </a:r>
-          </a:p>
-        </p:txBody>
-      </p:sp>
-      <p:sp>
-        <p:nvSpPr>
-          <p:cNvPr id="7" name="Date Placeholder 6">
-            <a:extLst>
-              <a:ext uri="{FF2B5EF4-FFF2-40B4-BE49-F238E27FC236}">
-                <a16:creationId xmlns:a16="http://schemas.microsoft.com/office/drawing/2014/main" id="{1C8C8CA4-7599-4CCA-8BCE-0C2F698B8A6D}"/>
-              </a:ext>
-            </a:extLst>
-          </p:cNvPr>
+            <a:endParaRPr lang="en-US" dirty="0"/>
+          </a:p>
+        </p:txBody>
+      </p:sp>
+      <p:sp>
+        <p:nvSpPr>
+          <p:cNvPr id="7" name="Date Placeholder 6"/>
           <p:cNvSpPr>
             <a:spLocks noGrp="1"/>
           </p:cNvSpPr>
@@ -1868,7 +1757,7 @@
           <a:p>
             <a:fld id="{A310A56D-2A73-4214-BDEC-EE3DDD3E3C39}" type="datetimeFigureOut">
               <a:rPr lang="en-US" smtClean="0"/>
-              <a:t>8/2/2020</a:t>
+              <a:t>8/6/2020</a:t>
             </a:fld>
             <a:endParaRPr lang="en-US"/>
           </a:p>
@@ -1876,13 +1765,7 @@
       </p:sp>
       <p:sp>
         <p:nvSpPr>
-          <p:cNvPr id="8" name="Footer Placeholder 7">
-            <a:extLst>
-              <a:ext uri="{FF2B5EF4-FFF2-40B4-BE49-F238E27FC236}">
-                <a16:creationId xmlns:a16="http://schemas.microsoft.com/office/drawing/2014/main" id="{F67F7164-8D76-49A5-9B8E-C28C24E2E818}"/>
-              </a:ext>
-            </a:extLst>
-          </p:cNvPr>
+          <p:cNvPr id="8" name="Footer Placeholder 7"/>
           <p:cNvSpPr>
             <a:spLocks noGrp="1"/>
           </p:cNvSpPr>
@@ -1901,13 +1784,7 @@
       </p:sp>
       <p:sp>
         <p:nvSpPr>
-          <p:cNvPr id="9" name="Slide Number Placeholder 8">
-            <a:extLst>
-              <a:ext uri="{FF2B5EF4-FFF2-40B4-BE49-F238E27FC236}">
-                <a16:creationId xmlns:a16="http://schemas.microsoft.com/office/drawing/2014/main" id="{E26F397E-285E-4B54-BD56-4E907AFDA37B}"/>
-              </a:ext>
-            </a:extLst>
-          </p:cNvPr>
+          <p:cNvPr id="9" name="Slide Number Placeholder 8"/>
           <p:cNvSpPr>
             <a:spLocks noGrp="1"/>
           </p:cNvSpPr>
@@ -1931,7 +1808,7 @@
     </p:spTree>
     <p:extLst>
       <p:ext uri="{BB962C8B-B14F-4D97-AF65-F5344CB8AC3E}">
-        <p14:creationId xmlns:p14="http://schemas.microsoft.com/office/powerpoint/2010/main" val="4143893424"/>
+        <p14:creationId xmlns:p14="http://schemas.microsoft.com/office/powerpoint/2010/main" val="3043350692"/>
       </p:ext>
     </p:extLst>
   </p:cSld>
@@ -1960,13 +1837,7 @@
       </p:grpSpPr>
       <p:sp>
         <p:nvSpPr>
-          <p:cNvPr id="2" name="Title 1">
-            <a:extLst>
-              <a:ext uri="{FF2B5EF4-FFF2-40B4-BE49-F238E27FC236}">
-                <a16:creationId xmlns:a16="http://schemas.microsoft.com/office/drawing/2014/main" id="{9D8B6A94-76D8-47C6-AF66-A417911ADAC1}"/>
-              </a:ext>
-            </a:extLst>
-          </p:cNvPr>
+          <p:cNvPr id="2" name="Title 1"/>
           <p:cNvSpPr>
             <a:spLocks noGrp="1"/>
           </p:cNvSpPr>
@@ -1983,18 +1854,13 @@
               <a:rPr lang="en-US"/>
               <a:t>Click to edit Master title style</a:t>
             </a:r>
-          </a:p>
-        </p:txBody>
-      </p:sp>
-      <p:sp>
-        <p:nvSpPr>
-          <p:cNvPr id="3" name="Date Placeholder 2">
-            <a:extLst>
-              <a:ext uri="{FF2B5EF4-FFF2-40B4-BE49-F238E27FC236}">
-                <a16:creationId xmlns:a16="http://schemas.microsoft.com/office/drawing/2014/main" id="{097F81AE-6240-4128-A742-39DF5F1CA286}"/>
-              </a:ext>
-            </a:extLst>
-          </p:cNvPr>
+            <a:endParaRPr lang="en-US" dirty="0"/>
+          </a:p>
+        </p:txBody>
+      </p:sp>
+      <p:sp>
+        <p:nvSpPr>
+          <p:cNvPr id="3" name="Date Placeholder 2"/>
           <p:cNvSpPr>
             <a:spLocks noGrp="1"/>
           </p:cNvSpPr>
@@ -2009,7 +1875,7 @@
           <a:p>
             <a:fld id="{A310A56D-2A73-4214-BDEC-EE3DDD3E3C39}" type="datetimeFigureOut">
               <a:rPr lang="en-US" smtClean="0"/>
-              <a:t>8/2/2020</a:t>
+              <a:t>8/6/2020</a:t>
             </a:fld>
             <a:endParaRPr lang="en-US"/>
           </a:p>
@@ -2017,13 +1883,7 @@
       </p:sp>
       <p:sp>
         <p:nvSpPr>
-          <p:cNvPr id="4" name="Footer Placeholder 3">
-            <a:extLst>
-              <a:ext uri="{FF2B5EF4-FFF2-40B4-BE49-F238E27FC236}">
-                <a16:creationId xmlns:a16="http://schemas.microsoft.com/office/drawing/2014/main" id="{01C2C74A-68B2-48B5-B4F8-F9F4B00E6016}"/>
-              </a:ext>
-            </a:extLst>
-          </p:cNvPr>
+          <p:cNvPr id="4" name="Footer Placeholder 3"/>
           <p:cNvSpPr>
             <a:spLocks noGrp="1"/>
           </p:cNvSpPr>
@@ -2042,13 +1902,7 @@
       </p:sp>
       <p:sp>
         <p:nvSpPr>
-          <p:cNvPr id="5" name="Slide Number Placeholder 4">
-            <a:extLst>
-              <a:ext uri="{FF2B5EF4-FFF2-40B4-BE49-F238E27FC236}">
-                <a16:creationId xmlns:a16="http://schemas.microsoft.com/office/drawing/2014/main" id="{79789F8A-3F54-4E88-B574-C1E1F98F06D9}"/>
-              </a:ext>
-            </a:extLst>
-          </p:cNvPr>
+          <p:cNvPr id="5" name="Slide Number Placeholder 4"/>
           <p:cNvSpPr>
             <a:spLocks noGrp="1"/>
           </p:cNvSpPr>
@@ -2072,7 +1926,7 @@
     </p:spTree>
     <p:extLst>
       <p:ext uri="{BB962C8B-B14F-4D97-AF65-F5344CB8AC3E}">
-        <p14:creationId xmlns:p14="http://schemas.microsoft.com/office/powerpoint/2010/main" val="3582107582"/>
+        <p14:creationId xmlns:p14="http://schemas.microsoft.com/office/powerpoint/2010/main" val="2687901936"/>
       </p:ext>
     </p:extLst>
   </p:cSld>
@@ -2101,13 +1955,7 @@
       </p:grpSpPr>
       <p:sp>
         <p:nvSpPr>
-          <p:cNvPr id="2" name="Date Placeholder 1">
-            <a:extLst>
-              <a:ext uri="{FF2B5EF4-FFF2-40B4-BE49-F238E27FC236}">
-                <a16:creationId xmlns:a16="http://schemas.microsoft.com/office/drawing/2014/main" id="{4873BDF5-7E92-4E55-9DCC-167BF02F0D92}"/>
-              </a:ext>
-            </a:extLst>
-          </p:cNvPr>
+          <p:cNvPr id="2" name="Date Placeholder 1"/>
           <p:cNvSpPr>
             <a:spLocks noGrp="1"/>
           </p:cNvSpPr>
@@ -2122,7 +1970,7 @@
           <a:p>
             <a:fld id="{A310A56D-2A73-4214-BDEC-EE3DDD3E3C39}" type="datetimeFigureOut">
               <a:rPr lang="en-US" smtClean="0"/>
-              <a:t>8/2/2020</a:t>
+              <a:t>8/6/2020</a:t>
             </a:fld>
             <a:endParaRPr lang="en-US"/>
           </a:p>
@@ -2130,13 +1978,7 @@
       </p:sp>
       <p:sp>
         <p:nvSpPr>
-          <p:cNvPr id="3" name="Footer Placeholder 2">
-            <a:extLst>
-              <a:ext uri="{FF2B5EF4-FFF2-40B4-BE49-F238E27FC236}">
-                <a16:creationId xmlns:a16="http://schemas.microsoft.com/office/drawing/2014/main" id="{C0357CCC-E925-4B42-99FD-97F472DDFBD9}"/>
-              </a:ext>
-            </a:extLst>
-          </p:cNvPr>
+          <p:cNvPr id="3" name="Footer Placeholder 2"/>
           <p:cNvSpPr>
             <a:spLocks noGrp="1"/>
           </p:cNvSpPr>
@@ -2155,13 +1997,7 @@
       </p:sp>
       <p:sp>
         <p:nvSpPr>
-          <p:cNvPr id="4" name="Slide Number Placeholder 3">
-            <a:extLst>
-              <a:ext uri="{FF2B5EF4-FFF2-40B4-BE49-F238E27FC236}">
-                <a16:creationId xmlns:a16="http://schemas.microsoft.com/office/drawing/2014/main" id="{B7E239D1-33F9-4679-88FC-EB87BD099B01}"/>
-              </a:ext>
-            </a:extLst>
-          </p:cNvPr>
+          <p:cNvPr id="4" name="Slide Number Placeholder 3"/>
           <p:cNvSpPr>
             <a:spLocks noGrp="1"/>
           </p:cNvSpPr>
@@ -2185,7 +2021,7 @@
     </p:spTree>
     <p:extLst>
       <p:ext uri="{BB962C8B-B14F-4D97-AF65-F5344CB8AC3E}">
-        <p14:creationId xmlns:p14="http://schemas.microsoft.com/office/powerpoint/2010/main" val="2711904154"/>
+        <p14:creationId xmlns:p14="http://schemas.microsoft.com/office/powerpoint/2010/main" val="4144585791"/>
       </p:ext>
     </p:extLst>
   </p:cSld>
@@ -2214,13 +2050,7 @@
       </p:grpSpPr>
       <p:sp>
         <p:nvSpPr>
-          <p:cNvPr id="2" name="Title 1">
-            <a:extLst>
-              <a:ext uri="{FF2B5EF4-FFF2-40B4-BE49-F238E27FC236}">
-                <a16:creationId xmlns:a16="http://schemas.microsoft.com/office/drawing/2014/main" id="{056A3D37-F7A7-42C0-976B-D691140920AC}"/>
-              </a:ext>
-            </a:extLst>
-          </p:cNvPr>
+          <p:cNvPr id="2" name="Title 1"/>
           <p:cNvSpPr>
             <a:spLocks noGrp="1"/>
           </p:cNvSpPr>
@@ -2246,18 +2076,13 @@
               <a:rPr lang="en-US"/>
               <a:t>Click to edit Master title style</a:t>
             </a:r>
-          </a:p>
-        </p:txBody>
-      </p:sp>
-      <p:sp>
-        <p:nvSpPr>
-          <p:cNvPr id="3" name="Content Placeholder 2">
-            <a:extLst>
-              <a:ext uri="{FF2B5EF4-FFF2-40B4-BE49-F238E27FC236}">
-                <a16:creationId xmlns:a16="http://schemas.microsoft.com/office/drawing/2014/main" id="{7E9627D8-D3D5-447D-B892-B6CA435BA5C6}"/>
-              </a:ext>
-            </a:extLst>
-          </p:cNvPr>
+            <a:endParaRPr lang="en-US" dirty="0"/>
+          </a:p>
+        </p:txBody>
+      </p:sp>
+      <p:sp>
+        <p:nvSpPr>
+          <p:cNvPr id="3" name="Content Placeholder 2"/>
           <p:cNvSpPr>
             <a:spLocks noGrp="1"/>
           </p:cNvSpPr>
@@ -2336,18 +2161,13 @@
               <a:rPr lang="en-US"/>
               <a:t>Fifth level</a:t>
             </a:r>
-          </a:p>
-        </p:txBody>
-      </p:sp>
-      <p:sp>
-        <p:nvSpPr>
-          <p:cNvPr id="4" name="Text Placeholder 3">
-            <a:extLst>
-              <a:ext uri="{FF2B5EF4-FFF2-40B4-BE49-F238E27FC236}">
-                <a16:creationId xmlns:a16="http://schemas.microsoft.com/office/drawing/2014/main" id="{76D0E9DF-EB8A-4B8A-A1DC-CED185D370C6}"/>
-              </a:ext>
-            </a:extLst>
-          </p:cNvPr>
+            <a:endParaRPr lang="en-US" dirty="0"/>
+          </a:p>
+        </p:txBody>
+      </p:sp>
+      <p:sp>
+        <p:nvSpPr>
+          <p:cNvPr id="4" name="Text Placeholder 3"/>
           <p:cNvSpPr>
             <a:spLocks noGrp="1"/>
           </p:cNvSpPr>
@@ -2412,13 +2232,7 @@
       </p:sp>
       <p:sp>
         <p:nvSpPr>
-          <p:cNvPr id="5" name="Date Placeholder 4">
-            <a:extLst>
-              <a:ext uri="{FF2B5EF4-FFF2-40B4-BE49-F238E27FC236}">
-                <a16:creationId xmlns:a16="http://schemas.microsoft.com/office/drawing/2014/main" id="{D74E9423-F150-43D4-9A50-CD61824C319C}"/>
-              </a:ext>
-            </a:extLst>
-          </p:cNvPr>
+          <p:cNvPr id="5" name="Date Placeholder 4"/>
           <p:cNvSpPr>
             <a:spLocks noGrp="1"/>
           </p:cNvSpPr>
@@ -2433,7 +2247,7 @@
           <a:p>
             <a:fld id="{A310A56D-2A73-4214-BDEC-EE3DDD3E3C39}" type="datetimeFigureOut">
               <a:rPr lang="en-US" smtClean="0"/>
-              <a:t>8/2/2020</a:t>
+              <a:t>8/6/2020</a:t>
             </a:fld>
             <a:endParaRPr lang="en-US"/>
           </a:p>
@@ -2441,13 +2255,7 @@
       </p:sp>
       <p:sp>
         <p:nvSpPr>
-          <p:cNvPr id="6" name="Footer Placeholder 5">
-            <a:extLst>
-              <a:ext uri="{FF2B5EF4-FFF2-40B4-BE49-F238E27FC236}">
-                <a16:creationId xmlns:a16="http://schemas.microsoft.com/office/drawing/2014/main" id="{10BC7423-B064-4F26-9301-59F76386971B}"/>
-              </a:ext>
-            </a:extLst>
-          </p:cNvPr>
+          <p:cNvPr id="6" name="Footer Placeholder 5"/>
           <p:cNvSpPr>
             <a:spLocks noGrp="1"/>
           </p:cNvSpPr>
@@ -2466,13 +2274,7 @@
       </p:sp>
       <p:sp>
         <p:nvSpPr>
-          <p:cNvPr id="7" name="Slide Number Placeholder 6">
-            <a:extLst>
-              <a:ext uri="{FF2B5EF4-FFF2-40B4-BE49-F238E27FC236}">
-                <a16:creationId xmlns:a16="http://schemas.microsoft.com/office/drawing/2014/main" id="{FB716EFD-208B-473D-A9B8-0F112B0F1FDC}"/>
-              </a:ext>
-            </a:extLst>
-          </p:cNvPr>
+          <p:cNvPr id="7" name="Slide Number Placeholder 6"/>
           <p:cNvSpPr>
             <a:spLocks noGrp="1"/>
           </p:cNvSpPr>
@@ -2496,7 +2298,7 @@
     </p:spTree>
     <p:extLst>
       <p:ext uri="{BB962C8B-B14F-4D97-AF65-F5344CB8AC3E}">
-        <p14:creationId xmlns:p14="http://schemas.microsoft.com/office/powerpoint/2010/main" val="2870824990"/>
+        <p14:creationId xmlns:p14="http://schemas.microsoft.com/office/powerpoint/2010/main" val="2670578361"/>
       </p:ext>
     </p:extLst>
   </p:cSld>
@@ -2525,13 +2327,7 @@
       </p:grpSpPr>
       <p:sp>
         <p:nvSpPr>
-          <p:cNvPr id="2" name="Title 1">
-            <a:extLst>
-              <a:ext uri="{FF2B5EF4-FFF2-40B4-BE49-F238E27FC236}">
-                <a16:creationId xmlns:a16="http://schemas.microsoft.com/office/drawing/2014/main" id="{91AF718E-7D86-4EC1-9F87-F627D759293C}"/>
-              </a:ext>
-            </a:extLst>
-          </p:cNvPr>
+          <p:cNvPr id="2" name="Title 1"/>
           <p:cNvSpPr>
             <a:spLocks noGrp="1"/>
           </p:cNvSpPr>
@@ -2557,20 +2353,15 @@
               <a:rPr lang="en-US"/>
               <a:t>Click to edit Master title style</a:t>
             </a:r>
-          </a:p>
-        </p:txBody>
-      </p:sp>
-      <p:sp>
-        <p:nvSpPr>
-          <p:cNvPr id="3" name="Picture Placeholder 2">
-            <a:extLst>
-              <a:ext uri="{FF2B5EF4-FFF2-40B4-BE49-F238E27FC236}">
-                <a16:creationId xmlns:a16="http://schemas.microsoft.com/office/drawing/2014/main" id="{FCDD381D-FFF2-474A-AFA7-339A533CAD79}"/>
-              </a:ext>
-            </a:extLst>
-          </p:cNvPr>
-          <p:cNvSpPr>
-            <a:spLocks noGrp="1"/>
+            <a:endParaRPr lang="en-US" dirty="0"/>
+          </a:p>
+        </p:txBody>
+      </p:sp>
+      <p:sp>
+        <p:nvSpPr>
+          <p:cNvPr id="3" name="Picture Placeholder 2"/>
+          <p:cNvSpPr>
+            <a:spLocks noGrp="1" noChangeAspect="1"/>
           </p:cNvSpPr>
           <p:nvPr>
             <p:ph type="pic" idx="1"/>
@@ -2583,7 +2374,7 @@
           </a:xfrm>
         </p:spPr>
         <p:txBody>
-          <a:bodyPr/>
+          <a:bodyPr anchor="t"/>
           <a:lstStyle>
             <a:lvl1pPr marL="0" indent="0">
               <a:buNone/>
@@ -2623,19 +2414,17 @@
             </a:lvl9pPr>
           </a:lstStyle>
           <a:p>
-            <a:endParaRPr lang="en-US"/>
-          </a:p>
-        </p:txBody>
-      </p:sp>
-      <p:sp>
-        <p:nvSpPr>
-          <p:cNvPr id="4" name="Text Placeholder 3">
-            <a:extLst>
-              <a:ext uri="{FF2B5EF4-FFF2-40B4-BE49-F238E27FC236}">
-                <a16:creationId xmlns:a16="http://schemas.microsoft.com/office/drawing/2014/main" id="{306C1F05-2656-4D1E-9EE6-127D90686986}"/>
-              </a:ext>
-            </a:extLst>
-          </p:cNvPr>
+            <a:r>
+              <a:rPr lang="en-US"/>
+              <a:t>Click icon to add picture</a:t>
+            </a:r>
+            <a:endParaRPr lang="en-US" dirty="0"/>
+          </a:p>
+        </p:txBody>
+      </p:sp>
+      <p:sp>
+        <p:nvSpPr>
+          <p:cNvPr id="4" name="Text Placeholder 3"/>
           <p:cNvSpPr>
             <a:spLocks noGrp="1"/>
           </p:cNvSpPr>
@@ -2700,13 +2489,7 @@
       </p:sp>
       <p:sp>
         <p:nvSpPr>
-          <p:cNvPr id="5" name="Date Placeholder 4">
-            <a:extLst>
-              <a:ext uri="{FF2B5EF4-FFF2-40B4-BE49-F238E27FC236}">
-                <a16:creationId xmlns:a16="http://schemas.microsoft.com/office/drawing/2014/main" id="{1644636E-3F07-4D3B-9865-40840C8F5EF8}"/>
-              </a:ext>
-            </a:extLst>
-          </p:cNvPr>
+          <p:cNvPr id="5" name="Date Placeholder 4"/>
           <p:cNvSpPr>
             <a:spLocks noGrp="1"/>
           </p:cNvSpPr>
@@ -2721,7 +2504,7 @@
           <a:p>
             <a:fld id="{A310A56D-2A73-4214-BDEC-EE3DDD3E3C39}" type="datetimeFigureOut">
               <a:rPr lang="en-US" smtClean="0"/>
-              <a:t>8/2/2020</a:t>
+              <a:t>8/6/2020</a:t>
             </a:fld>
             <a:endParaRPr lang="en-US"/>
           </a:p>
@@ -2729,13 +2512,7 @@
       </p:sp>
       <p:sp>
         <p:nvSpPr>
-          <p:cNvPr id="6" name="Footer Placeholder 5">
-            <a:extLst>
-              <a:ext uri="{FF2B5EF4-FFF2-40B4-BE49-F238E27FC236}">
-                <a16:creationId xmlns:a16="http://schemas.microsoft.com/office/drawing/2014/main" id="{9CBBA492-EF41-41F3-B29F-805C949E237C}"/>
-              </a:ext>
-            </a:extLst>
-          </p:cNvPr>
+          <p:cNvPr id="6" name="Footer Placeholder 5"/>
           <p:cNvSpPr>
             <a:spLocks noGrp="1"/>
           </p:cNvSpPr>
@@ -2754,13 +2531,7 @@
       </p:sp>
       <p:sp>
         <p:nvSpPr>
-          <p:cNvPr id="7" name="Slide Number Placeholder 6">
-            <a:extLst>
-              <a:ext uri="{FF2B5EF4-FFF2-40B4-BE49-F238E27FC236}">
-                <a16:creationId xmlns:a16="http://schemas.microsoft.com/office/drawing/2014/main" id="{74ACF48A-8C38-4E27-B190-5F2E34F10CAC}"/>
-              </a:ext>
-            </a:extLst>
-          </p:cNvPr>
+          <p:cNvPr id="7" name="Slide Number Placeholder 6"/>
           <p:cNvSpPr>
             <a:spLocks noGrp="1"/>
           </p:cNvSpPr>
@@ -2784,7 +2555,7 @@
     </p:spTree>
     <p:extLst>
       <p:ext uri="{BB962C8B-B14F-4D97-AF65-F5344CB8AC3E}">
-        <p14:creationId xmlns:p14="http://schemas.microsoft.com/office/powerpoint/2010/main" val="2653384798"/>
+        <p14:creationId xmlns:p14="http://schemas.microsoft.com/office/powerpoint/2010/main" val="3928579723"/>
       </p:ext>
     </p:extLst>
   </p:cSld>
@@ -2818,13 +2589,7 @@
       </p:grpSpPr>
       <p:sp>
         <p:nvSpPr>
-          <p:cNvPr id="2" name="Title Placeholder 1">
-            <a:extLst>
-              <a:ext uri="{FF2B5EF4-FFF2-40B4-BE49-F238E27FC236}">
-                <a16:creationId xmlns:a16="http://schemas.microsoft.com/office/drawing/2014/main" id="{5A42FF43-6D43-4DE9-BB46-05DC6C7B1303}"/>
-              </a:ext>
-            </a:extLst>
-          </p:cNvPr>
+          <p:cNvPr id="2" name="Title Placeholder 1"/>
           <p:cNvSpPr>
             <a:spLocks noGrp="1"/>
           </p:cNvSpPr>
@@ -2851,18 +2616,13 @@
               <a:rPr lang="en-US"/>
               <a:t>Click to edit Master title style</a:t>
             </a:r>
-          </a:p>
-        </p:txBody>
-      </p:sp>
-      <p:sp>
-        <p:nvSpPr>
-          <p:cNvPr id="3" name="Text Placeholder 2">
-            <a:extLst>
-              <a:ext uri="{FF2B5EF4-FFF2-40B4-BE49-F238E27FC236}">
-                <a16:creationId xmlns:a16="http://schemas.microsoft.com/office/drawing/2014/main" id="{5158150D-A4D9-4D50-88A2-C4164CC7E32D}"/>
-              </a:ext>
-            </a:extLst>
-          </p:cNvPr>
+            <a:endParaRPr lang="en-US" dirty="0"/>
+          </a:p>
+        </p:txBody>
+      </p:sp>
+      <p:sp>
+        <p:nvSpPr>
+          <p:cNvPr id="3" name="Text Placeholder 2"/>
           <p:cNvSpPr>
             <a:spLocks noGrp="1"/>
           </p:cNvSpPr>
@@ -2918,18 +2678,13 @@
               <a:rPr lang="en-US"/>
               <a:t>Fifth level</a:t>
             </a:r>
-          </a:p>
-        </p:txBody>
-      </p:sp>
-      <p:sp>
-        <p:nvSpPr>
-          <p:cNvPr id="4" name="Date Placeholder 3">
-            <a:extLst>
-              <a:ext uri="{FF2B5EF4-FFF2-40B4-BE49-F238E27FC236}">
-                <a16:creationId xmlns:a16="http://schemas.microsoft.com/office/drawing/2014/main" id="{9698B9CB-EA40-406D-8E27-843DA78FA209}"/>
-              </a:ext>
-            </a:extLst>
-          </p:cNvPr>
+            <a:endParaRPr lang="en-US" dirty="0"/>
+          </a:p>
+        </p:txBody>
+      </p:sp>
+      <p:sp>
+        <p:nvSpPr>
+          <p:cNvPr id="4" name="Date Placeholder 3"/>
           <p:cNvSpPr>
             <a:spLocks noGrp="1"/>
           </p:cNvSpPr>
@@ -2962,7 +2717,7 @@
           <a:p>
             <a:fld id="{A310A56D-2A73-4214-BDEC-EE3DDD3E3C39}" type="datetimeFigureOut">
               <a:rPr lang="en-US" smtClean="0"/>
-              <a:t>8/2/2020</a:t>
+              <a:t>8/6/2020</a:t>
             </a:fld>
             <a:endParaRPr lang="en-US"/>
           </a:p>
@@ -2970,13 +2725,7 @@
       </p:sp>
       <p:sp>
         <p:nvSpPr>
-          <p:cNvPr id="5" name="Footer Placeholder 4">
-            <a:extLst>
-              <a:ext uri="{FF2B5EF4-FFF2-40B4-BE49-F238E27FC236}">
-                <a16:creationId xmlns:a16="http://schemas.microsoft.com/office/drawing/2014/main" id="{258F0A26-C4BF-4C4B-B1ED-875CF6DE8BD7}"/>
-              </a:ext>
-            </a:extLst>
-          </p:cNvPr>
+          <p:cNvPr id="5" name="Footer Placeholder 4"/>
           <p:cNvSpPr>
             <a:spLocks noGrp="1"/>
           </p:cNvSpPr>
@@ -3013,13 +2762,7 @@
       </p:sp>
       <p:sp>
         <p:nvSpPr>
-          <p:cNvPr id="6" name="Slide Number Placeholder 5">
-            <a:extLst>
-              <a:ext uri="{FF2B5EF4-FFF2-40B4-BE49-F238E27FC236}">
-                <a16:creationId xmlns:a16="http://schemas.microsoft.com/office/drawing/2014/main" id="{5E95A3B3-D759-4789-87C5-8A32B91B2D73}"/>
-              </a:ext>
-            </a:extLst>
-          </p:cNvPr>
+          <p:cNvPr id="6" name="Slide Number Placeholder 5"/>
           <p:cNvSpPr>
             <a:spLocks noGrp="1"/>
           </p:cNvSpPr>
@@ -3061,23 +2804,23 @@
     </p:spTree>
     <p:extLst>
       <p:ext uri="{BB962C8B-B14F-4D97-AF65-F5344CB8AC3E}">
-        <p14:creationId xmlns:p14="http://schemas.microsoft.com/office/powerpoint/2010/main" val="1736135876"/>
+        <p14:creationId xmlns:p14="http://schemas.microsoft.com/office/powerpoint/2010/main" val="2161449250"/>
       </p:ext>
     </p:extLst>
   </p:cSld>
   <p:clrMap bg1="lt1" tx1="dk1" bg2="lt2" tx2="dk2" accent1="accent1" accent2="accent2" accent3="accent3" accent4="accent4" accent5="accent5" accent6="accent6" hlink="hlink" folHlink="folHlink"/>
   <p:sldLayoutIdLst>
-    <p:sldLayoutId id="2147483649" r:id="rId1"/>
-    <p:sldLayoutId id="2147483650" r:id="rId2"/>
-    <p:sldLayoutId id="2147483651" r:id="rId3"/>
-    <p:sldLayoutId id="2147483652" r:id="rId4"/>
-    <p:sldLayoutId id="2147483653" r:id="rId5"/>
-    <p:sldLayoutId id="2147483654" r:id="rId6"/>
-    <p:sldLayoutId id="2147483655" r:id="rId7"/>
-    <p:sldLayoutId id="2147483656" r:id="rId8"/>
-    <p:sldLayoutId id="2147483657" r:id="rId9"/>
-    <p:sldLayoutId id="2147483658" r:id="rId10"/>
-    <p:sldLayoutId id="2147483659" r:id="rId11"/>
+    <p:sldLayoutId id="2147483673" r:id="rId1"/>
+    <p:sldLayoutId id="2147483674" r:id="rId2"/>
+    <p:sldLayoutId id="2147483675" r:id="rId3"/>
+    <p:sldLayoutId id="2147483676" r:id="rId4"/>
+    <p:sldLayoutId id="2147483677" r:id="rId5"/>
+    <p:sldLayoutId id="2147483678" r:id="rId6"/>
+    <p:sldLayoutId id="2147483679" r:id="rId7"/>
+    <p:sldLayoutId id="2147483680" r:id="rId8"/>
+    <p:sldLayoutId id="2147483681" r:id="rId9"/>
+    <p:sldLayoutId id="2147483682" r:id="rId10"/>
+    <p:sldLayoutId id="2147483683" r:id="rId11"/>
   </p:sldLayoutIdLst>
   <p:txStyles>
     <p:titleStyle>
@@ -3467,6 +3210,140 @@
           <p:cNvPr id="2" name="Title 1">
             <a:extLst>
               <a:ext uri="{FF2B5EF4-FFF2-40B4-BE49-F238E27FC236}">
+                <a16:creationId xmlns:a16="http://schemas.microsoft.com/office/drawing/2014/main" id="{450A55ED-B344-4B90-8E54-3FA7DCD06411}"/>
+              </a:ext>
+            </a:extLst>
+          </p:cNvPr>
+          <p:cNvSpPr>
+            <a:spLocks noGrp="1"/>
+          </p:cNvSpPr>
+          <p:nvPr>
+            <p:ph type="title"/>
+          </p:nvPr>
+        </p:nvSpPr>
+        <p:spPr/>
+        <p:txBody>
+          <a:bodyPr/>
+          <a:lstStyle/>
+          <a:p>
+            <a:r>
+              <a:rPr lang="en-US" dirty="0"/>
+              <a:t>What We Are Going To Answer</a:t>
+            </a:r>
+          </a:p>
+        </p:txBody>
+      </p:sp>
+      <p:sp>
+        <p:nvSpPr>
+          <p:cNvPr id="3" name="Content Placeholder 2">
+            <a:extLst>
+              <a:ext uri="{FF2B5EF4-FFF2-40B4-BE49-F238E27FC236}">
+                <a16:creationId xmlns:a16="http://schemas.microsoft.com/office/drawing/2014/main" id="{ACE8AE74-60CA-4CC0-B9B2-DAFCEB00217C}"/>
+              </a:ext>
+            </a:extLst>
+          </p:cNvPr>
+          <p:cNvSpPr>
+            <a:spLocks noGrp="1"/>
+          </p:cNvSpPr>
+          <p:nvPr>
+            <p:ph idx="1"/>
+          </p:nvPr>
+        </p:nvSpPr>
+        <p:spPr/>
+        <p:txBody>
+          <a:bodyPr>
+            <a:normAutofit fontScale="92500" lnSpcReduction="20000"/>
+          </a:bodyPr>
+          <a:lstStyle/>
+          <a:p>
+            <a:r>
+              <a:rPr lang="en-US" dirty="0"/>
+              <a:t>Question 1:</a:t>
+            </a:r>
+          </a:p>
+          <a:p>
+            <a:pPr lvl="1"/>
+            <a:r>
+              <a:rPr lang="en-US" dirty="0"/>
+              <a:t>If I have space to add an additional room, what should I put in the space?</a:t>
+            </a:r>
+          </a:p>
+          <a:p>
+            <a:r>
+              <a:rPr lang="en-US" dirty="0"/>
+              <a:t>Question 2:</a:t>
+            </a:r>
+          </a:p>
+          <a:p>
+            <a:pPr lvl="1"/>
+            <a:r>
+              <a:rPr lang="en-US" dirty="0"/>
+              <a:t>I'm looking to buy a house in King County. I like a lot of space and don't really care about the neighborhood. What area should I look in to get the most space for my money if I can only spend 400,000 dollars.</a:t>
+            </a:r>
+          </a:p>
+          <a:p>
+            <a:r>
+              <a:rPr lang="en-US" dirty="0"/>
+              <a:t>Question 3:</a:t>
+            </a:r>
+          </a:p>
+          <a:p>
+            <a:pPr lvl="1"/>
+            <a:r>
+              <a:rPr lang="en-US" dirty="0"/>
+              <a:t>My house is styled from back in the seventies. I'm trying to sell it and want to know if it's worth upgrading.</a:t>
+            </a:r>
+          </a:p>
+          <a:p>
+            <a:r>
+              <a:rPr lang="en-US" dirty="0"/>
+              <a:t>Question 4:</a:t>
+            </a:r>
+          </a:p>
+          <a:p>
+            <a:pPr lvl="1"/>
+            <a:r>
+              <a:rPr lang="en-US" dirty="0"/>
+              <a:t>I’m trying to sell my house but I don't have much money for renovations. My house was built in the 80's and I haven't done much in the way of major renovations. What should I do?</a:t>
+            </a:r>
+          </a:p>
+        </p:txBody>
+      </p:sp>
+    </p:spTree>
+    <p:extLst>
+      <p:ext uri="{BB962C8B-B14F-4D97-AF65-F5344CB8AC3E}">
+        <p14:creationId xmlns:p14="http://schemas.microsoft.com/office/powerpoint/2010/main" val="470197049"/>
+      </p:ext>
+    </p:extLst>
+  </p:cSld>
+  <p:clrMapOvr>
+    <a:masterClrMapping/>
+  </p:clrMapOvr>
+</p:sld>
+</file>
+
+<file path=ppt/slides/slide3.xml><?xml version="1.0" encoding="utf-8"?>
+<p:sld xmlns:a="http://schemas.openxmlformats.org/drawingml/2006/main" xmlns:r="http://schemas.openxmlformats.org/officeDocument/2006/relationships" xmlns:p="http://schemas.openxmlformats.org/presentationml/2006/main">
+  <p:cSld>
+    <p:spTree>
+      <p:nvGrpSpPr>
+        <p:cNvPr id="1" name=""/>
+        <p:cNvGrpSpPr/>
+        <p:nvPr/>
+      </p:nvGrpSpPr>
+      <p:grpSpPr>
+        <a:xfrm>
+          <a:off x="0" y="0"/>
+          <a:ext cx="0" cy="0"/>
+          <a:chOff x="0" y="0"/>
+          <a:chExt cx="0" cy="0"/>
+        </a:xfrm>
+      </p:grpSpPr>
+      <p:sp>
+        <p:nvSpPr>
+          <p:cNvPr id="2" name="Title 1">
+            <a:extLst>
+              <a:ext uri="{FF2B5EF4-FFF2-40B4-BE49-F238E27FC236}">
                 <a16:creationId xmlns:a16="http://schemas.microsoft.com/office/drawing/2014/main" id="{A34B8A40-B7D8-4B6E-8F77-60C268CBF4ED}"/>
               </a:ext>
             </a:extLst>
@@ -3483,35 +3360,48 @@
           <a:bodyPr/>
           <a:lstStyle/>
           <a:p>
-            <a:endParaRPr lang="en-US"/>
-          </a:p>
-        </p:txBody>
-      </p:sp>
-      <p:sp>
-        <p:nvSpPr>
-          <p:cNvPr id="3" name="Content Placeholder 2">
+            <a:r>
+              <a:rPr lang="en-US" dirty="0"/>
+              <a:t>Question 1:</a:t>
+            </a:r>
+          </a:p>
+        </p:txBody>
+      </p:sp>
+      <p:pic>
+        <p:nvPicPr>
+          <p:cNvPr id="5" name="Content Placeholder 4" descr="A screenshot of a cell phone&#10;&#10;Description automatically generated">
             <a:extLst>
               <a:ext uri="{FF2B5EF4-FFF2-40B4-BE49-F238E27FC236}">
-                <a16:creationId xmlns:a16="http://schemas.microsoft.com/office/drawing/2014/main" id="{788DC7C3-148B-4450-96FA-03F96F3D79C9}"/>
+                <a16:creationId xmlns:a16="http://schemas.microsoft.com/office/drawing/2014/main" id="{38766B99-6144-4199-9937-F7AA9E078255}"/>
               </a:ext>
             </a:extLst>
           </p:cNvPr>
-          <p:cNvSpPr>
-            <a:spLocks noGrp="1"/>
-          </p:cNvSpPr>
+          <p:cNvPicPr>
+            <a:picLocks noGrp="1" noChangeAspect="1"/>
+          </p:cNvPicPr>
           <p:nvPr>
             <p:ph idx="1"/>
           </p:nvPr>
-        </p:nvSpPr>
-        <p:spPr/>
-        <p:txBody>
-          <a:bodyPr/>
-          <a:lstStyle/>
-          <a:p>
-            <a:endParaRPr lang="en-US"/>
-          </a:p>
-        </p:txBody>
-      </p:sp>
+        </p:nvPicPr>
+        <p:blipFill>
+          <a:blip r:embed="rId2">
+            <a:extLst>
+              <a:ext uri="{28A0092B-C50C-407E-A947-70E740481C1C}">
+                <a14:useLocalDpi xmlns:a14="http://schemas.microsoft.com/office/drawing/2010/main" val="0"/>
+              </a:ext>
+            </a:extLst>
+          </a:blip>
+          <a:stretch>
+            <a:fillRect/>
+          </a:stretch>
+        </p:blipFill>
+        <p:spPr>
+          <a:xfrm>
+            <a:off x="5493342" y="478363"/>
+            <a:ext cx="6012118" cy="5693299"/>
+          </a:xfrm>
+        </p:spPr>
+      </p:pic>
     </p:spTree>
     <p:extLst>
       <p:ext uri="{BB962C8B-B14F-4D97-AF65-F5344CB8AC3E}">
@@ -3525,10 +3415,100 @@
 </p:sld>
 </file>
 
+<file path=ppt/slides/slide4.xml><?xml version="1.0" encoding="utf-8"?>
+<p:sld xmlns:a="http://schemas.openxmlformats.org/drawingml/2006/main" xmlns:r="http://schemas.openxmlformats.org/officeDocument/2006/relationships" xmlns:p="http://schemas.openxmlformats.org/presentationml/2006/main">
+  <p:cSld>
+    <p:spTree>
+      <p:nvGrpSpPr>
+        <p:cNvPr id="1" name=""/>
+        <p:cNvGrpSpPr/>
+        <p:nvPr/>
+      </p:nvGrpSpPr>
+      <p:grpSpPr>
+        <a:xfrm>
+          <a:off x="0" y="0"/>
+          <a:ext cx="0" cy="0"/>
+          <a:chOff x="0" y="0"/>
+          <a:chExt cx="0" cy="0"/>
+        </a:xfrm>
+      </p:grpSpPr>
+      <p:sp>
+        <p:nvSpPr>
+          <p:cNvPr id="2" name="Title 1">
+            <a:extLst>
+              <a:ext uri="{FF2B5EF4-FFF2-40B4-BE49-F238E27FC236}">
+                <a16:creationId xmlns:a16="http://schemas.microsoft.com/office/drawing/2014/main" id="{5654E1FA-C920-4851-BD5D-702F18C9B5F3}"/>
+              </a:ext>
+            </a:extLst>
+          </p:cNvPr>
+          <p:cNvSpPr>
+            <a:spLocks noGrp="1"/>
+          </p:cNvSpPr>
+          <p:nvPr>
+            <p:ph type="title"/>
+          </p:nvPr>
+        </p:nvSpPr>
+        <p:spPr/>
+        <p:txBody>
+          <a:bodyPr/>
+          <a:lstStyle/>
+          <a:p>
+            <a:endParaRPr lang="en-US"/>
+          </a:p>
+        </p:txBody>
+      </p:sp>
+      <p:pic>
+        <p:nvPicPr>
+          <p:cNvPr id="5" name="Content Placeholder 4">
+            <a:extLst>
+              <a:ext uri="{FF2B5EF4-FFF2-40B4-BE49-F238E27FC236}">
+                <a16:creationId xmlns:a16="http://schemas.microsoft.com/office/drawing/2014/main" id="{1481E1AB-C705-4D63-A70E-F14EE30A4318}"/>
+              </a:ext>
+            </a:extLst>
+          </p:cNvPr>
+          <p:cNvPicPr>
+            <a:picLocks noGrp="1" noChangeAspect="1"/>
+          </p:cNvPicPr>
+          <p:nvPr>
+            <p:ph idx="1"/>
+          </p:nvPr>
+        </p:nvPicPr>
+        <p:blipFill>
+          <a:blip r:embed="rId2">
+            <a:extLst>
+              <a:ext uri="{28A0092B-C50C-407E-A947-70E740481C1C}">
+                <a14:useLocalDpi xmlns:a14="http://schemas.microsoft.com/office/drawing/2010/main" val="0"/>
+              </a:ext>
+            </a:extLst>
+          </a:blip>
+          <a:stretch>
+            <a:fillRect/>
+          </a:stretch>
+        </p:blipFill>
+        <p:spPr>
+          <a:xfrm>
+            <a:off x="64125" y="35138"/>
+            <a:ext cx="6407696" cy="6698574"/>
+          </a:xfrm>
+        </p:spPr>
+      </p:pic>
+    </p:spTree>
+    <p:extLst>
+      <p:ext uri="{BB962C8B-B14F-4D97-AF65-F5344CB8AC3E}">
+        <p14:creationId xmlns:p14="http://schemas.microsoft.com/office/powerpoint/2010/main" val="1022739119"/>
+      </p:ext>
+    </p:extLst>
+  </p:cSld>
+  <p:clrMapOvr>
+    <a:masterClrMapping/>
+  </p:clrMapOvr>
+</p:sld>
+</file>
+
 <file path=ppt/theme/theme1.xml><?xml version="1.0" encoding="utf-8"?>
 <a:theme xmlns:a="http://schemas.openxmlformats.org/drawingml/2006/main" name="Office Theme">
   <a:themeElements>
-    <a:clrScheme name="Office">
+    <a:clrScheme name="Office Theme">
       <a:dk1>
         <a:sysClr val="windowText" lastClr="000000"/>
       </a:dk1>
@@ -3566,7 +3546,7 @@
         <a:srgbClr val="954F72"/>
       </a:folHlink>
     </a:clrScheme>
-    <a:fontScheme name="Office">
+    <a:fontScheme name="Office Theme">
       <a:majorFont>
         <a:latin typeface="Calibri Light" panose="020F0302020204030204"/>
         <a:ea typeface=""/>
@@ -3601,23 +3581,6 @@
         <a:font script="Viet" typeface="Times New Roman"/>
         <a:font script="Uigh" typeface="Microsoft Uighur"/>
         <a:font script="Geor" typeface="Sylfaen"/>
-        <a:font script="Armn" typeface="Arial"/>
-        <a:font script="Bugi" typeface="Leelawadee UI"/>
-        <a:font script="Bopo" typeface="Microsoft JhengHei"/>
-        <a:font script="Java" typeface="Javanese Text"/>
-        <a:font script="Lisu" typeface="Segoe UI"/>
-        <a:font script="Mymr" typeface="Myanmar Text"/>
-        <a:font script="Nkoo" typeface="Ebrima"/>
-        <a:font script="Olck" typeface="Nirmala UI"/>
-        <a:font script="Osma" typeface="Ebrima"/>
-        <a:font script="Phag" typeface="Phagspa"/>
-        <a:font script="Syrn" typeface="Estrangelo Edessa"/>
-        <a:font script="Syrj" typeface="Estrangelo Edessa"/>
-        <a:font script="Syre" typeface="Estrangelo Edessa"/>
-        <a:font script="Sora" typeface="Nirmala UI"/>
-        <a:font script="Tale" typeface="Microsoft Tai Le"/>
-        <a:font script="Talu" typeface="Microsoft New Tai Lue"/>
-        <a:font script="Tfng" typeface="Ebrima"/>
       </a:majorFont>
       <a:minorFont>
         <a:latin typeface="Calibri" panose="020F0502020204030204"/>
@@ -3653,26 +3616,9 @@
         <a:font script="Viet" typeface="Arial"/>
         <a:font script="Uigh" typeface="Microsoft Uighur"/>
         <a:font script="Geor" typeface="Sylfaen"/>
-        <a:font script="Armn" typeface="Arial"/>
-        <a:font script="Bugi" typeface="Leelawadee UI"/>
-        <a:font script="Bopo" typeface="Microsoft JhengHei"/>
-        <a:font script="Java" typeface="Javanese Text"/>
-        <a:font script="Lisu" typeface="Segoe UI"/>
-        <a:font script="Mymr" typeface="Myanmar Text"/>
-        <a:font script="Nkoo" typeface="Ebrima"/>
-        <a:font script="Olck" typeface="Nirmala UI"/>
-        <a:font script="Osma" typeface="Ebrima"/>
-        <a:font script="Phag" typeface="Phagspa"/>
-        <a:font script="Syrn" typeface="Estrangelo Edessa"/>
-        <a:font script="Syrj" typeface="Estrangelo Edessa"/>
-        <a:font script="Syre" typeface="Estrangelo Edessa"/>
-        <a:font script="Sora" typeface="Nirmala UI"/>
-        <a:font script="Tale" typeface="Microsoft Tai Le"/>
-        <a:font script="Talu" typeface="Microsoft New Tai Lue"/>
-        <a:font script="Tfng" typeface="Ebrima"/>
       </a:minorFont>
     </a:fontScheme>
-    <a:fmtScheme name="Office">
+    <a:fmtScheme name="Office Theme">
       <a:fillStyleLst>
         <a:solidFill>
           <a:schemeClr val="phClr"/>

--- a/Non-Technical.pptx
+++ b/Non-Technical.pptx
@@ -118,6 +118,7 @@
 <file path=ppt/revisionInfo.xml><?xml version="1.0" encoding="utf-8"?>
 <p1510:revInfo xmlns:a="http://schemas.openxmlformats.org/drawingml/2006/main" xmlns:r="http://schemas.openxmlformats.org/officeDocument/2006/relationships" xmlns:p1510="http://schemas.microsoft.com/office/powerpoint/2015/10/main">
   <p1510:revLst>
+    <p1510:client id="{410AE4FA-6325-4EF8-BEB6-57C849D00BDB}" v="2" dt="2020-08-09T04:25:41.265"/>
     <p1510:client id="{63F90B20-AD47-4B60-BE49-36ADD5B2B0D2}" v="4" dt="2020-08-07T03:59:57.121"/>
   </p1510:revLst>
 </p1510:revInfo>
@@ -153,6 +154,61 @@
           <pc:docMk/>
           <pc:sldMk cId="2709198907" sldId="257"/>
         </pc:sldMkLst>
+      </pc:sldChg>
+    </pc:docChg>
+  </pc:docChgLst>
+  <pc:docChgLst>
+    <pc:chgData name="Michael Mahoney" userId="0df92e9667c24698" providerId="Windows Live" clId="Web-{410AE4FA-6325-4EF8-BEB6-57C849D00BDB}"/>
+    <pc:docChg chg="modSld">
+      <pc:chgData name="Michael Mahoney" userId="0df92e9667c24698" providerId="Windows Live" clId="Web-{410AE4FA-6325-4EF8-BEB6-57C849D00BDB}" dt="2020-08-09T04:25:41.249" v="1"/>
+      <pc:docMkLst>
+        <pc:docMk/>
+      </pc:docMkLst>
+      <pc:sldChg chg="addSp delSp modSp">
+        <pc:chgData name="Michael Mahoney" userId="0df92e9667c24698" providerId="Windows Live" clId="Web-{410AE4FA-6325-4EF8-BEB6-57C849D00BDB}" dt="2020-08-09T04:25:41.249" v="1"/>
+        <pc:sldMkLst>
+          <pc:docMk/>
+          <pc:sldMk cId="2709198907" sldId="257"/>
+        </pc:sldMkLst>
+        <pc:spChg chg="add mod">
+          <ac:chgData name="Michael Mahoney" userId="0df92e9667c24698" providerId="Windows Live" clId="Web-{410AE4FA-6325-4EF8-BEB6-57C849D00BDB}" dt="2020-08-09T04:25:41.249" v="1"/>
+          <ac:spMkLst>
+            <pc:docMk/>
+            <pc:sldMk cId="2709198907" sldId="257"/>
+            <ac:spMk id="4" creationId="{930E59BC-1FFF-45CC-B8F8-3BE506916FD3}"/>
+          </ac:spMkLst>
+        </pc:spChg>
+        <pc:picChg chg="del">
+          <ac:chgData name="Michael Mahoney" userId="0df92e9667c24698" providerId="Windows Live" clId="Web-{410AE4FA-6325-4EF8-BEB6-57C849D00BDB}" dt="2020-08-09T04:25:41.249" v="1"/>
+          <ac:picMkLst>
+            <pc:docMk/>
+            <pc:sldMk cId="2709198907" sldId="257"/>
+            <ac:picMk id="5" creationId="{38766B99-6144-4199-9937-F7AA9E078255}"/>
+          </ac:picMkLst>
+        </pc:picChg>
+      </pc:sldChg>
+      <pc:sldChg chg="addSp delSp modSp">
+        <pc:chgData name="Michael Mahoney" userId="0df92e9667c24698" providerId="Windows Live" clId="Web-{410AE4FA-6325-4EF8-BEB6-57C849D00BDB}" dt="2020-08-09T04:25:36.593" v="0"/>
+        <pc:sldMkLst>
+          <pc:docMk/>
+          <pc:sldMk cId="1022739119" sldId="259"/>
+        </pc:sldMkLst>
+        <pc:spChg chg="add mod">
+          <ac:chgData name="Michael Mahoney" userId="0df92e9667c24698" providerId="Windows Live" clId="Web-{410AE4FA-6325-4EF8-BEB6-57C849D00BDB}" dt="2020-08-09T04:25:36.593" v="0"/>
+          <ac:spMkLst>
+            <pc:docMk/>
+            <pc:sldMk cId="1022739119" sldId="259"/>
+            <ac:spMk id="4" creationId="{358B036D-6458-429E-BBFA-38D17853810C}"/>
+          </ac:spMkLst>
+        </pc:spChg>
+        <pc:picChg chg="del">
+          <ac:chgData name="Michael Mahoney" userId="0df92e9667c24698" providerId="Windows Live" clId="Web-{410AE4FA-6325-4EF8-BEB6-57C849D00BDB}" dt="2020-08-09T04:25:36.593" v="0"/>
+          <ac:picMkLst>
+            <pc:docMk/>
+            <pc:sldMk cId="1022739119" sldId="259"/>
+            <ac:picMk id="5" creationId="{1481E1AB-C705-4D63-A70E-F14EE30A4318}"/>
+          </ac:picMkLst>
+        </pc:picChg>
       </pc:sldChg>
     </pc:docChg>
   </pc:docChgLst>
@@ -392,7 +448,7 @@
           <a:p>
             <a:fld id="{A310A56D-2A73-4214-BDEC-EE3DDD3E3C39}" type="datetimeFigureOut">
               <a:rPr lang="en-US" smtClean="0"/>
-              <a:t>8/6/2020</a:t>
+              <a:t>8/8/2020</a:t>
             </a:fld>
             <a:endParaRPr lang="en-US"/>
           </a:p>
@@ -562,7 +618,7 @@
           <a:p>
             <a:fld id="{A310A56D-2A73-4214-BDEC-EE3DDD3E3C39}" type="datetimeFigureOut">
               <a:rPr lang="en-US" smtClean="0"/>
-              <a:t>8/6/2020</a:t>
+              <a:t>8/8/2020</a:t>
             </a:fld>
             <a:endParaRPr lang="en-US"/>
           </a:p>
@@ -742,7 +798,7 @@
           <a:p>
             <a:fld id="{A310A56D-2A73-4214-BDEC-EE3DDD3E3C39}" type="datetimeFigureOut">
               <a:rPr lang="en-US" smtClean="0"/>
-              <a:t>8/6/2020</a:t>
+              <a:t>8/8/2020</a:t>
             </a:fld>
             <a:endParaRPr lang="en-US"/>
           </a:p>
@@ -912,7 +968,7 @@
           <a:p>
             <a:fld id="{A310A56D-2A73-4214-BDEC-EE3DDD3E3C39}" type="datetimeFigureOut">
               <a:rPr lang="en-US" smtClean="0"/>
-              <a:t>8/6/2020</a:t>
+              <a:t>8/8/2020</a:t>
             </a:fld>
             <a:endParaRPr lang="en-US"/>
           </a:p>
@@ -1158,7 +1214,7 @@
           <a:p>
             <a:fld id="{A310A56D-2A73-4214-BDEC-EE3DDD3E3C39}" type="datetimeFigureOut">
               <a:rPr lang="en-US" smtClean="0"/>
-              <a:t>8/6/2020</a:t>
+              <a:t>8/8/2020</a:t>
             </a:fld>
             <a:endParaRPr lang="en-US"/>
           </a:p>
@@ -1390,7 +1446,7 @@
           <a:p>
             <a:fld id="{A310A56D-2A73-4214-BDEC-EE3DDD3E3C39}" type="datetimeFigureOut">
               <a:rPr lang="en-US" smtClean="0"/>
-              <a:t>8/6/2020</a:t>
+              <a:t>8/8/2020</a:t>
             </a:fld>
             <a:endParaRPr lang="en-US"/>
           </a:p>
@@ -1757,7 +1813,7 @@
           <a:p>
             <a:fld id="{A310A56D-2A73-4214-BDEC-EE3DDD3E3C39}" type="datetimeFigureOut">
               <a:rPr lang="en-US" smtClean="0"/>
-              <a:t>8/6/2020</a:t>
+              <a:t>8/8/2020</a:t>
             </a:fld>
             <a:endParaRPr lang="en-US"/>
           </a:p>
@@ -1875,7 +1931,7 @@
           <a:p>
             <a:fld id="{A310A56D-2A73-4214-BDEC-EE3DDD3E3C39}" type="datetimeFigureOut">
               <a:rPr lang="en-US" smtClean="0"/>
-              <a:t>8/6/2020</a:t>
+              <a:t>8/8/2020</a:t>
             </a:fld>
             <a:endParaRPr lang="en-US"/>
           </a:p>
@@ -1970,7 +2026,7 @@
           <a:p>
             <a:fld id="{A310A56D-2A73-4214-BDEC-EE3DDD3E3C39}" type="datetimeFigureOut">
               <a:rPr lang="en-US" smtClean="0"/>
-              <a:t>8/6/2020</a:t>
+              <a:t>8/8/2020</a:t>
             </a:fld>
             <a:endParaRPr lang="en-US"/>
           </a:p>
@@ -2247,7 +2303,7 @@
           <a:p>
             <a:fld id="{A310A56D-2A73-4214-BDEC-EE3DDD3E3C39}" type="datetimeFigureOut">
               <a:rPr lang="en-US" smtClean="0"/>
-              <a:t>8/6/2020</a:t>
+              <a:t>8/8/2020</a:t>
             </a:fld>
             <a:endParaRPr lang="en-US"/>
           </a:p>
@@ -2504,7 +2560,7 @@
           <a:p>
             <a:fld id="{A310A56D-2A73-4214-BDEC-EE3DDD3E3C39}" type="datetimeFigureOut">
               <a:rPr lang="en-US" smtClean="0"/>
-              <a:t>8/6/2020</a:t>
+              <a:t>8/8/2020</a:t>
             </a:fld>
             <a:endParaRPr lang="en-US"/>
           </a:p>
@@ -2717,7 +2773,7 @@
           <a:p>
             <a:fld id="{A310A56D-2A73-4214-BDEC-EE3DDD3E3C39}" type="datetimeFigureOut">
               <a:rPr lang="en-US" smtClean="0"/>
-              <a:t>8/6/2020</a:t>
+              <a:t>8/8/2020</a:t>
             </a:fld>
             <a:endParaRPr lang="en-US"/>
           </a:p>
@@ -3367,41 +3423,31 @@
           </a:p>
         </p:txBody>
       </p:sp>
-      <p:pic>
-        <p:nvPicPr>
-          <p:cNvPr id="5" name="Content Placeholder 4" descr="A screenshot of a cell phone&#10;&#10;Description automatically generated">
+      <p:sp>
+        <p:nvSpPr>
+          <p:cNvPr id="4" name="Content Placeholder 3">
             <a:extLst>
               <a:ext uri="{FF2B5EF4-FFF2-40B4-BE49-F238E27FC236}">
-                <a16:creationId xmlns:a16="http://schemas.microsoft.com/office/drawing/2014/main" id="{38766B99-6144-4199-9937-F7AA9E078255}"/>
+                <a16:creationId xmlns:a16="http://schemas.microsoft.com/office/drawing/2014/main" id="{930E59BC-1FFF-45CC-B8F8-3BE506916FD3}"/>
               </a:ext>
             </a:extLst>
           </p:cNvPr>
-          <p:cNvPicPr>
-            <a:picLocks noGrp="1" noChangeAspect="1"/>
-          </p:cNvPicPr>
+          <p:cNvSpPr>
+            <a:spLocks noGrp="1"/>
+          </p:cNvSpPr>
           <p:nvPr>
             <p:ph idx="1"/>
           </p:nvPr>
-        </p:nvPicPr>
-        <p:blipFill>
-          <a:blip r:embed="rId2">
-            <a:extLst>
-              <a:ext uri="{28A0092B-C50C-407E-A947-70E740481C1C}">
-                <a14:useLocalDpi xmlns:a14="http://schemas.microsoft.com/office/drawing/2010/main" val="0"/>
-              </a:ext>
-            </a:extLst>
-          </a:blip>
-          <a:stretch>
-            <a:fillRect/>
-          </a:stretch>
-        </p:blipFill>
-        <p:spPr>
-          <a:xfrm>
-            <a:off x="5493342" y="478363"/>
-            <a:ext cx="6012118" cy="5693299"/>
-          </a:xfrm>
-        </p:spPr>
-      </p:pic>
+        </p:nvSpPr>
+        <p:spPr/>
+        <p:txBody>
+          <a:bodyPr/>
+          <a:lstStyle/>
+          <a:p>
+            <a:endParaRPr lang="en-US"/>
+          </a:p>
+        </p:txBody>
+      </p:sp>
     </p:spTree>
     <p:extLst>
       <p:ext uri="{BB962C8B-B14F-4D97-AF65-F5344CB8AC3E}">
@@ -3457,41 +3503,31 @@
           </a:p>
         </p:txBody>
       </p:sp>
-      <p:pic>
-        <p:nvPicPr>
-          <p:cNvPr id="5" name="Content Placeholder 4">
+      <p:sp>
+        <p:nvSpPr>
+          <p:cNvPr id="4" name="Content Placeholder 3">
             <a:extLst>
               <a:ext uri="{FF2B5EF4-FFF2-40B4-BE49-F238E27FC236}">
-                <a16:creationId xmlns:a16="http://schemas.microsoft.com/office/drawing/2014/main" id="{1481E1AB-C705-4D63-A70E-F14EE30A4318}"/>
+                <a16:creationId xmlns:a16="http://schemas.microsoft.com/office/drawing/2014/main" id="{358B036D-6458-429E-BBFA-38D17853810C}"/>
               </a:ext>
             </a:extLst>
           </p:cNvPr>
-          <p:cNvPicPr>
-            <a:picLocks noGrp="1" noChangeAspect="1"/>
-          </p:cNvPicPr>
+          <p:cNvSpPr>
+            <a:spLocks noGrp="1"/>
+          </p:cNvSpPr>
           <p:nvPr>
             <p:ph idx="1"/>
           </p:nvPr>
-        </p:nvPicPr>
-        <p:blipFill>
-          <a:blip r:embed="rId2">
-            <a:extLst>
-              <a:ext uri="{28A0092B-C50C-407E-A947-70E740481C1C}">
-                <a14:useLocalDpi xmlns:a14="http://schemas.microsoft.com/office/drawing/2010/main" val="0"/>
-              </a:ext>
-            </a:extLst>
-          </a:blip>
-          <a:stretch>
-            <a:fillRect/>
-          </a:stretch>
-        </p:blipFill>
-        <p:spPr>
-          <a:xfrm>
-            <a:off x="64125" y="35138"/>
-            <a:ext cx="6407696" cy="6698574"/>
-          </a:xfrm>
-        </p:spPr>
-      </p:pic>
+        </p:nvSpPr>
+        <p:spPr/>
+        <p:txBody>
+          <a:bodyPr/>
+          <a:lstStyle/>
+          <a:p>
+            <a:endParaRPr lang="en-US"/>
+          </a:p>
+        </p:txBody>
+      </p:sp>
     </p:spTree>
     <p:extLst>
       <p:ext uri="{BB962C8B-B14F-4D97-AF65-F5344CB8AC3E}">

--- a/Non-Technical.pptx
+++ b/Non-Technical.pptx
@@ -131,7 +131,7 @@
 <file path=ppt/revisionInfo.xml><?xml version="1.0" encoding="utf-8"?>
 <p1510:revInfo xmlns:a="http://schemas.openxmlformats.org/drawingml/2006/main" xmlns:r="http://schemas.openxmlformats.org/officeDocument/2006/relationships" xmlns:p1510="http://schemas.microsoft.com/office/powerpoint/2015/10/main">
   <p1510:revLst>
-    <p1510:client id="{3C45BE6C-4B28-40F6-9198-2090A585D6D4}" v="1076" dt="2020-08-21T19:07:54.859"/>
+    <p1510:client id="{3C45BE6C-4B28-40F6-9198-2090A585D6D4}" v="1078" dt="2020-08-21T19:08:32.969"/>
     <p1510:client id="{D03F7E68-684F-4866-8F6D-378B97081DED}" v="151" dt="2020-08-21T17:00:00.659"/>
   </p1510:revLst>
 </p1510:revInfo>
@@ -1562,7 +1562,7 @@
   <pc:docChgLst>
     <pc:chgData name="Michael Mahoney" userId="0df92e9667c24698" providerId="Windows Live" clId="Web-{3C45BE6C-4B28-40F6-9198-2090A585D6D4}"/>
     <pc:docChg chg="addSld delSld modSld sldOrd">
-      <pc:chgData name="Michael Mahoney" userId="0df92e9667c24698" providerId="Windows Live" clId="Web-{3C45BE6C-4B28-40F6-9198-2090A585D6D4}" dt="2020-08-21T19:07:54.859" v="1072" actId="20577"/>
+      <pc:chgData name="Michael Mahoney" userId="0df92e9667c24698" providerId="Windows Live" clId="Web-{3C45BE6C-4B28-40F6-9198-2090A585D6D4}" dt="2020-08-21T19:08:32.844" v="1074" actId="1076"/>
       <pc:docMkLst>
         <pc:docMk/>
       </pc:docMkLst>
@@ -1604,7 +1604,7 @@
         </pc:spChg>
       </pc:sldChg>
       <pc:sldChg chg="addSp delSp modSp">
-        <pc:chgData name="Michael Mahoney" userId="0df92e9667c24698" providerId="Windows Live" clId="Web-{3C45BE6C-4B28-40F6-9198-2090A585D6D4}" dt="2020-08-21T19:05:44.872" v="991" actId="14100"/>
+        <pc:chgData name="Michael Mahoney" userId="0df92e9667c24698" providerId="Windows Live" clId="Web-{3C45BE6C-4B28-40F6-9198-2090A585D6D4}" dt="2020-08-21T19:08:32.844" v="1074" actId="1076"/>
         <pc:sldMkLst>
           <pc:docMk/>
           <pc:sldMk cId="768361343" sldId="267"/>
@@ -1642,7 +1642,7 @@
           </ac:picMkLst>
         </pc:picChg>
         <pc:picChg chg="add mod">
-          <ac:chgData name="Michael Mahoney" userId="0df92e9667c24698" providerId="Windows Live" clId="Web-{3C45BE6C-4B28-40F6-9198-2090A585D6D4}" dt="2020-08-21T19:05:44.872" v="991" actId="14100"/>
+          <ac:chgData name="Michael Mahoney" userId="0df92e9667c24698" providerId="Windows Live" clId="Web-{3C45BE6C-4B28-40F6-9198-2090A585D6D4}" dt="2020-08-21T19:08:32.844" v="1074" actId="1076"/>
           <ac:picMkLst>
             <pc:docMk/>
             <pc:sldMk cId="768361343" sldId="267"/>

--- a/Non-Technical.pptx
+++ b/Non-Technical.pptx
@@ -5,7 +5,7 @@
     <p:sldMasterId id="2147483865" r:id="rId1"/>
   </p:sldMasterIdLst>
   <p:notesMasterIdLst>
-    <p:notesMasterId r:id="rId16"/>
+    <p:notesMasterId r:id="rId17"/>
   </p:notesMasterIdLst>
   <p:sldIdLst>
     <p:sldId id="256" r:id="rId2"/>
@@ -19,9 +19,10 @@
     <p:sldId id="270" r:id="rId10"/>
     <p:sldId id="274" r:id="rId11"/>
     <p:sldId id="267" r:id="rId12"/>
-    <p:sldId id="265" r:id="rId13"/>
-    <p:sldId id="264" r:id="rId14"/>
-    <p:sldId id="266" r:id="rId15"/>
+    <p:sldId id="278" r:id="rId13"/>
+    <p:sldId id="265" r:id="rId14"/>
+    <p:sldId id="264" r:id="rId15"/>
+    <p:sldId id="266" r:id="rId16"/>
   </p:sldIdLst>
   <p:sldSz cx="12192000" cy="6858000"/>
   <p:notesSz cx="6858000" cy="9144000"/>
@@ -131,14 +132,993 @@
 <file path=ppt/revisionInfo.xml><?xml version="1.0" encoding="utf-8"?>
 <p1510:revInfo xmlns:a="http://schemas.openxmlformats.org/drawingml/2006/main" xmlns:r="http://schemas.openxmlformats.org/officeDocument/2006/relationships" xmlns:p1510="http://schemas.microsoft.com/office/powerpoint/2015/10/main">
   <p1510:revLst>
-    <p1510:client id="{3C45BE6C-4B28-40F6-9198-2090A585D6D4}" v="1078" dt="2020-08-21T19:08:32.969"/>
-    <p1510:client id="{D03F7E68-684F-4866-8F6D-378B97081DED}" v="151" dt="2020-08-21T17:00:00.659"/>
+    <p1510:client id="{D03F7E68-684F-4866-8F6D-378B97081DED}" v="154" dt="2020-08-23T12:59:57.411"/>
   </p1510:revLst>
 </p1510:revInfo>
 </file>
 
 <file path=ppt/changesInfos/changesInfo1.xml><?xml version="1.0" encoding="utf-8"?>
 <pc:chgInfo xmlns:a="http://schemas.openxmlformats.org/drawingml/2006/main" xmlns:r="http://schemas.openxmlformats.org/officeDocument/2006/relationships" xmlns:ac="http://schemas.microsoft.com/office/drawing/2013/main/command" xmlns:pc="http://schemas.microsoft.com/office/powerpoint/2013/main/command">
+  <pc:docChgLst>
+    <pc:chgData name="Michael Mahoney" userId="0df92e9667c24698" providerId="Windows Live" clId="Web-{410AE4FA-6325-4EF8-BEB6-57C849D00BDB}"/>
+    <pc:docChg chg="modSld">
+      <pc:chgData name="Michael Mahoney" userId="0df92e9667c24698" providerId="Windows Live" clId="Web-{410AE4FA-6325-4EF8-BEB6-57C849D00BDB}" dt="2020-08-09T04:25:41.249" v="1"/>
+      <pc:docMkLst>
+        <pc:docMk/>
+      </pc:docMkLst>
+      <pc:sldChg chg="addSp delSp modSp">
+        <pc:chgData name="Michael Mahoney" userId="0df92e9667c24698" providerId="Windows Live" clId="Web-{410AE4FA-6325-4EF8-BEB6-57C849D00BDB}" dt="2020-08-09T04:25:41.249" v="1"/>
+        <pc:sldMkLst>
+          <pc:docMk/>
+          <pc:sldMk cId="2709198907" sldId="257"/>
+        </pc:sldMkLst>
+        <pc:spChg chg="add mod">
+          <ac:chgData name="Michael Mahoney" userId="0df92e9667c24698" providerId="Windows Live" clId="Web-{410AE4FA-6325-4EF8-BEB6-57C849D00BDB}" dt="2020-08-09T04:25:41.249" v="1"/>
+          <ac:spMkLst>
+            <pc:docMk/>
+            <pc:sldMk cId="2709198907" sldId="257"/>
+            <ac:spMk id="4" creationId="{930E59BC-1FFF-45CC-B8F8-3BE506916FD3}"/>
+          </ac:spMkLst>
+        </pc:spChg>
+        <pc:picChg chg="del">
+          <ac:chgData name="Michael Mahoney" userId="0df92e9667c24698" providerId="Windows Live" clId="Web-{410AE4FA-6325-4EF8-BEB6-57C849D00BDB}" dt="2020-08-09T04:25:41.249" v="1"/>
+          <ac:picMkLst>
+            <pc:docMk/>
+            <pc:sldMk cId="2709198907" sldId="257"/>
+            <ac:picMk id="5" creationId="{38766B99-6144-4199-9937-F7AA9E078255}"/>
+          </ac:picMkLst>
+        </pc:picChg>
+      </pc:sldChg>
+      <pc:sldChg chg="addSp delSp modSp">
+        <pc:chgData name="Michael Mahoney" userId="0df92e9667c24698" providerId="Windows Live" clId="Web-{410AE4FA-6325-4EF8-BEB6-57C849D00BDB}" dt="2020-08-09T04:25:36.593" v="0"/>
+        <pc:sldMkLst>
+          <pc:docMk/>
+          <pc:sldMk cId="1022739119" sldId="259"/>
+        </pc:sldMkLst>
+        <pc:spChg chg="add mod">
+          <ac:chgData name="Michael Mahoney" userId="0df92e9667c24698" providerId="Windows Live" clId="Web-{410AE4FA-6325-4EF8-BEB6-57C849D00BDB}" dt="2020-08-09T04:25:36.593" v="0"/>
+          <ac:spMkLst>
+            <pc:docMk/>
+            <pc:sldMk cId="1022739119" sldId="259"/>
+            <ac:spMk id="4" creationId="{358B036D-6458-429E-BBFA-38D17853810C}"/>
+          </ac:spMkLst>
+        </pc:spChg>
+        <pc:picChg chg="del">
+          <ac:chgData name="Michael Mahoney" userId="0df92e9667c24698" providerId="Windows Live" clId="Web-{410AE4FA-6325-4EF8-BEB6-57C849D00BDB}" dt="2020-08-09T04:25:36.593" v="0"/>
+          <ac:picMkLst>
+            <pc:docMk/>
+            <pc:sldMk cId="1022739119" sldId="259"/>
+            <ac:picMk id="5" creationId="{1481E1AB-C705-4D63-A70E-F14EE30A4318}"/>
+          </ac:picMkLst>
+        </pc:picChg>
+      </pc:sldChg>
+    </pc:docChg>
+  </pc:docChgLst>
+  <pc:docChgLst>
+    <pc:chgData name="Michael Mahoney" userId="0df92e9667c24698" providerId="Windows Live" clId="Web-{3C45BE6C-4B28-40F6-9198-2090A585D6D4}"/>
+    <pc:docChg chg="addSld delSld modSld sldOrd">
+      <pc:chgData name="Michael Mahoney" userId="0df92e9667c24698" providerId="Windows Live" clId="Web-{3C45BE6C-4B28-40F6-9198-2090A585D6D4}" dt="2020-08-21T19:08:32.844" v="1074" actId="1076"/>
+      <pc:docMkLst>
+        <pc:docMk/>
+      </pc:docMkLst>
+      <pc:sldChg chg="del">
+        <pc:chgData name="Michael Mahoney" userId="0df92e9667c24698" providerId="Windows Live" clId="Web-{3C45BE6C-4B28-40F6-9198-2090A585D6D4}" dt="2020-08-21T18:38:38.831" v="970"/>
+        <pc:sldMkLst>
+          <pc:docMk/>
+          <pc:sldMk cId="2709198907" sldId="257"/>
+        </pc:sldMkLst>
+      </pc:sldChg>
+      <pc:sldChg chg="modSp">
+        <pc:chgData name="Michael Mahoney" userId="0df92e9667c24698" providerId="Windows Live" clId="Web-{3C45BE6C-4B28-40F6-9198-2090A585D6D4}" dt="2020-08-21T18:00:29.774" v="404" actId="20577"/>
+        <pc:sldMkLst>
+          <pc:docMk/>
+          <pc:sldMk cId="2304363769" sldId="260"/>
+        </pc:sldMkLst>
+        <pc:spChg chg="mod">
+          <ac:chgData name="Michael Mahoney" userId="0df92e9667c24698" providerId="Windows Live" clId="Web-{3C45BE6C-4B28-40F6-9198-2090A585D6D4}" dt="2020-08-21T18:00:29.774" v="404" actId="20577"/>
+          <ac:spMkLst>
+            <pc:docMk/>
+            <pc:sldMk cId="2304363769" sldId="260"/>
+            <ac:spMk id="12" creationId="{8D9D8FD4-EBBF-4072-9F33-BDF42AA1E8B2}"/>
+          </ac:spMkLst>
+        </pc:spChg>
+      </pc:sldChg>
+      <pc:sldChg chg="modSp">
+        <pc:chgData name="Michael Mahoney" userId="0df92e9667c24698" providerId="Windows Live" clId="Web-{3C45BE6C-4B28-40F6-9198-2090A585D6D4}" dt="2020-08-21T19:07:05.217" v="1070" actId="20577"/>
+        <pc:sldMkLst>
+          <pc:docMk/>
+          <pc:sldMk cId="2067595967" sldId="265"/>
+        </pc:sldMkLst>
+        <pc:spChg chg="mod">
+          <ac:chgData name="Michael Mahoney" userId="0df92e9667c24698" providerId="Windows Live" clId="Web-{3C45BE6C-4B28-40F6-9198-2090A585D6D4}" dt="2020-08-21T19:07:05.217" v="1070" actId="20577"/>
+          <ac:spMkLst>
+            <pc:docMk/>
+            <pc:sldMk cId="2067595967" sldId="265"/>
+            <ac:spMk id="3" creationId="{EB66CB89-2BB0-4B3D-ACA4-EA81AA4340D8}"/>
+          </ac:spMkLst>
+        </pc:spChg>
+      </pc:sldChg>
+      <pc:sldChg chg="addSp delSp modSp">
+        <pc:chgData name="Michael Mahoney" userId="0df92e9667c24698" providerId="Windows Live" clId="Web-{3C45BE6C-4B28-40F6-9198-2090A585D6D4}" dt="2020-08-21T19:08:32.844" v="1074" actId="1076"/>
+        <pc:sldMkLst>
+          <pc:docMk/>
+          <pc:sldMk cId="768361343" sldId="267"/>
+        </pc:sldMkLst>
+        <pc:spChg chg="del">
+          <ac:chgData name="Michael Mahoney" userId="0df92e9667c24698" providerId="Windows Live" clId="Web-{3C45BE6C-4B28-40F6-9198-2090A585D6D4}" dt="2020-08-21T19:03:42.150" v="973"/>
+          <ac:spMkLst>
+            <pc:docMk/>
+            <pc:sldMk cId="768361343" sldId="267"/>
+            <ac:spMk id="2" creationId="{7CEEDC77-E986-4CF2-96F5-F75D3CA692A8}"/>
+          </ac:spMkLst>
+        </pc:spChg>
+        <pc:picChg chg="add del mod">
+          <ac:chgData name="Michael Mahoney" userId="0df92e9667c24698" providerId="Windows Live" clId="Web-{3C45BE6C-4B28-40F6-9198-2090A585D6D4}" dt="2020-08-21T19:04:47.433" v="978"/>
+          <ac:picMkLst>
+            <pc:docMk/>
+            <pc:sldMk cId="768361343" sldId="267"/>
+            <ac:picMk id="3" creationId="{CCB08782-2B9F-4A65-99D9-DA9AA1986DED}"/>
+          </ac:picMkLst>
+        </pc:picChg>
+        <pc:picChg chg="del">
+          <ac:chgData name="Michael Mahoney" userId="0df92e9667c24698" providerId="Windows Live" clId="Web-{3C45BE6C-4B28-40F6-9198-2090A585D6D4}" dt="2020-08-21T19:03:40.400" v="972"/>
+          <ac:picMkLst>
+            <pc:docMk/>
+            <pc:sldMk cId="768361343" sldId="267"/>
+            <ac:picMk id="4" creationId="{EF39FF74-386B-4BFA-97E8-DAE6B7989977}"/>
+          </ac:picMkLst>
+        </pc:picChg>
+        <pc:picChg chg="add del mod">
+          <ac:chgData name="Michael Mahoney" userId="0df92e9667c24698" providerId="Windows Live" clId="Web-{3C45BE6C-4B28-40F6-9198-2090A585D6D4}" dt="2020-08-21T19:05:01.934" v="984"/>
+          <ac:picMkLst>
+            <pc:docMk/>
+            <pc:sldMk cId="768361343" sldId="267"/>
+            <ac:picMk id="5" creationId="{DCDA34B1-8C7B-44E6-9FF2-879848F1D00A}"/>
+          </ac:picMkLst>
+        </pc:picChg>
+        <pc:picChg chg="add mod">
+          <ac:chgData name="Michael Mahoney" userId="0df92e9667c24698" providerId="Windows Live" clId="Web-{3C45BE6C-4B28-40F6-9198-2090A585D6D4}" dt="2020-08-21T19:08:32.844" v="1074" actId="1076"/>
+          <ac:picMkLst>
+            <pc:docMk/>
+            <pc:sldMk cId="768361343" sldId="267"/>
+            <ac:picMk id="6" creationId="{AB744C7A-D994-4C8D-A6A8-AE147410BE1E}"/>
+          </ac:picMkLst>
+        </pc:picChg>
+      </pc:sldChg>
+      <pc:sldChg chg="modSp">
+        <pc:chgData name="Michael Mahoney" userId="0df92e9667c24698" providerId="Windows Live" clId="Web-{3C45BE6C-4B28-40F6-9198-2090A585D6D4}" dt="2020-08-21T19:07:54.859" v="1072" actId="20577"/>
+        <pc:sldMkLst>
+          <pc:docMk/>
+          <pc:sldMk cId="213043462" sldId="269"/>
+        </pc:sldMkLst>
+        <pc:graphicFrameChg chg="modGraphic">
+          <ac:chgData name="Michael Mahoney" userId="0df92e9667c24698" providerId="Windows Live" clId="Web-{3C45BE6C-4B28-40F6-9198-2090A585D6D4}" dt="2020-08-21T19:07:54.859" v="1072" actId="20577"/>
+          <ac:graphicFrameMkLst>
+            <pc:docMk/>
+            <pc:sldMk cId="213043462" sldId="269"/>
+            <ac:graphicFrameMk id="5" creationId="{51EFF8DE-DDA7-4567-B714-044064201C04}"/>
+          </ac:graphicFrameMkLst>
+        </pc:graphicFrameChg>
+      </pc:sldChg>
+      <pc:sldChg chg="ord">
+        <pc:chgData name="Michael Mahoney" userId="0df92e9667c24698" providerId="Windows Live" clId="Web-{3C45BE6C-4B28-40F6-9198-2090A585D6D4}" dt="2020-08-21T18:00:59.447" v="406"/>
+        <pc:sldMkLst>
+          <pc:docMk/>
+          <pc:sldMk cId="3207320007" sldId="270"/>
+        </pc:sldMkLst>
+      </pc:sldChg>
+      <pc:sldChg chg="del">
+        <pc:chgData name="Michael Mahoney" userId="0df92e9667c24698" providerId="Windows Live" clId="Web-{3C45BE6C-4B28-40F6-9198-2090A585D6D4}" dt="2020-08-21T18:38:40.206" v="971"/>
+        <pc:sldMkLst>
+          <pc:docMk/>
+          <pc:sldMk cId="1657909057" sldId="271"/>
+        </pc:sldMkLst>
+      </pc:sldChg>
+      <pc:sldChg chg="modSp ord">
+        <pc:chgData name="Michael Mahoney" userId="0df92e9667c24698" providerId="Windows Live" clId="Web-{3C45BE6C-4B28-40F6-9198-2090A585D6D4}" dt="2020-08-21T18:37:01.950" v="890" actId="1076"/>
+        <pc:sldMkLst>
+          <pc:docMk/>
+          <pc:sldMk cId="3272095856" sldId="274"/>
+        </pc:sldMkLst>
+        <pc:picChg chg="mod">
+          <ac:chgData name="Michael Mahoney" userId="0df92e9667c24698" providerId="Windows Live" clId="Web-{3C45BE6C-4B28-40F6-9198-2090A585D6D4}" dt="2020-08-21T18:37:01.950" v="890" actId="1076"/>
+          <ac:picMkLst>
+            <pc:docMk/>
+            <pc:sldMk cId="3272095856" sldId="274"/>
+            <ac:picMk id="4" creationId="{D7D6234F-10BF-4199-B4EB-B16E27BE8140}"/>
+          </ac:picMkLst>
+        </pc:picChg>
+      </pc:sldChg>
+      <pc:sldChg chg="addSp delSp modSp new mod setBg">
+        <pc:chgData name="Michael Mahoney" userId="0df92e9667c24698" providerId="Windows Live" clId="Web-{3C45BE6C-4B28-40F6-9198-2090A585D6D4}" dt="2020-08-21T18:23:29.480" v="670" actId="20577"/>
+        <pc:sldMkLst>
+          <pc:docMk/>
+          <pc:sldMk cId="933655145" sldId="276"/>
+        </pc:sldMkLst>
+        <pc:spChg chg="mod">
+          <ac:chgData name="Michael Mahoney" userId="0df92e9667c24698" providerId="Windows Live" clId="Web-{3C45BE6C-4B28-40F6-9198-2090A585D6D4}" dt="2020-08-21T18:20:07.734" v="442" actId="20577"/>
+          <ac:spMkLst>
+            <pc:docMk/>
+            <pc:sldMk cId="933655145" sldId="276"/>
+            <ac:spMk id="2" creationId="{C8ADCEDB-AF0E-4410-AD45-635A2C3B062A}"/>
+          </ac:spMkLst>
+        </pc:spChg>
+        <pc:spChg chg="del">
+          <ac:chgData name="Michael Mahoney" userId="0df92e9667c24698" providerId="Windows Live" clId="Web-{3C45BE6C-4B28-40F6-9198-2090A585D6D4}" dt="2020-08-21T18:19:06.433" v="409"/>
+          <ac:spMkLst>
+            <pc:docMk/>
+            <pc:sldMk cId="933655145" sldId="276"/>
+            <ac:spMk id="3" creationId="{DF945785-C330-4300-9E6D-E1E2CCACCF8D}"/>
+          </ac:spMkLst>
+        </pc:spChg>
+        <pc:spChg chg="add mod">
+          <ac:chgData name="Michael Mahoney" userId="0df92e9667c24698" providerId="Windows Live" clId="Web-{3C45BE6C-4B28-40F6-9198-2090A585D6D4}" dt="2020-08-21T18:23:29.480" v="670" actId="20577"/>
+          <ac:spMkLst>
+            <pc:docMk/>
+            <pc:sldMk cId="933655145" sldId="276"/>
+            <ac:spMk id="8" creationId="{111C6DB0-5312-46B0-B196-7519B38D306F}"/>
+          </ac:spMkLst>
+        </pc:spChg>
+        <pc:spChg chg="add">
+          <ac:chgData name="Michael Mahoney" userId="0df92e9667c24698" providerId="Windows Live" clId="Web-{3C45BE6C-4B28-40F6-9198-2090A585D6D4}" dt="2020-08-21T18:19:19.981" v="410"/>
+          <ac:spMkLst>
+            <pc:docMk/>
+            <pc:sldMk cId="933655145" sldId="276"/>
+            <ac:spMk id="11" creationId="{A65AC7D1-EAA9-48F5-B509-60A7F50BF703}"/>
+          </ac:spMkLst>
+        </pc:spChg>
+        <pc:spChg chg="add">
+          <ac:chgData name="Michael Mahoney" userId="0df92e9667c24698" providerId="Windows Live" clId="Web-{3C45BE6C-4B28-40F6-9198-2090A585D6D4}" dt="2020-08-21T18:19:19.981" v="410"/>
+          <ac:spMkLst>
+            <pc:docMk/>
+            <pc:sldMk cId="933655145" sldId="276"/>
+            <ac:spMk id="13" creationId="{D6320AF9-619A-4175-865B-5663E1AEF4C5}"/>
+          </ac:spMkLst>
+        </pc:spChg>
+        <pc:spChg chg="add">
+          <ac:chgData name="Michael Mahoney" userId="0df92e9667c24698" providerId="Windows Live" clId="Web-{3C45BE6C-4B28-40F6-9198-2090A585D6D4}" dt="2020-08-21T18:19:19.981" v="410"/>
+          <ac:spMkLst>
+            <pc:docMk/>
+            <pc:sldMk cId="933655145" sldId="276"/>
+            <ac:spMk id="19" creationId="{7E018740-5C2B-4A41-AC1A-7E68D1EC1954}"/>
+          </ac:spMkLst>
+        </pc:spChg>
+        <pc:spChg chg="add">
+          <ac:chgData name="Michael Mahoney" userId="0df92e9667c24698" providerId="Windows Live" clId="Web-{3C45BE6C-4B28-40F6-9198-2090A585D6D4}" dt="2020-08-21T18:19:19.981" v="410"/>
+          <ac:spMkLst>
+            <pc:docMk/>
+            <pc:sldMk cId="933655145" sldId="276"/>
+            <ac:spMk id="21" creationId="{166F75A4-C475-4941-8EE2-B80A06A2C1BB}"/>
+          </ac:spMkLst>
+        </pc:spChg>
+        <pc:spChg chg="add">
+          <ac:chgData name="Michael Mahoney" userId="0df92e9667c24698" providerId="Windows Live" clId="Web-{3C45BE6C-4B28-40F6-9198-2090A585D6D4}" dt="2020-08-21T18:19:19.981" v="410"/>
+          <ac:spMkLst>
+            <pc:docMk/>
+            <pc:sldMk cId="933655145" sldId="276"/>
+            <ac:spMk id="23" creationId="{A032553A-72E8-4B0D-8405-FF9771C9AF05}"/>
+          </ac:spMkLst>
+        </pc:spChg>
+        <pc:spChg chg="add">
+          <ac:chgData name="Michael Mahoney" userId="0df92e9667c24698" providerId="Windows Live" clId="Web-{3C45BE6C-4B28-40F6-9198-2090A585D6D4}" dt="2020-08-21T18:19:19.981" v="410"/>
+          <ac:spMkLst>
+            <pc:docMk/>
+            <pc:sldMk cId="933655145" sldId="276"/>
+            <ac:spMk id="25" creationId="{765800AC-C3B9-498E-87BC-29FAE4C76B21}"/>
+          </ac:spMkLst>
+        </pc:spChg>
+        <pc:spChg chg="add">
+          <ac:chgData name="Michael Mahoney" userId="0df92e9667c24698" providerId="Windows Live" clId="Web-{3C45BE6C-4B28-40F6-9198-2090A585D6D4}" dt="2020-08-21T18:19:19.981" v="410"/>
+          <ac:spMkLst>
+            <pc:docMk/>
+            <pc:sldMk cId="933655145" sldId="276"/>
+            <ac:spMk id="27" creationId="{1F9D6ACB-2FF4-49F9-978A-E0D5327FC635}"/>
+          </ac:spMkLst>
+        </pc:spChg>
+        <pc:spChg chg="add">
+          <ac:chgData name="Michael Mahoney" userId="0df92e9667c24698" providerId="Windows Live" clId="Web-{3C45BE6C-4B28-40F6-9198-2090A585D6D4}" dt="2020-08-21T18:19:19.981" v="410"/>
+          <ac:spMkLst>
+            <pc:docMk/>
+            <pc:sldMk cId="933655145" sldId="276"/>
+            <ac:spMk id="29" creationId="{A5EC319D-0FEA-4B95-A3EA-01E35672C95B}"/>
+          </ac:spMkLst>
+        </pc:spChg>
+        <pc:picChg chg="add mod ord">
+          <ac:chgData name="Michael Mahoney" userId="0df92e9667c24698" providerId="Windows Live" clId="Web-{3C45BE6C-4B28-40F6-9198-2090A585D6D4}" dt="2020-08-21T18:19:27.716" v="412" actId="1076"/>
+          <ac:picMkLst>
+            <pc:docMk/>
+            <pc:sldMk cId="933655145" sldId="276"/>
+            <ac:picMk id="4" creationId="{924E0C48-0525-40BA-8475-B398788D208A}"/>
+          </ac:picMkLst>
+        </pc:picChg>
+        <pc:cxnChg chg="add">
+          <ac:chgData name="Michael Mahoney" userId="0df92e9667c24698" providerId="Windows Live" clId="Web-{3C45BE6C-4B28-40F6-9198-2090A585D6D4}" dt="2020-08-21T18:19:19.981" v="410"/>
+          <ac:cxnSpMkLst>
+            <pc:docMk/>
+            <pc:sldMk cId="933655145" sldId="276"/>
+            <ac:cxnSpMk id="15" creationId="{063B6EC6-D752-4EE7-908B-F8F19E8C7FEA}"/>
+          </ac:cxnSpMkLst>
+        </pc:cxnChg>
+        <pc:cxnChg chg="add">
+          <ac:chgData name="Michael Mahoney" userId="0df92e9667c24698" providerId="Windows Live" clId="Web-{3C45BE6C-4B28-40F6-9198-2090A585D6D4}" dt="2020-08-21T18:19:19.981" v="410"/>
+          <ac:cxnSpMkLst>
+            <pc:docMk/>
+            <pc:sldMk cId="933655145" sldId="276"/>
+            <ac:cxnSpMk id="17" creationId="{EFECD4E8-AD3E-4228-82A2-9461958EA94D}"/>
+          </ac:cxnSpMkLst>
+        </pc:cxnChg>
+      </pc:sldChg>
+      <pc:sldChg chg="addSp delSp modSp new mod setBg">
+        <pc:chgData name="Michael Mahoney" userId="0df92e9667c24698" providerId="Windows Live" clId="Web-{3C45BE6C-4B28-40F6-9198-2090A585D6D4}" dt="2020-08-21T18:36:08.400" v="886" actId="20577"/>
+        <pc:sldMkLst>
+          <pc:docMk/>
+          <pc:sldMk cId="2471390352" sldId="277"/>
+        </pc:sldMkLst>
+        <pc:spChg chg="mod ord">
+          <ac:chgData name="Michael Mahoney" userId="0df92e9667c24698" providerId="Windows Live" clId="Web-{3C45BE6C-4B28-40F6-9198-2090A585D6D4}" dt="2020-08-21T18:34:32.785" v="688"/>
+          <ac:spMkLst>
+            <pc:docMk/>
+            <pc:sldMk cId="2471390352" sldId="277"/>
+            <ac:spMk id="2" creationId="{A3619D37-D62A-4B67-A8AB-21C2920B3D8E}"/>
+          </ac:spMkLst>
+        </pc:spChg>
+        <pc:spChg chg="del">
+          <ac:chgData name="Michael Mahoney" userId="0df92e9667c24698" providerId="Windows Live" clId="Web-{3C45BE6C-4B28-40F6-9198-2090A585D6D4}" dt="2020-08-21T18:34:07.674" v="673"/>
+          <ac:spMkLst>
+            <pc:docMk/>
+            <pc:sldMk cId="2471390352" sldId="277"/>
+            <ac:spMk id="3" creationId="{B381A914-3A05-4596-A289-B20E9C511797}"/>
+          </ac:spMkLst>
+        </pc:spChg>
+        <pc:spChg chg="add mod">
+          <ac:chgData name="Michael Mahoney" userId="0df92e9667c24698" providerId="Windows Live" clId="Web-{3C45BE6C-4B28-40F6-9198-2090A585D6D4}" dt="2020-08-21T18:36:08.400" v="886" actId="20577"/>
+          <ac:spMkLst>
+            <pc:docMk/>
+            <pc:sldMk cId="2471390352" sldId="277"/>
+            <ac:spMk id="6" creationId="{09C952CB-DD47-4936-87EE-4CBA5E7B54BD}"/>
+          </ac:spMkLst>
+        </pc:spChg>
+        <pc:spChg chg="add del">
+          <ac:chgData name="Michael Mahoney" userId="0df92e9667c24698" providerId="Windows Live" clId="Web-{3C45BE6C-4B28-40F6-9198-2090A585D6D4}" dt="2020-08-21T18:34:32.770" v="687"/>
+          <ac:spMkLst>
+            <pc:docMk/>
+            <pc:sldMk cId="2471390352" sldId="277"/>
+            <ac:spMk id="8" creationId="{1CB86818-D4D1-4A33-8724-F19038ED4DF8}"/>
+          </ac:spMkLst>
+        </pc:spChg>
+        <pc:spChg chg="add del">
+          <ac:chgData name="Michael Mahoney" userId="0df92e9667c24698" providerId="Windows Live" clId="Web-{3C45BE6C-4B28-40F6-9198-2090A585D6D4}" dt="2020-08-21T18:34:32.770" v="687"/>
+          <ac:spMkLst>
+            <pc:docMk/>
+            <pc:sldMk cId="2471390352" sldId="277"/>
+            <ac:spMk id="15" creationId="{3F088236-D655-4F88-B238-E16762358025}"/>
+          </ac:spMkLst>
+        </pc:spChg>
+        <pc:spChg chg="add del">
+          <ac:chgData name="Michael Mahoney" userId="0df92e9667c24698" providerId="Windows Live" clId="Web-{3C45BE6C-4B28-40F6-9198-2090A585D6D4}" dt="2020-08-21T18:34:32.770" v="687"/>
+          <ac:spMkLst>
+            <pc:docMk/>
+            <pc:sldMk cId="2471390352" sldId="277"/>
+            <ac:spMk id="17" creationId="{3DAC0C92-199E-475C-9390-119A9B027276}"/>
+          </ac:spMkLst>
+        </pc:spChg>
+        <pc:spChg chg="add del">
+          <ac:chgData name="Michael Mahoney" userId="0df92e9667c24698" providerId="Windows Live" clId="Web-{3C45BE6C-4B28-40F6-9198-2090A585D6D4}" dt="2020-08-21T18:34:32.770" v="687"/>
+          <ac:spMkLst>
+            <pc:docMk/>
+            <pc:sldMk cId="2471390352" sldId="277"/>
+            <ac:spMk id="19" creationId="{C4CFB339-0ED8-4FE2-9EF1-6D1375B8499B}"/>
+          </ac:spMkLst>
+        </pc:spChg>
+        <pc:spChg chg="add del">
+          <ac:chgData name="Michael Mahoney" userId="0df92e9667c24698" providerId="Windows Live" clId="Web-{3C45BE6C-4B28-40F6-9198-2090A585D6D4}" dt="2020-08-21T18:34:32.770" v="687"/>
+          <ac:spMkLst>
+            <pc:docMk/>
+            <pc:sldMk cId="2471390352" sldId="277"/>
+            <ac:spMk id="21" creationId="{31896C80-2069-4431-9C19-83B913734490}"/>
+          </ac:spMkLst>
+        </pc:spChg>
+        <pc:spChg chg="add del">
+          <ac:chgData name="Michael Mahoney" userId="0df92e9667c24698" providerId="Windows Live" clId="Web-{3C45BE6C-4B28-40F6-9198-2090A585D6D4}" dt="2020-08-21T18:34:32.770" v="687"/>
+          <ac:spMkLst>
+            <pc:docMk/>
+            <pc:sldMk cId="2471390352" sldId="277"/>
+            <ac:spMk id="23" creationId="{BF120A21-0841-4823-B0C4-28AEBCEF9B78}"/>
+          </ac:spMkLst>
+        </pc:spChg>
+        <pc:spChg chg="add del">
+          <ac:chgData name="Michael Mahoney" userId="0df92e9667c24698" providerId="Windows Live" clId="Web-{3C45BE6C-4B28-40F6-9198-2090A585D6D4}" dt="2020-08-21T18:34:32.770" v="687"/>
+          <ac:spMkLst>
+            <pc:docMk/>
+            <pc:sldMk cId="2471390352" sldId="277"/>
+            <ac:spMk id="25" creationId="{DBB05BAE-BBD3-4289-899F-A6851503C6B0}"/>
+          </ac:spMkLst>
+        </pc:spChg>
+        <pc:spChg chg="add del">
+          <ac:chgData name="Michael Mahoney" userId="0df92e9667c24698" providerId="Windows Live" clId="Web-{3C45BE6C-4B28-40F6-9198-2090A585D6D4}" dt="2020-08-21T18:34:32.770" v="687"/>
+          <ac:spMkLst>
+            <pc:docMk/>
+            <pc:sldMk cId="2471390352" sldId="277"/>
+            <ac:spMk id="27" creationId="{9874D11C-36F5-4BBE-A490-019A54E953B0}"/>
+          </ac:spMkLst>
+        </pc:spChg>
+        <pc:picChg chg="add mod ord">
+          <ac:chgData name="Michael Mahoney" userId="0df92e9667c24698" providerId="Windows Live" clId="Web-{3C45BE6C-4B28-40F6-9198-2090A585D6D4}" dt="2020-08-21T18:34:32.785" v="688"/>
+          <ac:picMkLst>
+            <pc:docMk/>
+            <pc:sldMk cId="2471390352" sldId="277"/>
+            <ac:picMk id="4" creationId="{0D186772-EFEB-4AF7-ADDE-6A2ADD6C18FE}"/>
+          </ac:picMkLst>
+        </pc:picChg>
+        <pc:cxnChg chg="add del">
+          <ac:chgData name="Michael Mahoney" userId="0df92e9667c24698" providerId="Windows Live" clId="Web-{3C45BE6C-4B28-40F6-9198-2090A585D6D4}" dt="2020-08-21T18:34:32.770" v="687"/>
+          <ac:cxnSpMkLst>
+            <pc:docMk/>
+            <pc:sldMk cId="2471390352" sldId="277"/>
+            <ac:cxnSpMk id="11" creationId="{64FA5DFF-7FE6-4855-84E6-DFA78EE978BD}"/>
+          </ac:cxnSpMkLst>
+        </pc:cxnChg>
+        <pc:cxnChg chg="add del">
+          <ac:chgData name="Michael Mahoney" userId="0df92e9667c24698" providerId="Windows Live" clId="Web-{3C45BE6C-4B28-40F6-9198-2090A585D6D4}" dt="2020-08-21T18:34:32.770" v="687"/>
+          <ac:cxnSpMkLst>
+            <pc:docMk/>
+            <pc:sldMk cId="2471390352" sldId="277"/>
+            <ac:cxnSpMk id="13" creationId="{2AFD8CBA-54A3-4363-991B-B9C631BBFA74}"/>
+          </ac:cxnSpMkLst>
+        </pc:cxnChg>
+      </pc:sldChg>
+    </pc:docChg>
+  </pc:docChgLst>
+  <pc:docChgLst>
+    <pc:chgData name="Michael" userId="0df92e9667c24698" providerId="LiveId" clId="{1F99F48F-5B65-4770-B2EE-DE9434FFD723}"/>
+    <pc:docChg chg="addSld modSld">
+      <pc:chgData name="Michael" userId="0df92e9667c24698" providerId="LiveId" clId="{1F99F48F-5B65-4770-B2EE-DE9434FFD723}" dt="2020-08-03T01:35:23.107" v="17" actId="680"/>
+      <pc:docMkLst>
+        <pc:docMk/>
+      </pc:docMkLst>
+      <pc:sldChg chg="modSp mod">
+        <pc:chgData name="Michael" userId="0df92e9667c24698" providerId="LiveId" clId="{1F99F48F-5B65-4770-B2EE-DE9434FFD723}" dt="2020-08-03T01:35:04.217" v="16" actId="20577"/>
+        <pc:sldMkLst>
+          <pc:docMk/>
+          <pc:sldMk cId="1265917787" sldId="256"/>
+        </pc:sldMkLst>
+        <pc:spChg chg="mod">
+          <ac:chgData name="Michael" userId="0df92e9667c24698" providerId="LiveId" clId="{1F99F48F-5B65-4770-B2EE-DE9434FFD723}" dt="2020-08-03T01:35:04.217" v="16" actId="20577"/>
+          <ac:spMkLst>
+            <pc:docMk/>
+            <pc:sldMk cId="1265917787" sldId="256"/>
+            <ac:spMk id="2" creationId="{6E861DEA-96B7-410B-ADA5-587204502AF3}"/>
+          </ac:spMkLst>
+        </pc:spChg>
+      </pc:sldChg>
+      <pc:sldChg chg="new">
+        <pc:chgData name="Michael" userId="0df92e9667c24698" providerId="LiveId" clId="{1F99F48F-5B65-4770-B2EE-DE9434FFD723}" dt="2020-08-03T01:35:23.107" v="17" actId="680"/>
+        <pc:sldMkLst>
+          <pc:docMk/>
+          <pc:sldMk cId="2709198907" sldId="257"/>
+        </pc:sldMkLst>
+      </pc:sldChg>
+    </pc:docChg>
+  </pc:docChgLst>
+  <pc:docChgLst>
+    <pc:chgData name="Michael" userId="0df92e9667c24698" providerId="LiveId" clId="{63F90B20-AD47-4B60-BE49-36ADD5B2B0D2}"/>
+    <pc:docChg chg="undo custSel addSld modSld">
+      <pc:chgData name="Michael" userId="0df92e9667c24698" providerId="LiveId" clId="{63F90B20-AD47-4B60-BE49-36ADD5B2B0D2}" dt="2020-08-07T04:00:47.851" v="187" actId="1076"/>
+      <pc:docMkLst>
+        <pc:docMk/>
+      </pc:docMkLst>
+      <pc:sldChg chg="addSp delSp modSp mod">
+        <pc:chgData name="Michael" userId="0df92e9667c24698" providerId="LiveId" clId="{63F90B20-AD47-4B60-BE49-36ADD5B2B0D2}" dt="2020-08-07T04:00:47.851" v="187" actId="1076"/>
+        <pc:sldMkLst>
+          <pc:docMk/>
+          <pc:sldMk cId="2709198907" sldId="257"/>
+        </pc:sldMkLst>
+        <pc:spChg chg="mod">
+          <ac:chgData name="Michael" userId="0df92e9667c24698" providerId="LiveId" clId="{63F90B20-AD47-4B60-BE49-36ADD5B2B0D2}" dt="2020-08-07T03:21:20.985" v="165" actId="20577"/>
+          <ac:spMkLst>
+            <pc:docMk/>
+            <pc:sldMk cId="2709198907" sldId="257"/>
+            <ac:spMk id="2" creationId="{A34B8A40-B7D8-4B6E-8F77-60C268CBF4ED}"/>
+          </ac:spMkLst>
+        </pc:spChg>
+        <pc:spChg chg="del">
+          <ac:chgData name="Michael" userId="0df92e9667c24698" providerId="LiveId" clId="{63F90B20-AD47-4B60-BE49-36ADD5B2B0D2}" dt="2020-08-07T03:56:59.877" v="166" actId="931"/>
+          <ac:spMkLst>
+            <pc:docMk/>
+            <pc:sldMk cId="2709198907" sldId="257"/>
+            <ac:spMk id="3" creationId="{788DC7C3-148B-4450-96FA-03F96F3D79C9}"/>
+          </ac:spMkLst>
+        </pc:spChg>
+        <pc:picChg chg="add mod">
+          <ac:chgData name="Michael" userId="0df92e9667c24698" providerId="LiveId" clId="{63F90B20-AD47-4B60-BE49-36ADD5B2B0D2}" dt="2020-08-07T04:00:47.851" v="187" actId="1076"/>
+          <ac:picMkLst>
+            <pc:docMk/>
+            <pc:sldMk cId="2709198907" sldId="257"/>
+            <ac:picMk id="5" creationId="{38766B99-6144-4199-9937-F7AA9E078255}"/>
+          </ac:picMkLst>
+        </pc:picChg>
+      </pc:sldChg>
+      <pc:sldChg chg="modSp new mod">
+        <pc:chgData name="Michael" userId="0df92e9667c24698" providerId="LiveId" clId="{63F90B20-AD47-4B60-BE49-36ADD5B2B0D2}" dt="2020-08-07T03:59:57.306" v="179" actId="27636"/>
+        <pc:sldMkLst>
+          <pc:docMk/>
+          <pc:sldMk cId="470197049" sldId="258"/>
+        </pc:sldMkLst>
+        <pc:spChg chg="mod">
+          <ac:chgData name="Michael" userId="0df92e9667c24698" providerId="LiveId" clId="{63F90B20-AD47-4B60-BE49-36ADD5B2B0D2}" dt="2020-08-07T03:18:11.776" v="73" actId="20577"/>
+          <ac:spMkLst>
+            <pc:docMk/>
+            <pc:sldMk cId="470197049" sldId="258"/>
+            <ac:spMk id="2" creationId="{450A55ED-B344-4B90-8E54-3FA7DCD06411}"/>
+          </ac:spMkLst>
+        </pc:spChg>
+        <pc:spChg chg="mod">
+          <ac:chgData name="Michael" userId="0df92e9667c24698" providerId="LiveId" clId="{63F90B20-AD47-4B60-BE49-36ADD5B2B0D2}" dt="2020-08-07T03:59:57.306" v="179" actId="27636"/>
+          <ac:spMkLst>
+            <pc:docMk/>
+            <pc:sldMk cId="470197049" sldId="258"/>
+            <ac:spMk id="3" creationId="{ACE8AE74-60CA-4CC0-B9B2-DAFCEB00217C}"/>
+          </ac:spMkLst>
+        </pc:spChg>
+      </pc:sldChg>
+      <pc:sldChg chg="addSp delSp modSp new mod">
+        <pc:chgData name="Michael" userId="0df92e9667c24698" providerId="LiveId" clId="{63F90B20-AD47-4B60-BE49-36ADD5B2B0D2}" dt="2020-08-07T04:00:11.132" v="184" actId="14100"/>
+        <pc:sldMkLst>
+          <pc:docMk/>
+          <pc:sldMk cId="1022739119" sldId="259"/>
+        </pc:sldMkLst>
+        <pc:spChg chg="del">
+          <ac:chgData name="Michael" userId="0df92e9667c24698" providerId="LiveId" clId="{63F90B20-AD47-4B60-BE49-36ADD5B2B0D2}" dt="2020-08-07T03:57:17.525" v="170" actId="931"/>
+          <ac:spMkLst>
+            <pc:docMk/>
+            <pc:sldMk cId="1022739119" sldId="259"/>
+            <ac:spMk id="3" creationId="{D728B6C6-CA48-40E7-9CF8-60DCFC98566F}"/>
+          </ac:spMkLst>
+        </pc:spChg>
+        <pc:picChg chg="add mod">
+          <ac:chgData name="Michael" userId="0df92e9667c24698" providerId="LiveId" clId="{63F90B20-AD47-4B60-BE49-36ADD5B2B0D2}" dt="2020-08-07T04:00:11.132" v="184" actId="14100"/>
+          <ac:picMkLst>
+            <pc:docMk/>
+            <pc:sldMk cId="1022739119" sldId="259"/>
+            <ac:picMk id="5" creationId="{1481E1AB-C705-4D63-A70E-F14EE30A4318}"/>
+          </ac:picMkLst>
+        </pc:picChg>
+      </pc:sldChg>
+    </pc:docChg>
+  </pc:docChgLst>
+  <pc:docChgLst>
+    <pc:chgData name="Michael" userId="0df92e9667c24698" providerId="LiveId" clId="{D03F7E68-684F-4866-8F6D-378B97081DED}"/>
+    <pc:docChg chg="undo custSel mod addSld delSld modSld sldOrd">
+      <pc:chgData name="Michael" userId="0df92e9667c24698" providerId="LiveId" clId="{D03F7E68-684F-4866-8F6D-378B97081DED}" dt="2020-08-23T13:04:41.634" v="1649" actId="20577"/>
+      <pc:docMkLst>
+        <pc:docMk/>
+      </pc:docMkLst>
+      <pc:sldChg chg="ord">
+        <pc:chgData name="Michael" userId="0df92e9667c24698" providerId="LiveId" clId="{D03F7E68-684F-4866-8F6D-378B97081DED}" dt="2020-08-21T16:48:21.834" v="164"/>
+        <pc:sldMkLst>
+          <pc:docMk/>
+          <pc:sldMk cId="2709198907" sldId="257"/>
+        </pc:sldMkLst>
+      </pc:sldChg>
+      <pc:sldChg chg="modSp">
+        <pc:chgData name="Michael" userId="0df92e9667c24698" providerId="LiveId" clId="{D03F7E68-684F-4866-8F6D-378B97081DED}" dt="2020-08-21T16:38:42.757" v="145" actId="20577"/>
+        <pc:sldMkLst>
+          <pc:docMk/>
+          <pc:sldMk cId="470197049" sldId="258"/>
+        </pc:sldMkLst>
+        <pc:graphicFrameChg chg="mod">
+          <ac:chgData name="Michael" userId="0df92e9667c24698" providerId="LiveId" clId="{D03F7E68-684F-4866-8F6D-378B97081DED}" dt="2020-08-21T16:38:42.757" v="145" actId="20577"/>
+          <ac:graphicFrameMkLst>
+            <pc:docMk/>
+            <pc:sldMk cId="470197049" sldId="258"/>
+            <ac:graphicFrameMk id="5" creationId="{8B7A4587-EE7A-478F-8EE2-57CAC50C13B9}"/>
+          </ac:graphicFrameMkLst>
+        </pc:graphicFrameChg>
+      </pc:sldChg>
+      <pc:sldChg chg="del ord">
+        <pc:chgData name="Michael" userId="0df92e9667c24698" providerId="LiveId" clId="{D03F7E68-684F-4866-8F6D-378B97081DED}" dt="2020-08-21T16:44:12.611" v="162" actId="47"/>
+        <pc:sldMkLst>
+          <pc:docMk/>
+          <pc:sldMk cId="1022739119" sldId="259"/>
+        </pc:sldMkLst>
+      </pc:sldChg>
+      <pc:sldChg chg="modSp mod ord">
+        <pc:chgData name="Michael" userId="0df92e9667c24698" providerId="LiveId" clId="{D03F7E68-684F-4866-8F6D-378B97081DED}" dt="2020-08-21T17:39:16.734" v="537" actId="20577"/>
+        <pc:sldMkLst>
+          <pc:docMk/>
+          <pc:sldMk cId="2304363769" sldId="260"/>
+        </pc:sldMkLst>
+        <pc:spChg chg="mod">
+          <ac:chgData name="Michael" userId="0df92e9667c24698" providerId="LiveId" clId="{D03F7E68-684F-4866-8F6D-378B97081DED}" dt="2020-08-21T17:01:24.107" v="274" actId="20577"/>
+          <ac:spMkLst>
+            <pc:docMk/>
+            <pc:sldMk cId="2304363769" sldId="260"/>
+            <ac:spMk id="9" creationId="{63F6D637-8721-48F5-BA42-6BAE117EBE5F}"/>
+          </ac:spMkLst>
+        </pc:spChg>
+        <pc:spChg chg="mod">
+          <ac:chgData name="Michael" userId="0df92e9667c24698" providerId="LiveId" clId="{D03F7E68-684F-4866-8F6D-378B97081DED}" dt="2020-08-21T17:39:16.734" v="537" actId="20577"/>
+          <ac:spMkLst>
+            <pc:docMk/>
+            <pc:sldMk cId="2304363769" sldId="260"/>
+            <ac:spMk id="12" creationId="{8D9D8FD4-EBBF-4072-9F33-BDF42AA1E8B2}"/>
+          </ac:spMkLst>
+        </pc:spChg>
+      </pc:sldChg>
+      <pc:sldChg chg="ord">
+        <pc:chgData name="Michael" userId="0df92e9667c24698" providerId="LiveId" clId="{D03F7E68-684F-4866-8F6D-378B97081DED}" dt="2020-08-21T16:35:06.074" v="3"/>
+        <pc:sldMkLst>
+          <pc:docMk/>
+          <pc:sldMk cId="2067595967" sldId="265"/>
+        </pc:sldMkLst>
+      </pc:sldChg>
+      <pc:sldChg chg="ord">
+        <pc:chgData name="Michael" userId="0df92e9667c24698" providerId="LiveId" clId="{D03F7E68-684F-4866-8F6D-378B97081DED}" dt="2020-08-21T16:35:04.467" v="1"/>
+        <pc:sldMkLst>
+          <pc:docMk/>
+          <pc:sldMk cId="3904453236" sldId="266"/>
+        </pc:sldMkLst>
+      </pc:sldChg>
+      <pc:sldChg chg="modSp mod ord">
+        <pc:chgData name="Michael" userId="0df92e9667c24698" providerId="LiveId" clId="{D03F7E68-684F-4866-8F6D-378B97081DED}" dt="2020-08-21T17:00:21.152" v="262" actId="20577"/>
+        <pc:sldMkLst>
+          <pc:docMk/>
+          <pc:sldMk cId="768361343" sldId="267"/>
+        </pc:sldMkLst>
+        <pc:spChg chg="mod">
+          <ac:chgData name="Michael" userId="0df92e9667c24698" providerId="LiveId" clId="{D03F7E68-684F-4866-8F6D-378B97081DED}" dt="2020-08-21T17:00:21.152" v="262" actId="20577"/>
+          <ac:spMkLst>
+            <pc:docMk/>
+            <pc:sldMk cId="768361343" sldId="267"/>
+            <ac:spMk id="2" creationId="{7CEEDC77-E986-4CF2-96F5-F75D3CA692A8}"/>
+          </ac:spMkLst>
+        </pc:spChg>
+      </pc:sldChg>
+      <pc:sldChg chg="modSp">
+        <pc:chgData name="Michael" userId="0df92e9667c24698" providerId="LiveId" clId="{D03F7E68-684F-4866-8F6D-378B97081DED}" dt="2020-08-21T17:00:00.659" v="261" actId="13926"/>
+        <pc:sldMkLst>
+          <pc:docMk/>
+          <pc:sldMk cId="213043462" sldId="269"/>
+        </pc:sldMkLst>
+        <pc:graphicFrameChg chg="mod">
+          <ac:chgData name="Michael" userId="0df92e9667c24698" providerId="LiveId" clId="{D03F7E68-684F-4866-8F6D-378B97081DED}" dt="2020-08-21T17:00:00.659" v="261" actId="13926"/>
+          <ac:graphicFrameMkLst>
+            <pc:docMk/>
+            <pc:sldMk cId="213043462" sldId="269"/>
+            <ac:graphicFrameMk id="5" creationId="{51EFF8DE-DDA7-4567-B714-044064201C04}"/>
+          </ac:graphicFrameMkLst>
+        </pc:graphicFrameChg>
+      </pc:sldChg>
+      <pc:sldChg chg="addSp delSp modSp mod">
+        <pc:chgData name="Michael" userId="0df92e9667c24698" providerId="LiveId" clId="{D03F7E68-684F-4866-8F6D-378B97081DED}" dt="2020-08-23T12:20:06.787" v="814" actId="20577"/>
+        <pc:sldMkLst>
+          <pc:docMk/>
+          <pc:sldMk cId="3207320007" sldId="270"/>
+        </pc:sldMkLst>
+        <pc:spChg chg="mod">
+          <ac:chgData name="Michael" userId="0df92e9667c24698" providerId="LiveId" clId="{D03F7E68-684F-4866-8F6D-378B97081DED}" dt="2020-08-21T16:53:17.238" v="204" actId="20577"/>
+          <ac:spMkLst>
+            <pc:docMk/>
+            <pc:sldMk cId="3207320007" sldId="270"/>
+            <ac:spMk id="2" creationId="{026D2AB0-A3C9-467D-8F79-8E1DDF8F7D4B}"/>
+          </ac:spMkLst>
+        </pc:spChg>
+        <pc:spChg chg="mod">
+          <ac:chgData name="Michael" userId="0df92e9667c24698" providerId="LiveId" clId="{D03F7E68-684F-4866-8F6D-378B97081DED}" dt="2020-08-23T12:20:06.787" v="814" actId="20577"/>
+          <ac:spMkLst>
+            <pc:docMk/>
+            <pc:sldMk cId="3207320007" sldId="270"/>
+            <ac:spMk id="3" creationId="{17034AE3-3B2F-4463-8CAD-5F9D41FE05EE}"/>
+          </ac:spMkLst>
+        </pc:spChg>
+        <pc:spChg chg="add del">
+          <ac:chgData name="Michael" userId="0df92e9667c24698" providerId="LiveId" clId="{D03F7E68-684F-4866-8F6D-378B97081DED}" dt="2020-08-21T16:43:15.996" v="157" actId="26606"/>
+          <ac:spMkLst>
+            <pc:docMk/>
+            <pc:sldMk cId="3207320007" sldId="270"/>
+            <ac:spMk id="11" creationId="{9F4444CE-BC8D-4D61-B303-4C05614E62AB}"/>
+          </ac:spMkLst>
+        </pc:spChg>
+        <pc:spChg chg="add del">
+          <ac:chgData name="Michael" userId="0df92e9667c24698" providerId="LiveId" clId="{D03F7E68-684F-4866-8F6D-378B97081DED}" dt="2020-08-21T16:43:15.996" v="157" actId="26606"/>
+          <ac:spMkLst>
+            <pc:docMk/>
+            <pc:sldMk cId="3207320007" sldId="270"/>
+            <ac:spMk id="13" creationId="{62423CA5-E2E1-4789-B759-9906C1C94063}"/>
+          </ac:spMkLst>
+        </pc:spChg>
+        <pc:spChg chg="add del">
+          <ac:chgData name="Michael" userId="0df92e9667c24698" providerId="LiveId" clId="{D03F7E68-684F-4866-8F6D-378B97081DED}" dt="2020-08-21T16:43:15.996" v="157" actId="26606"/>
+          <ac:spMkLst>
+            <pc:docMk/>
+            <pc:sldMk cId="3207320007" sldId="270"/>
+            <ac:spMk id="15" creationId="{73772B81-181F-48B7-8826-4D9686D15DF5}"/>
+          </ac:spMkLst>
+        </pc:spChg>
+        <pc:spChg chg="add del">
+          <ac:chgData name="Michael" userId="0df92e9667c24698" providerId="LiveId" clId="{D03F7E68-684F-4866-8F6D-378B97081DED}" dt="2020-08-21T16:43:15.996" v="157" actId="26606"/>
+          <ac:spMkLst>
+            <pc:docMk/>
+            <pc:sldMk cId="3207320007" sldId="270"/>
+            <ac:spMk id="17" creationId="{B2205F6E-03C6-4E92-877C-E2482F6599AA}"/>
+          </ac:spMkLst>
+        </pc:spChg>
+        <pc:picChg chg="del mod">
+          <ac:chgData name="Michael" userId="0df92e9667c24698" providerId="LiveId" clId="{D03F7E68-684F-4866-8F6D-378B97081DED}" dt="2020-08-21T16:42:52.222" v="153" actId="478"/>
+          <ac:picMkLst>
+            <pc:docMk/>
+            <pc:sldMk cId="3207320007" sldId="270"/>
+            <ac:picMk id="5" creationId="{C0D3224F-3A98-42EB-B169-FDA2D118F9CD}"/>
+          </ac:picMkLst>
+        </pc:picChg>
+        <pc:picChg chg="add mod">
+          <ac:chgData name="Michael" userId="0df92e9667c24698" providerId="LiveId" clId="{D03F7E68-684F-4866-8F6D-378B97081DED}" dt="2020-08-21T16:43:16.001" v="158" actId="26606"/>
+          <ac:picMkLst>
+            <pc:docMk/>
+            <pc:sldMk cId="3207320007" sldId="270"/>
+            <ac:picMk id="6" creationId="{BE1744DD-4FF3-4056-AEFB-80E91A7963C8}"/>
+          </ac:picMkLst>
+        </pc:picChg>
+      </pc:sldChg>
+      <pc:sldChg chg="ord">
+        <pc:chgData name="Michael" userId="0df92e9667c24698" providerId="LiveId" clId="{D03F7E68-684F-4866-8F6D-378B97081DED}" dt="2020-08-21T16:48:30.045" v="166"/>
+        <pc:sldMkLst>
+          <pc:docMk/>
+          <pc:sldMk cId="1657909057" sldId="271"/>
+        </pc:sldMkLst>
+      </pc:sldChg>
+      <pc:sldChg chg="del">
+        <pc:chgData name="Michael" userId="0df92e9667c24698" providerId="LiveId" clId="{D03F7E68-684F-4866-8F6D-378B97081DED}" dt="2020-08-21T16:43:46.433" v="159" actId="47"/>
+        <pc:sldMkLst>
+          <pc:docMk/>
+          <pc:sldMk cId="2507736653" sldId="272"/>
+        </pc:sldMkLst>
+      </pc:sldChg>
+      <pc:sldChg chg="addSp delSp modSp mod setBg">
+        <pc:chgData name="Michael" userId="0df92e9667c24698" providerId="LiveId" clId="{D03F7E68-684F-4866-8F6D-378B97081DED}" dt="2020-08-23T13:02:11.041" v="1207" actId="20577"/>
+        <pc:sldMkLst>
+          <pc:docMk/>
+          <pc:sldMk cId="3272095856" sldId="274"/>
+        </pc:sldMkLst>
+        <pc:spChg chg="mod">
+          <ac:chgData name="Michael" userId="0df92e9667c24698" providerId="LiveId" clId="{D03F7E68-684F-4866-8F6D-378B97081DED}" dt="2020-08-21T17:11:14.271" v="536" actId="313"/>
+          <ac:spMkLst>
+            <pc:docMk/>
+            <pc:sldMk cId="3272095856" sldId="274"/>
+            <ac:spMk id="2" creationId="{A07D79F0-CB9B-457B-B051-2222FF6FA40E}"/>
+          </ac:spMkLst>
+        </pc:spChg>
+        <pc:spChg chg="add mod">
+          <ac:chgData name="Michael" userId="0df92e9667c24698" providerId="LiveId" clId="{D03F7E68-684F-4866-8F6D-378B97081DED}" dt="2020-08-23T13:02:11.041" v="1207" actId="20577"/>
+          <ac:spMkLst>
+            <pc:docMk/>
+            <pc:sldMk cId="3272095856" sldId="274"/>
+            <ac:spMk id="8" creationId="{B8A4FADB-B25C-40B2-8A30-F66B2360551C}"/>
+          </ac:spMkLst>
+        </pc:spChg>
+        <pc:picChg chg="del mod">
+          <ac:chgData name="Michael" userId="0df92e9667c24698" providerId="LiveId" clId="{D03F7E68-684F-4866-8F6D-378B97081DED}" dt="2020-08-23T12:59:47.740" v="815" actId="478"/>
+          <ac:picMkLst>
+            <pc:docMk/>
+            <pc:sldMk cId="3272095856" sldId="274"/>
+            <ac:picMk id="4" creationId="{D7D6234F-10BF-4199-B4EB-B16E27BE8140}"/>
+          </ac:picMkLst>
+        </pc:picChg>
+        <pc:picChg chg="del">
+          <ac:chgData name="Michael" userId="0df92e9667c24698" providerId="LiveId" clId="{D03F7E68-684F-4866-8F6D-378B97081DED}" dt="2020-08-21T17:08:42.644" v="277" actId="478"/>
+          <ac:picMkLst>
+            <pc:docMk/>
+            <pc:sldMk cId="3272095856" sldId="274"/>
+            <ac:picMk id="5" creationId="{9CA82B81-2F7C-4AAF-B304-F10D0392C979}"/>
+          </ac:picMkLst>
+        </pc:picChg>
+        <pc:picChg chg="add mod">
+          <ac:chgData name="Michael" userId="0df92e9667c24698" providerId="LiveId" clId="{D03F7E68-684F-4866-8F6D-378B97081DED}" dt="2020-08-23T12:59:57.411" v="820" actId="1076"/>
+          <ac:picMkLst>
+            <pc:docMk/>
+            <pc:sldMk cId="3272095856" sldId="274"/>
+            <ac:picMk id="1026" creationId="{F747CC84-0278-4D8F-AFA7-25E7C318D603}"/>
+          </ac:picMkLst>
+        </pc:picChg>
+      </pc:sldChg>
+      <pc:sldChg chg="addSp delSp modSp new mod setBg">
+        <pc:chgData name="Michael" userId="0df92e9667c24698" providerId="LiveId" clId="{D03F7E68-684F-4866-8F6D-378B97081DED}" dt="2020-08-21T16:58:42.637" v="254" actId="26606"/>
+        <pc:sldMkLst>
+          <pc:docMk/>
+          <pc:sldMk cId="3980097061" sldId="275"/>
+        </pc:sldMkLst>
+        <pc:spChg chg="mod ord">
+          <ac:chgData name="Michael" userId="0df92e9667c24698" providerId="LiveId" clId="{D03F7E68-684F-4866-8F6D-378B97081DED}" dt="2020-08-21T16:58:42.637" v="254" actId="26606"/>
+          <ac:spMkLst>
+            <pc:docMk/>
+            <pc:sldMk cId="3980097061" sldId="275"/>
+            <ac:spMk id="2" creationId="{01DF1B08-A8D9-4332-B70C-EF97784B972B}"/>
+          </ac:spMkLst>
+        </pc:spChg>
+        <pc:spChg chg="del">
+          <ac:chgData name="Michael" userId="0df92e9667c24698" providerId="LiveId" clId="{D03F7E68-684F-4866-8F6D-378B97081DED}" dt="2020-08-21T16:56:53.052" v="206" actId="478"/>
+          <ac:spMkLst>
+            <pc:docMk/>
+            <pc:sldMk cId="3980097061" sldId="275"/>
+            <ac:spMk id="3" creationId="{788DF69A-C0C2-4B6E-8213-EA2E8219781C}"/>
+          </ac:spMkLst>
+        </pc:spChg>
+        <pc:spChg chg="add del">
+          <ac:chgData name="Michael" userId="0df92e9667c24698" providerId="LiveId" clId="{D03F7E68-684F-4866-8F6D-378B97081DED}" dt="2020-08-21T16:58:40.310" v="251" actId="26606"/>
+          <ac:spMkLst>
+            <pc:docMk/>
+            <pc:sldMk cId="3980097061" sldId="275"/>
+            <ac:spMk id="26" creationId="{66D61E08-70C3-48D8-BEA0-787111DC30DA}"/>
+          </ac:spMkLst>
+        </pc:spChg>
+        <pc:spChg chg="add del">
+          <ac:chgData name="Michael" userId="0df92e9667c24698" providerId="LiveId" clId="{D03F7E68-684F-4866-8F6D-378B97081DED}" dt="2020-08-21T16:58:40.310" v="251" actId="26606"/>
+          <ac:spMkLst>
+            <pc:docMk/>
+            <pc:sldMk cId="3980097061" sldId="275"/>
+            <ac:spMk id="28" creationId="{FC55298F-0AE5-478E-AD2B-03C2614C5833}"/>
+          </ac:spMkLst>
+        </pc:spChg>
+        <pc:spChg chg="add del">
+          <ac:chgData name="Michael" userId="0df92e9667c24698" providerId="LiveId" clId="{D03F7E68-684F-4866-8F6D-378B97081DED}" dt="2020-08-21T16:58:40.310" v="251" actId="26606"/>
+          <ac:spMkLst>
+            <pc:docMk/>
+            <pc:sldMk cId="3980097061" sldId="275"/>
+            <ac:spMk id="30" creationId="{C180E4EA-0B63-4779-A895-7E90E71088F3}"/>
+          </ac:spMkLst>
+        </pc:spChg>
+        <pc:spChg chg="add del">
+          <ac:chgData name="Michael" userId="0df92e9667c24698" providerId="LiveId" clId="{D03F7E68-684F-4866-8F6D-378B97081DED}" dt="2020-08-21T16:58:40.310" v="251" actId="26606"/>
+          <ac:spMkLst>
+            <pc:docMk/>
+            <pc:sldMk cId="3980097061" sldId="275"/>
+            <ac:spMk id="32" creationId="{CEE01D9D-3DE8-4EED-B0D3-8F3C79CC7673}"/>
+          </ac:spMkLst>
+        </pc:spChg>
+        <pc:spChg chg="add del">
+          <ac:chgData name="Michael" userId="0df92e9667c24698" providerId="LiveId" clId="{D03F7E68-684F-4866-8F6D-378B97081DED}" dt="2020-08-21T16:58:40.310" v="251" actId="26606"/>
+          <ac:spMkLst>
+            <pc:docMk/>
+            <pc:sldMk cId="3980097061" sldId="275"/>
+            <ac:spMk id="34" creationId="{89AF5CE9-607F-43F4-8983-DCD6DA4051FD}"/>
+          </ac:spMkLst>
+        </pc:spChg>
+        <pc:spChg chg="add del">
+          <ac:chgData name="Michael" userId="0df92e9667c24698" providerId="LiveId" clId="{D03F7E68-684F-4866-8F6D-378B97081DED}" dt="2020-08-21T16:58:40.310" v="251" actId="26606"/>
+          <ac:spMkLst>
+            <pc:docMk/>
+            <pc:sldMk cId="3980097061" sldId="275"/>
+            <ac:spMk id="36" creationId="{6EEA2DBD-9E1E-4521-8C01-F32AD18A89E3}"/>
+          </ac:spMkLst>
+        </pc:spChg>
+        <pc:spChg chg="add del">
+          <ac:chgData name="Michael" userId="0df92e9667c24698" providerId="LiveId" clId="{D03F7E68-684F-4866-8F6D-378B97081DED}" dt="2020-08-21T16:58:40.310" v="251" actId="26606"/>
+          <ac:spMkLst>
+            <pc:docMk/>
+            <pc:sldMk cId="3980097061" sldId="275"/>
+            <ac:spMk id="38" creationId="{15BBD2C1-BA9B-46A9-A27A-33498B169272}"/>
+          </ac:spMkLst>
+        </pc:spChg>
+        <pc:spChg chg="add del">
+          <ac:chgData name="Michael" userId="0df92e9667c24698" providerId="LiveId" clId="{D03F7E68-684F-4866-8F6D-378B97081DED}" dt="2020-08-21T16:58:42.624" v="253" actId="26606"/>
+          <ac:spMkLst>
+            <pc:docMk/>
+            <pc:sldMk cId="3980097061" sldId="275"/>
+            <ac:spMk id="41" creationId="{5A7802B6-FF37-40CF-A7E2-6F2A0D9A91EF}"/>
+          </ac:spMkLst>
+        </pc:spChg>
+        <pc:grpChg chg="add del">
+          <ac:chgData name="Michael" userId="0df92e9667c24698" providerId="LiveId" clId="{D03F7E68-684F-4866-8F6D-378B97081DED}" dt="2020-08-21T16:58:40.310" v="251" actId="26606"/>
+          <ac:grpSpMkLst>
+            <pc:docMk/>
+            <pc:sldMk cId="3980097061" sldId="275"/>
+            <ac:grpSpMk id="10" creationId="{88C9B83F-64CD-41C1-925F-A08801FFD0BD}"/>
+          </ac:grpSpMkLst>
+        </pc:grpChg>
+        <pc:grpChg chg="add del">
+          <ac:chgData name="Michael" userId="0df92e9667c24698" providerId="LiveId" clId="{D03F7E68-684F-4866-8F6D-378B97081DED}" dt="2020-08-21T16:58:42.624" v="253" actId="26606"/>
+          <ac:grpSpMkLst>
+            <pc:docMk/>
+            <pc:sldMk cId="3980097061" sldId="275"/>
+            <ac:grpSpMk id="40" creationId="{B4DE830A-B531-4A3B-96F6-0ECE88B08555}"/>
+          </ac:grpSpMkLst>
+        </pc:grpChg>
+        <pc:grpChg chg="add">
+          <ac:chgData name="Michael" userId="0df92e9667c24698" providerId="LiveId" clId="{D03F7E68-684F-4866-8F6D-378B97081DED}" dt="2020-08-21T16:58:42.637" v="254" actId="26606"/>
+          <ac:grpSpMkLst>
+            <pc:docMk/>
+            <pc:sldMk cId="3980097061" sldId="275"/>
+            <ac:grpSpMk id="43" creationId="{B4DE830A-B531-4A3B-96F6-0ECE88B08555}"/>
+          </ac:grpSpMkLst>
+        </pc:grpChg>
+        <pc:picChg chg="add mod">
+          <ac:chgData name="Michael" userId="0df92e9667c24698" providerId="LiveId" clId="{D03F7E68-684F-4866-8F6D-378B97081DED}" dt="2020-08-21T16:58:42.637" v="254" actId="26606"/>
+          <ac:picMkLst>
+            <pc:docMk/>
+            <pc:sldMk cId="3980097061" sldId="275"/>
+            <ac:picMk id="5" creationId="{B3191A73-41E7-4DA8-91BA-9B3CCDCAA32C}"/>
+          </ac:picMkLst>
+        </pc:picChg>
+        <pc:cxnChg chg="add del">
+          <ac:chgData name="Michael" userId="0df92e9667c24698" providerId="LiveId" clId="{D03F7E68-684F-4866-8F6D-378B97081DED}" dt="2020-08-21T16:58:40.310" v="251" actId="26606"/>
+          <ac:cxnSpMkLst>
+            <pc:docMk/>
+            <pc:sldMk cId="3980097061" sldId="275"/>
+            <ac:cxnSpMk id="22" creationId="{A57C1A16-B8AB-4D99-A195-A38F556A6486}"/>
+          </ac:cxnSpMkLst>
+        </pc:cxnChg>
+        <pc:cxnChg chg="add del">
+          <ac:chgData name="Michael" userId="0df92e9667c24698" providerId="LiveId" clId="{D03F7E68-684F-4866-8F6D-378B97081DED}" dt="2020-08-21T16:58:40.310" v="251" actId="26606"/>
+          <ac:cxnSpMkLst>
+            <pc:docMk/>
+            <pc:sldMk cId="3980097061" sldId="275"/>
+            <ac:cxnSpMk id="24" creationId="{F8A9B20B-D1DD-4573-B5EC-558029519236}"/>
+          </ac:cxnSpMkLst>
+        </pc:cxnChg>
+      </pc:sldChg>
+      <pc:sldChg chg="modSp mod">
+        <pc:chgData name="Michael" userId="0df92e9667c24698" providerId="LiveId" clId="{D03F7E68-684F-4866-8F6D-378B97081DED}" dt="2020-08-23T12:18:12.676" v="657" actId="20577"/>
+        <pc:sldMkLst>
+          <pc:docMk/>
+          <pc:sldMk cId="2471390352" sldId="277"/>
+        </pc:sldMkLst>
+        <pc:spChg chg="mod">
+          <ac:chgData name="Michael" userId="0df92e9667c24698" providerId="LiveId" clId="{D03F7E68-684F-4866-8F6D-378B97081DED}" dt="2020-08-23T12:18:12.676" v="657" actId="20577"/>
+          <ac:spMkLst>
+            <pc:docMk/>
+            <pc:sldMk cId="2471390352" sldId="277"/>
+            <ac:spMk id="6" creationId="{09C952CB-DD47-4936-87EE-4CBA5E7B54BD}"/>
+          </ac:spMkLst>
+        </pc:spChg>
+      </pc:sldChg>
+      <pc:sldChg chg="new del">
+        <pc:chgData name="Michael" userId="0df92e9667c24698" providerId="LiveId" clId="{D03F7E68-684F-4866-8F6D-378B97081DED}" dt="2020-08-23T12:59:51.225" v="817" actId="47"/>
+        <pc:sldMkLst>
+          <pc:docMk/>
+          <pc:sldMk cId="594447423" sldId="278"/>
+        </pc:sldMkLst>
+      </pc:sldChg>
+      <pc:sldChg chg="modSp new mod">
+        <pc:chgData name="Michael" userId="0df92e9667c24698" providerId="LiveId" clId="{D03F7E68-684F-4866-8F6D-378B97081DED}" dt="2020-08-23T13:04:41.634" v="1649" actId="20577"/>
+        <pc:sldMkLst>
+          <pc:docMk/>
+          <pc:sldMk cId="3765954286" sldId="278"/>
+        </pc:sldMkLst>
+        <pc:spChg chg="mod">
+          <ac:chgData name="Michael" userId="0df92e9667c24698" providerId="LiveId" clId="{D03F7E68-684F-4866-8F6D-378B97081DED}" dt="2020-08-23T13:02:28.610" v="1229" actId="20577"/>
+          <ac:spMkLst>
+            <pc:docMk/>
+            <pc:sldMk cId="3765954286" sldId="278"/>
+            <ac:spMk id="2" creationId="{D07127C8-5289-4B1B-B385-6E88797B4B04}"/>
+          </ac:spMkLst>
+        </pc:spChg>
+        <pc:spChg chg="mod">
+          <ac:chgData name="Michael" userId="0df92e9667c24698" providerId="LiveId" clId="{D03F7E68-684F-4866-8F6D-378B97081DED}" dt="2020-08-23T13:04:41.634" v="1649" actId="20577"/>
+          <ac:spMkLst>
+            <pc:docMk/>
+            <pc:sldMk cId="3765954286" sldId="278"/>
+            <ac:spMk id="3" creationId="{605AB4AA-AC6A-45C0-956C-D6393503B362}"/>
+          </ac:spMkLst>
+        </pc:spChg>
+      </pc:sldChg>
+    </pc:docChg>
+  </pc:docChgLst>
+  <pc:docChgLst>
+    <pc:chgData name="Michael" userId="0df92e9667c24698" providerId="LiveId" clId="{51027CB0-4EFB-41A8-88F7-48E0C374C192}"/>
+    <pc:docChg chg="addSld">
+      <pc:chgData name="Michael" userId="0df92e9667c24698" providerId="LiveId" clId="{51027CB0-4EFB-41A8-88F7-48E0C374C192}" dt="2020-07-31T18:00:55.740" v="0" actId="680"/>
+      <pc:docMkLst>
+        <pc:docMk/>
+      </pc:docMkLst>
+      <pc:sldChg chg="new">
+        <pc:chgData name="Michael" userId="0df92e9667c24698" providerId="LiveId" clId="{51027CB0-4EFB-41A8-88F7-48E0C374C192}" dt="2020-07-31T18:00:55.740" v="0" actId="680"/>
+        <pc:sldMkLst>
+          <pc:docMk/>
+          <pc:sldMk cId="1265917787" sldId="256"/>
+        </pc:sldMkLst>
+      </pc:sldChg>
+    </pc:docChg>
+  </pc:docChgLst>
   <pc:docChgLst>
     <pc:chgData name="Michael" userId="0df92e9667c24698" providerId="LiveId" clId="{1A82F1EB-66F6-42A6-A56B-6DD78CD77101}"/>
     <pc:docChg chg="undo redo custSel mod addSld delSld modSld sldOrd">
@@ -1525,933 +2505,6 @@
             <ac:picMk id="5" creationId="{9CA82B81-2F7C-4AAF-B304-F10D0392C979}"/>
           </ac:picMkLst>
         </pc:picChg>
-      </pc:sldChg>
-    </pc:docChg>
-  </pc:docChgLst>
-  <pc:docChgLst>
-    <pc:chgData name="Michael" userId="0df92e9667c24698" providerId="LiveId" clId="{1F99F48F-5B65-4770-B2EE-DE9434FFD723}"/>
-    <pc:docChg chg="addSld modSld">
-      <pc:chgData name="Michael" userId="0df92e9667c24698" providerId="LiveId" clId="{1F99F48F-5B65-4770-B2EE-DE9434FFD723}" dt="2020-08-03T01:35:23.107" v="17" actId="680"/>
-      <pc:docMkLst>
-        <pc:docMk/>
-      </pc:docMkLst>
-      <pc:sldChg chg="modSp mod">
-        <pc:chgData name="Michael" userId="0df92e9667c24698" providerId="LiveId" clId="{1F99F48F-5B65-4770-B2EE-DE9434FFD723}" dt="2020-08-03T01:35:04.217" v="16" actId="20577"/>
-        <pc:sldMkLst>
-          <pc:docMk/>
-          <pc:sldMk cId="1265917787" sldId="256"/>
-        </pc:sldMkLst>
-        <pc:spChg chg="mod">
-          <ac:chgData name="Michael" userId="0df92e9667c24698" providerId="LiveId" clId="{1F99F48F-5B65-4770-B2EE-DE9434FFD723}" dt="2020-08-03T01:35:04.217" v="16" actId="20577"/>
-          <ac:spMkLst>
-            <pc:docMk/>
-            <pc:sldMk cId="1265917787" sldId="256"/>
-            <ac:spMk id="2" creationId="{6E861DEA-96B7-410B-ADA5-587204502AF3}"/>
-          </ac:spMkLst>
-        </pc:spChg>
-      </pc:sldChg>
-      <pc:sldChg chg="new">
-        <pc:chgData name="Michael" userId="0df92e9667c24698" providerId="LiveId" clId="{1F99F48F-5B65-4770-B2EE-DE9434FFD723}" dt="2020-08-03T01:35:23.107" v="17" actId="680"/>
-        <pc:sldMkLst>
-          <pc:docMk/>
-          <pc:sldMk cId="2709198907" sldId="257"/>
-        </pc:sldMkLst>
-      </pc:sldChg>
-    </pc:docChg>
-  </pc:docChgLst>
-  <pc:docChgLst>
-    <pc:chgData name="Michael Mahoney" userId="0df92e9667c24698" providerId="Windows Live" clId="Web-{3C45BE6C-4B28-40F6-9198-2090A585D6D4}"/>
-    <pc:docChg chg="addSld delSld modSld sldOrd">
-      <pc:chgData name="Michael Mahoney" userId="0df92e9667c24698" providerId="Windows Live" clId="Web-{3C45BE6C-4B28-40F6-9198-2090A585D6D4}" dt="2020-08-21T19:08:32.844" v="1074" actId="1076"/>
-      <pc:docMkLst>
-        <pc:docMk/>
-      </pc:docMkLst>
-      <pc:sldChg chg="del">
-        <pc:chgData name="Michael Mahoney" userId="0df92e9667c24698" providerId="Windows Live" clId="Web-{3C45BE6C-4B28-40F6-9198-2090A585D6D4}" dt="2020-08-21T18:38:38.831" v="970"/>
-        <pc:sldMkLst>
-          <pc:docMk/>
-          <pc:sldMk cId="2709198907" sldId="257"/>
-        </pc:sldMkLst>
-      </pc:sldChg>
-      <pc:sldChg chg="modSp">
-        <pc:chgData name="Michael Mahoney" userId="0df92e9667c24698" providerId="Windows Live" clId="Web-{3C45BE6C-4B28-40F6-9198-2090A585D6D4}" dt="2020-08-21T18:00:29.774" v="404" actId="20577"/>
-        <pc:sldMkLst>
-          <pc:docMk/>
-          <pc:sldMk cId="2304363769" sldId="260"/>
-        </pc:sldMkLst>
-        <pc:spChg chg="mod">
-          <ac:chgData name="Michael Mahoney" userId="0df92e9667c24698" providerId="Windows Live" clId="Web-{3C45BE6C-4B28-40F6-9198-2090A585D6D4}" dt="2020-08-21T18:00:29.774" v="404" actId="20577"/>
-          <ac:spMkLst>
-            <pc:docMk/>
-            <pc:sldMk cId="2304363769" sldId="260"/>
-            <ac:spMk id="12" creationId="{8D9D8FD4-EBBF-4072-9F33-BDF42AA1E8B2}"/>
-          </ac:spMkLst>
-        </pc:spChg>
-      </pc:sldChg>
-      <pc:sldChg chg="modSp">
-        <pc:chgData name="Michael Mahoney" userId="0df92e9667c24698" providerId="Windows Live" clId="Web-{3C45BE6C-4B28-40F6-9198-2090A585D6D4}" dt="2020-08-21T19:07:05.217" v="1070" actId="20577"/>
-        <pc:sldMkLst>
-          <pc:docMk/>
-          <pc:sldMk cId="2067595967" sldId="265"/>
-        </pc:sldMkLst>
-        <pc:spChg chg="mod">
-          <ac:chgData name="Michael Mahoney" userId="0df92e9667c24698" providerId="Windows Live" clId="Web-{3C45BE6C-4B28-40F6-9198-2090A585D6D4}" dt="2020-08-21T19:07:05.217" v="1070" actId="20577"/>
-          <ac:spMkLst>
-            <pc:docMk/>
-            <pc:sldMk cId="2067595967" sldId="265"/>
-            <ac:spMk id="3" creationId="{EB66CB89-2BB0-4B3D-ACA4-EA81AA4340D8}"/>
-          </ac:spMkLst>
-        </pc:spChg>
-      </pc:sldChg>
-      <pc:sldChg chg="addSp delSp modSp">
-        <pc:chgData name="Michael Mahoney" userId="0df92e9667c24698" providerId="Windows Live" clId="Web-{3C45BE6C-4B28-40F6-9198-2090A585D6D4}" dt="2020-08-21T19:08:32.844" v="1074" actId="1076"/>
-        <pc:sldMkLst>
-          <pc:docMk/>
-          <pc:sldMk cId="768361343" sldId="267"/>
-        </pc:sldMkLst>
-        <pc:spChg chg="del">
-          <ac:chgData name="Michael Mahoney" userId="0df92e9667c24698" providerId="Windows Live" clId="Web-{3C45BE6C-4B28-40F6-9198-2090A585D6D4}" dt="2020-08-21T19:03:42.150" v="973"/>
-          <ac:spMkLst>
-            <pc:docMk/>
-            <pc:sldMk cId="768361343" sldId="267"/>
-            <ac:spMk id="2" creationId="{7CEEDC77-E986-4CF2-96F5-F75D3CA692A8}"/>
-          </ac:spMkLst>
-        </pc:spChg>
-        <pc:picChg chg="add del mod">
-          <ac:chgData name="Michael Mahoney" userId="0df92e9667c24698" providerId="Windows Live" clId="Web-{3C45BE6C-4B28-40F6-9198-2090A585D6D4}" dt="2020-08-21T19:04:47.433" v="978"/>
-          <ac:picMkLst>
-            <pc:docMk/>
-            <pc:sldMk cId="768361343" sldId="267"/>
-            <ac:picMk id="3" creationId="{CCB08782-2B9F-4A65-99D9-DA9AA1986DED}"/>
-          </ac:picMkLst>
-        </pc:picChg>
-        <pc:picChg chg="del">
-          <ac:chgData name="Michael Mahoney" userId="0df92e9667c24698" providerId="Windows Live" clId="Web-{3C45BE6C-4B28-40F6-9198-2090A585D6D4}" dt="2020-08-21T19:03:40.400" v="972"/>
-          <ac:picMkLst>
-            <pc:docMk/>
-            <pc:sldMk cId="768361343" sldId="267"/>
-            <ac:picMk id="4" creationId="{EF39FF74-386B-4BFA-97E8-DAE6B7989977}"/>
-          </ac:picMkLst>
-        </pc:picChg>
-        <pc:picChg chg="add del mod">
-          <ac:chgData name="Michael Mahoney" userId="0df92e9667c24698" providerId="Windows Live" clId="Web-{3C45BE6C-4B28-40F6-9198-2090A585D6D4}" dt="2020-08-21T19:05:01.934" v="984"/>
-          <ac:picMkLst>
-            <pc:docMk/>
-            <pc:sldMk cId="768361343" sldId="267"/>
-            <ac:picMk id="5" creationId="{DCDA34B1-8C7B-44E6-9FF2-879848F1D00A}"/>
-          </ac:picMkLst>
-        </pc:picChg>
-        <pc:picChg chg="add mod">
-          <ac:chgData name="Michael Mahoney" userId="0df92e9667c24698" providerId="Windows Live" clId="Web-{3C45BE6C-4B28-40F6-9198-2090A585D6D4}" dt="2020-08-21T19:08:32.844" v="1074" actId="1076"/>
-          <ac:picMkLst>
-            <pc:docMk/>
-            <pc:sldMk cId="768361343" sldId="267"/>
-            <ac:picMk id="6" creationId="{AB744C7A-D994-4C8D-A6A8-AE147410BE1E}"/>
-          </ac:picMkLst>
-        </pc:picChg>
-      </pc:sldChg>
-      <pc:sldChg chg="modSp">
-        <pc:chgData name="Michael Mahoney" userId="0df92e9667c24698" providerId="Windows Live" clId="Web-{3C45BE6C-4B28-40F6-9198-2090A585D6D4}" dt="2020-08-21T19:07:54.859" v="1072" actId="20577"/>
-        <pc:sldMkLst>
-          <pc:docMk/>
-          <pc:sldMk cId="213043462" sldId="269"/>
-        </pc:sldMkLst>
-        <pc:graphicFrameChg chg="modGraphic">
-          <ac:chgData name="Michael Mahoney" userId="0df92e9667c24698" providerId="Windows Live" clId="Web-{3C45BE6C-4B28-40F6-9198-2090A585D6D4}" dt="2020-08-21T19:07:54.859" v="1072" actId="20577"/>
-          <ac:graphicFrameMkLst>
-            <pc:docMk/>
-            <pc:sldMk cId="213043462" sldId="269"/>
-            <ac:graphicFrameMk id="5" creationId="{51EFF8DE-DDA7-4567-B714-044064201C04}"/>
-          </ac:graphicFrameMkLst>
-        </pc:graphicFrameChg>
-      </pc:sldChg>
-      <pc:sldChg chg="ord">
-        <pc:chgData name="Michael Mahoney" userId="0df92e9667c24698" providerId="Windows Live" clId="Web-{3C45BE6C-4B28-40F6-9198-2090A585D6D4}" dt="2020-08-21T18:00:59.447" v="406"/>
-        <pc:sldMkLst>
-          <pc:docMk/>
-          <pc:sldMk cId="3207320007" sldId="270"/>
-        </pc:sldMkLst>
-      </pc:sldChg>
-      <pc:sldChg chg="del">
-        <pc:chgData name="Michael Mahoney" userId="0df92e9667c24698" providerId="Windows Live" clId="Web-{3C45BE6C-4B28-40F6-9198-2090A585D6D4}" dt="2020-08-21T18:38:40.206" v="971"/>
-        <pc:sldMkLst>
-          <pc:docMk/>
-          <pc:sldMk cId="1657909057" sldId="271"/>
-        </pc:sldMkLst>
-      </pc:sldChg>
-      <pc:sldChg chg="modSp ord">
-        <pc:chgData name="Michael Mahoney" userId="0df92e9667c24698" providerId="Windows Live" clId="Web-{3C45BE6C-4B28-40F6-9198-2090A585D6D4}" dt="2020-08-21T18:37:01.950" v="890" actId="1076"/>
-        <pc:sldMkLst>
-          <pc:docMk/>
-          <pc:sldMk cId="3272095856" sldId="274"/>
-        </pc:sldMkLst>
-        <pc:picChg chg="mod">
-          <ac:chgData name="Michael Mahoney" userId="0df92e9667c24698" providerId="Windows Live" clId="Web-{3C45BE6C-4B28-40F6-9198-2090A585D6D4}" dt="2020-08-21T18:37:01.950" v="890" actId="1076"/>
-          <ac:picMkLst>
-            <pc:docMk/>
-            <pc:sldMk cId="3272095856" sldId="274"/>
-            <ac:picMk id="4" creationId="{D7D6234F-10BF-4199-B4EB-B16E27BE8140}"/>
-          </ac:picMkLst>
-        </pc:picChg>
-      </pc:sldChg>
-      <pc:sldChg chg="addSp delSp modSp new mod setBg">
-        <pc:chgData name="Michael Mahoney" userId="0df92e9667c24698" providerId="Windows Live" clId="Web-{3C45BE6C-4B28-40F6-9198-2090A585D6D4}" dt="2020-08-21T18:23:29.480" v="670" actId="20577"/>
-        <pc:sldMkLst>
-          <pc:docMk/>
-          <pc:sldMk cId="933655145" sldId="276"/>
-        </pc:sldMkLst>
-        <pc:spChg chg="mod">
-          <ac:chgData name="Michael Mahoney" userId="0df92e9667c24698" providerId="Windows Live" clId="Web-{3C45BE6C-4B28-40F6-9198-2090A585D6D4}" dt="2020-08-21T18:20:07.734" v="442" actId="20577"/>
-          <ac:spMkLst>
-            <pc:docMk/>
-            <pc:sldMk cId="933655145" sldId="276"/>
-            <ac:spMk id="2" creationId="{C8ADCEDB-AF0E-4410-AD45-635A2C3B062A}"/>
-          </ac:spMkLst>
-        </pc:spChg>
-        <pc:spChg chg="del">
-          <ac:chgData name="Michael Mahoney" userId="0df92e9667c24698" providerId="Windows Live" clId="Web-{3C45BE6C-4B28-40F6-9198-2090A585D6D4}" dt="2020-08-21T18:19:06.433" v="409"/>
-          <ac:spMkLst>
-            <pc:docMk/>
-            <pc:sldMk cId="933655145" sldId="276"/>
-            <ac:spMk id="3" creationId="{DF945785-C330-4300-9E6D-E1E2CCACCF8D}"/>
-          </ac:spMkLst>
-        </pc:spChg>
-        <pc:spChg chg="add mod">
-          <ac:chgData name="Michael Mahoney" userId="0df92e9667c24698" providerId="Windows Live" clId="Web-{3C45BE6C-4B28-40F6-9198-2090A585D6D4}" dt="2020-08-21T18:23:29.480" v="670" actId="20577"/>
-          <ac:spMkLst>
-            <pc:docMk/>
-            <pc:sldMk cId="933655145" sldId="276"/>
-            <ac:spMk id="8" creationId="{111C6DB0-5312-46B0-B196-7519B38D306F}"/>
-          </ac:spMkLst>
-        </pc:spChg>
-        <pc:spChg chg="add">
-          <ac:chgData name="Michael Mahoney" userId="0df92e9667c24698" providerId="Windows Live" clId="Web-{3C45BE6C-4B28-40F6-9198-2090A585D6D4}" dt="2020-08-21T18:19:19.981" v="410"/>
-          <ac:spMkLst>
-            <pc:docMk/>
-            <pc:sldMk cId="933655145" sldId="276"/>
-            <ac:spMk id="11" creationId="{A65AC7D1-EAA9-48F5-B509-60A7F50BF703}"/>
-          </ac:spMkLst>
-        </pc:spChg>
-        <pc:spChg chg="add">
-          <ac:chgData name="Michael Mahoney" userId="0df92e9667c24698" providerId="Windows Live" clId="Web-{3C45BE6C-4B28-40F6-9198-2090A585D6D4}" dt="2020-08-21T18:19:19.981" v="410"/>
-          <ac:spMkLst>
-            <pc:docMk/>
-            <pc:sldMk cId="933655145" sldId="276"/>
-            <ac:spMk id="13" creationId="{D6320AF9-619A-4175-865B-5663E1AEF4C5}"/>
-          </ac:spMkLst>
-        </pc:spChg>
-        <pc:spChg chg="add">
-          <ac:chgData name="Michael Mahoney" userId="0df92e9667c24698" providerId="Windows Live" clId="Web-{3C45BE6C-4B28-40F6-9198-2090A585D6D4}" dt="2020-08-21T18:19:19.981" v="410"/>
-          <ac:spMkLst>
-            <pc:docMk/>
-            <pc:sldMk cId="933655145" sldId="276"/>
-            <ac:spMk id="19" creationId="{7E018740-5C2B-4A41-AC1A-7E68D1EC1954}"/>
-          </ac:spMkLst>
-        </pc:spChg>
-        <pc:spChg chg="add">
-          <ac:chgData name="Michael Mahoney" userId="0df92e9667c24698" providerId="Windows Live" clId="Web-{3C45BE6C-4B28-40F6-9198-2090A585D6D4}" dt="2020-08-21T18:19:19.981" v="410"/>
-          <ac:spMkLst>
-            <pc:docMk/>
-            <pc:sldMk cId="933655145" sldId="276"/>
-            <ac:spMk id="21" creationId="{166F75A4-C475-4941-8EE2-B80A06A2C1BB}"/>
-          </ac:spMkLst>
-        </pc:spChg>
-        <pc:spChg chg="add">
-          <ac:chgData name="Michael Mahoney" userId="0df92e9667c24698" providerId="Windows Live" clId="Web-{3C45BE6C-4B28-40F6-9198-2090A585D6D4}" dt="2020-08-21T18:19:19.981" v="410"/>
-          <ac:spMkLst>
-            <pc:docMk/>
-            <pc:sldMk cId="933655145" sldId="276"/>
-            <ac:spMk id="23" creationId="{A032553A-72E8-4B0D-8405-FF9771C9AF05}"/>
-          </ac:spMkLst>
-        </pc:spChg>
-        <pc:spChg chg="add">
-          <ac:chgData name="Michael Mahoney" userId="0df92e9667c24698" providerId="Windows Live" clId="Web-{3C45BE6C-4B28-40F6-9198-2090A585D6D4}" dt="2020-08-21T18:19:19.981" v="410"/>
-          <ac:spMkLst>
-            <pc:docMk/>
-            <pc:sldMk cId="933655145" sldId="276"/>
-            <ac:spMk id="25" creationId="{765800AC-C3B9-498E-87BC-29FAE4C76B21}"/>
-          </ac:spMkLst>
-        </pc:spChg>
-        <pc:spChg chg="add">
-          <ac:chgData name="Michael Mahoney" userId="0df92e9667c24698" providerId="Windows Live" clId="Web-{3C45BE6C-4B28-40F6-9198-2090A585D6D4}" dt="2020-08-21T18:19:19.981" v="410"/>
-          <ac:spMkLst>
-            <pc:docMk/>
-            <pc:sldMk cId="933655145" sldId="276"/>
-            <ac:spMk id="27" creationId="{1F9D6ACB-2FF4-49F9-978A-E0D5327FC635}"/>
-          </ac:spMkLst>
-        </pc:spChg>
-        <pc:spChg chg="add">
-          <ac:chgData name="Michael Mahoney" userId="0df92e9667c24698" providerId="Windows Live" clId="Web-{3C45BE6C-4B28-40F6-9198-2090A585D6D4}" dt="2020-08-21T18:19:19.981" v="410"/>
-          <ac:spMkLst>
-            <pc:docMk/>
-            <pc:sldMk cId="933655145" sldId="276"/>
-            <ac:spMk id="29" creationId="{A5EC319D-0FEA-4B95-A3EA-01E35672C95B}"/>
-          </ac:spMkLst>
-        </pc:spChg>
-        <pc:picChg chg="add mod ord">
-          <ac:chgData name="Michael Mahoney" userId="0df92e9667c24698" providerId="Windows Live" clId="Web-{3C45BE6C-4B28-40F6-9198-2090A585D6D4}" dt="2020-08-21T18:19:27.716" v="412" actId="1076"/>
-          <ac:picMkLst>
-            <pc:docMk/>
-            <pc:sldMk cId="933655145" sldId="276"/>
-            <ac:picMk id="4" creationId="{924E0C48-0525-40BA-8475-B398788D208A}"/>
-          </ac:picMkLst>
-        </pc:picChg>
-        <pc:cxnChg chg="add">
-          <ac:chgData name="Michael Mahoney" userId="0df92e9667c24698" providerId="Windows Live" clId="Web-{3C45BE6C-4B28-40F6-9198-2090A585D6D4}" dt="2020-08-21T18:19:19.981" v="410"/>
-          <ac:cxnSpMkLst>
-            <pc:docMk/>
-            <pc:sldMk cId="933655145" sldId="276"/>
-            <ac:cxnSpMk id="15" creationId="{063B6EC6-D752-4EE7-908B-F8F19E8C7FEA}"/>
-          </ac:cxnSpMkLst>
-        </pc:cxnChg>
-        <pc:cxnChg chg="add">
-          <ac:chgData name="Michael Mahoney" userId="0df92e9667c24698" providerId="Windows Live" clId="Web-{3C45BE6C-4B28-40F6-9198-2090A585D6D4}" dt="2020-08-21T18:19:19.981" v="410"/>
-          <ac:cxnSpMkLst>
-            <pc:docMk/>
-            <pc:sldMk cId="933655145" sldId="276"/>
-            <ac:cxnSpMk id="17" creationId="{EFECD4E8-AD3E-4228-82A2-9461958EA94D}"/>
-          </ac:cxnSpMkLst>
-        </pc:cxnChg>
-      </pc:sldChg>
-      <pc:sldChg chg="addSp delSp modSp new mod setBg">
-        <pc:chgData name="Michael Mahoney" userId="0df92e9667c24698" providerId="Windows Live" clId="Web-{3C45BE6C-4B28-40F6-9198-2090A585D6D4}" dt="2020-08-21T18:36:08.400" v="886" actId="20577"/>
-        <pc:sldMkLst>
-          <pc:docMk/>
-          <pc:sldMk cId="2471390352" sldId="277"/>
-        </pc:sldMkLst>
-        <pc:spChg chg="mod ord">
-          <ac:chgData name="Michael Mahoney" userId="0df92e9667c24698" providerId="Windows Live" clId="Web-{3C45BE6C-4B28-40F6-9198-2090A585D6D4}" dt="2020-08-21T18:34:32.785" v="688"/>
-          <ac:spMkLst>
-            <pc:docMk/>
-            <pc:sldMk cId="2471390352" sldId="277"/>
-            <ac:spMk id="2" creationId="{A3619D37-D62A-4B67-A8AB-21C2920B3D8E}"/>
-          </ac:spMkLst>
-        </pc:spChg>
-        <pc:spChg chg="del">
-          <ac:chgData name="Michael Mahoney" userId="0df92e9667c24698" providerId="Windows Live" clId="Web-{3C45BE6C-4B28-40F6-9198-2090A585D6D4}" dt="2020-08-21T18:34:07.674" v="673"/>
-          <ac:spMkLst>
-            <pc:docMk/>
-            <pc:sldMk cId="2471390352" sldId="277"/>
-            <ac:spMk id="3" creationId="{B381A914-3A05-4596-A289-B20E9C511797}"/>
-          </ac:spMkLst>
-        </pc:spChg>
-        <pc:spChg chg="add mod">
-          <ac:chgData name="Michael Mahoney" userId="0df92e9667c24698" providerId="Windows Live" clId="Web-{3C45BE6C-4B28-40F6-9198-2090A585D6D4}" dt="2020-08-21T18:36:08.400" v="886" actId="20577"/>
-          <ac:spMkLst>
-            <pc:docMk/>
-            <pc:sldMk cId="2471390352" sldId="277"/>
-            <ac:spMk id="6" creationId="{09C952CB-DD47-4936-87EE-4CBA5E7B54BD}"/>
-          </ac:spMkLst>
-        </pc:spChg>
-        <pc:spChg chg="add del">
-          <ac:chgData name="Michael Mahoney" userId="0df92e9667c24698" providerId="Windows Live" clId="Web-{3C45BE6C-4B28-40F6-9198-2090A585D6D4}" dt="2020-08-21T18:34:32.770" v="687"/>
-          <ac:spMkLst>
-            <pc:docMk/>
-            <pc:sldMk cId="2471390352" sldId="277"/>
-            <ac:spMk id="8" creationId="{1CB86818-D4D1-4A33-8724-F19038ED4DF8}"/>
-          </ac:spMkLst>
-        </pc:spChg>
-        <pc:spChg chg="add del">
-          <ac:chgData name="Michael Mahoney" userId="0df92e9667c24698" providerId="Windows Live" clId="Web-{3C45BE6C-4B28-40F6-9198-2090A585D6D4}" dt="2020-08-21T18:34:32.770" v="687"/>
-          <ac:spMkLst>
-            <pc:docMk/>
-            <pc:sldMk cId="2471390352" sldId="277"/>
-            <ac:spMk id="15" creationId="{3F088236-D655-4F88-B238-E16762358025}"/>
-          </ac:spMkLst>
-        </pc:spChg>
-        <pc:spChg chg="add del">
-          <ac:chgData name="Michael Mahoney" userId="0df92e9667c24698" providerId="Windows Live" clId="Web-{3C45BE6C-4B28-40F6-9198-2090A585D6D4}" dt="2020-08-21T18:34:32.770" v="687"/>
-          <ac:spMkLst>
-            <pc:docMk/>
-            <pc:sldMk cId="2471390352" sldId="277"/>
-            <ac:spMk id="17" creationId="{3DAC0C92-199E-475C-9390-119A9B027276}"/>
-          </ac:spMkLst>
-        </pc:spChg>
-        <pc:spChg chg="add del">
-          <ac:chgData name="Michael Mahoney" userId="0df92e9667c24698" providerId="Windows Live" clId="Web-{3C45BE6C-4B28-40F6-9198-2090A585D6D4}" dt="2020-08-21T18:34:32.770" v="687"/>
-          <ac:spMkLst>
-            <pc:docMk/>
-            <pc:sldMk cId="2471390352" sldId="277"/>
-            <ac:spMk id="19" creationId="{C4CFB339-0ED8-4FE2-9EF1-6D1375B8499B}"/>
-          </ac:spMkLst>
-        </pc:spChg>
-        <pc:spChg chg="add del">
-          <ac:chgData name="Michael Mahoney" userId="0df92e9667c24698" providerId="Windows Live" clId="Web-{3C45BE6C-4B28-40F6-9198-2090A585D6D4}" dt="2020-08-21T18:34:32.770" v="687"/>
-          <ac:spMkLst>
-            <pc:docMk/>
-            <pc:sldMk cId="2471390352" sldId="277"/>
-            <ac:spMk id="21" creationId="{31896C80-2069-4431-9C19-83B913734490}"/>
-          </ac:spMkLst>
-        </pc:spChg>
-        <pc:spChg chg="add del">
-          <ac:chgData name="Michael Mahoney" userId="0df92e9667c24698" providerId="Windows Live" clId="Web-{3C45BE6C-4B28-40F6-9198-2090A585D6D4}" dt="2020-08-21T18:34:32.770" v="687"/>
-          <ac:spMkLst>
-            <pc:docMk/>
-            <pc:sldMk cId="2471390352" sldId="277"/>
-            <ac:spMk id="23" creationId="{BF120A21-0841-4823-B0C4-28AEBCEF9B78}"/>
-          </ac:spMkLst>
-        </pc:spChg>
-        <pc:spChg chg="add del">
-          <ac:chgData name="Michael Mahoney" userId="0df92e9667c24698" providerId="Windows Live" clId="Web-{3C45BE6C-4B28-40F6-9198-2090A585D6D4}" dt="2020-08-21T18:34:32.770" v="687"/>
-          <ac:spMkLst>
-            <pc:docMk/>
-            <pc:sldMk cId="2471390352" sldId="277"/>
-            <ac:spMk id="25" creationId="{DBB05BAE-BBD3-4289-899F-A6851503C6B0}"/>
-          </ac:spMkLst>
-        </pc:spChg>
-        <pc:spChg chg="add del">
-          <ac:chgData name="Michael Mahoney" userId="0df92e9667c24698" providerId="Windows Live" clId="Web-{3C45BE6C-4B28-40F6-9198-2090A585D6D4}" dt="2020-08-21T18:34:32.770" v="687"/>
-          <ac:spMkLst>
-            <pc:docMk/>
-            <pc:sldMk cId="2471390352" sldId="277"/>
-            <ac:spMk id="27" creationId="{9874D11C-36F5-4BBE-A490-019A54E953B0}"/>
-          </ac:spMkLst>
-        </pc:spChg>
-        <pc:picChg chg="add mod ord">
-          <ac:chgData name="Michael Mahoney" userId="0df92e9667c24698" providerId="Windows Live" clId="Web-{3C45BE6C-4B28-40F6-9198-2090A585D6D4}" dt="2020-08-21T18:34:32.785" v="688"/>
-          <ac:picMkLst>
-            <pc:docMk/>
-            <pc:sldMk cId="2471390352" sldId="277"/>
-            <ac:picMk id="4" creationId="{0D186772-EFEB-4AF7-ADDE-6A2ADD6C18FE}"/>
-          </ac:picMkLst>
-        </pc:picChg>
-        <pc:cxnChg chg="add del">
-          <ac:chgData name="Michael Mahoney" userId="0df92e9667c24698" providerId="Windows Live" clId="Web-{3C45BE6C-4B28-40F6-9198-2090A585D6D4}" dt="2020-08-21T18:34:32.770" v="687"/>
-          <ac:cxnSpMkLst>
-            <pc:docMk/>
-            <pc:sldMk cId="2471390352" sldId="277"/>
-            <ac:cxnSpMk id="11" creationId="{64FA5DFF-7FE6-4855-84E6-DFA78EE978BD}"/>
-          </ac:cxnSpMkLst>
-        </pc:cxnChg>
-        <pc:cxnChg chg="add del">
-          <ac:chgData name="Michael Mahoney" userId="0df92e9667c24698" providerId="Windows Live" clId="Web-{3C45BE6C-4B28-40F6-9198-2090A585D6D4}" dt="2020-08-21T18:34:32.770" v="687"/>
-          <ac:cxnSpMkLst>
-            <pc:docMk/>
-            <pc:sldMk cId="2471390352" sldId="277"/>
-            <ac:cxnSpMk id="13" creationId="{2AFD8CBA-54A3-4363-991B-B9C631BBFA74}"/>
-          </ac:cxnSpMkLst>
-        </pc:cxnChg>
-      </pc:sldChg>
-    </pc:docChg>
-  </pc:docChgLst>
-  <pc:docChgLst>
-    <pc:chgData name="Michael Mahoney" userId="0df92e9667c24698" providerId="Windows Live" clId="Web-{410AE4FA-6325-4EF8-BEB6-57C849D00BDB}"/>
-    <pc:docChg chg="modSld">
-      <pc:chgData name="Michael Mahoney" userId="0df92e9667c24698" providerId="Windows Live" clId="Web-{410AE4FA-6325-4EF8-BEB6-57C849D00BDB}" dt="2020-08-09T04:25:41.249" v="1"/>
-      <pc:docMkLst>
-        <pc:docMk/>
-      </pc:docMkLst>
-      <pc:sldChg chg="addSp delSp modSp">
-        <pc:chgData name="Michael Mahoney" userId="0df92e9667c24698" providerId="Windows Live" clId="Web-{410AE4FA-6325-4EF8-BEB6-57C849D00BDB}" dt="2020-08-09T04:25:41.249" v="1"/>
-        <pc:sldMkLst>
-          <pc:docMk/>
-          <pc:sldMk cId="2709198907" sldId="257"/>
-        </pc:sldMkLst>
-        <pc:spChg chg="add mod">
-          <ac:chgData name="Michael Mahoney" userId="0df92e9667c24698" providerId="Windows Live" clId="Web-{410AE4FA-6325-4EF8-BEB6-57C849D00BDB}" dt="2020-08-09T04:25:41.249" v="1"/>
-          <ac:spMkLst>
-            <pc:docMk/>
-            <pc:sldMk cId="2709198907" sldId="257"/>
-            <ac:spMk id="4" creationId="{930E59BC-1FFF-45CC-B8F8-3BE506916FD3}"/>
-          </ac:spMkLst>
-        </pc:spChg>
-        <pc:picChg chg="del">
-          <ac:chgData name="Michael Mahoney" userId="0df92e9667c24698" providerId="Windows Live" clId="Web-{410AE4FA-6325-4EF8-BEB6-57C849D00BDB}" dt="2020-08-09T04:25:41.249" v="1"/>
-          <ac:picMkLst>
-            <pc:docMk/>
-            <pc:sldMk cId="2709198907" sldId="257"/>
-            <ac:picMk id="5" creationId="{38766B99-6144-4199-9937-F7AA9E078255}"/>
-          </ac:picMkLst>
-        </pc:picChg>
-      </pc:sldChg>
-      <pc:sldChg chg="addSp delSp modSp">
-        <pc:chgData name="Michael Mahoney" userId="0df92e9667c24698" providerId="Windows Live" clId="Web-{410AE4FA-6325-4EF8-BEB6-57C849D00BDB}" dt="2020-08-09T04:25:36.593" v="0"/>
-        <pc:sldMkLst>
-          <pc:docMk/>
-          <pc:sldMk cId="1022739119" sldId="259"/>
-        </pc:sldMkLst>
-        <pc:spChg chg="add mod">
-          <ac:chgData name="Michael Mahoney" userId="0df92e9667c24698" providerId="Windows Live" clId="Web-{410AE4FA-6325-4EF8-BEB6-57C849D00BDB}" dt="2020-08-09T04:25:36.593" v="0"/>
-          <ac:spMkLst>
-            <pc:docMk/>
-            <pc:sldMk cId="1022739119" sldId="259"/>
-            <ac:spMk id="4" creationId="{358B036D-6458-429E-BBFA-38D17853810C}"/>
-          </ac:spMkLst>
-        </pc:spChg>
-        <pc:picChg chg="del">
-          <ac:chgData name="Michael Mahoney" userId="0df92e9667c24698" providerId="Windows Live" clId="Web-{410AE4FA-6325-4EF8-BEB6-57C849D00BDB}" dt="2020-08-09T04:25:36.593" v="0"/>
-          <ac:picMkLst>
-            <pc:docMk/>
-            <pc:sldMk cId="1022739119" sldId="259"/>
-            <ac:picMk id="5" creationId="{1481E1AB-C705-4D63-A70E-F14EE30A4318}"/>
-          </ac:picMkLst>
-        </pc:picChg>
-      </pc:sldChg>
-    </pc:docChg>
-  </pc:docChgLst>
-  <pc:docChgLst>
-    <pc:chgData name="Michael" userId="0df92e9667c24698" providerId="LiveId" clId="{63F90B20-AD47-4B60-BE49-36ADD5B2B0D2}"/>
-    <pc:docChg chg="undo custSel addSld modSld">
-      <pc:chgData name="Michael" userId="0df92e9667c24698" providerId="LiveId" clId="{63F90B20-AD47-4B60-BE49-36ADD5B2B0D2}" dt="2020-08-07T04:00:47.851" v="187" actId="1076"/>
-      <pc:docMkLst>
-        <pc:docMk/>
-      </pc:docMkLst>
-      <pc:sldChg chg="addSp delSp modSp mod">
-        <pc:chgData name="Michael" userId="0df92e9667c24698" providerId="LiveId" clId="{63F90B20-AD47-4B60-BE49-36ADD5B2B0D2}" dt="2020-08-07T04:00:47.851" v="187" actId="1076"/>
-        <pc:sldMkLst>
-          <pc:docMk/>
-          <pc:sldMk cId="2709198907" sldId="257"/>
-        </pc:sldMkLst>
-        <pc:spChg chg="mod">
-          <ac:chgData name="Michael" userId="0df92e9667c24698" providerId="LiveId" clId="{63F90B20-AD47-4B60-BE49-36ADD5B2B0D2}" dt="2020-08-07T03:21:20.985" v="165" actId="20577"/>
-          <ac:spMkLst>
-            <pc:docMk/>
-            <pc:sldMk cId="2709198907" sldId="257"/>
-            <ac:spMk id="2" creationId="{A34B8A40-B7D8-4B6E-8F77-60C268CBF4ED}"/>
-          </ac:spMkLst>
-        </pc:spChg>
-        <pc:spChg chg="del">
-          <ac:chgData name="Michael" userId="0df92e9667c24698" providerId="LiveId" clId="{63F90B20-AD47-4B60-BE49-36ADD5B2B0D2}" dt="2020-08-07T03:56:59.877" v="166" actId="931"/>
-          <ac:spMkLst>
-            <pc:docMk/>
-            <pc:sldMk cId="2709198907" sldId="257"/>
-            <ac:spMk id="3" creationId="{788DC7C3-148B-4450-96FA-03F96F3D79C9}"/>
-          </ac:spMkLst>
-        </pc:spChg>
-        <pc:picChg chg="add mod">
-          <ac:chgData name="Michael" userId="0df92e9667c24698" providerId="LiveId" clId="{63F90B20-AD47-4B60-BE49-36ADD5B2B0D2}" dt="2020-08-07T04:00:47.851" v="187" actId="1076"/>
-          <ac:picMkLst>
-            <pc:docMk/>
-            <pc:sldMk cId="2709198907" sldId="257"/>
-            <ac:picMk id="5" creationId="{38766B99-6144-4199-9937-F7AA9E078255}"/>
-          </ac:picMkLst>
-        </pc:picChg>
-      </pc:sldChg>
-      <pc:sldChg chg="modSp new mod">
-        <pc:chgData name="Michael" userId="0df92e9667c24698" providerId="LiveId" clId="{63F90B20-AD47-4B60-BE49-36ADD5B2B0D2}" dt="2020-08-07T03:59:57.306" v="179" actId="27636"/>
-        <pc:sldMkLst>
-          <pc:docMk/>
-          <pc:sldMk cId="470197049" sldId="258"/>
-        </pc:sldMkLst>
-        <pc:spChg chg="mod">
-          <ac:chgData name="Michael" userId="0df92e9667c24698" providerId="LiveId" clId="{63F90B20-AD47-4B60-BE49-36ADD5B2B0D2}" dt="2020-08-07T03:18:11.776" v="73" actId="20577"/>
-          <ac:spMkLst>
-            <pc:docMk/>
-            <pc:sldMk cId="470197049" sldId="258"/>
-            <ac:spMk id="2" creationId="{450A55ED-B344-4B90-8E54-3FA7DCD06411}"/>
-          </ac:spMkLst>
-        </pc:spChg>
-        <pc:spChg chg="mod">
-          <ac:chgData name="Michael" userId="0df92e9667c24698" providerId="LiveId" clId="{63F90B20-AD47-4B60-BE49-36ADD5B2B0D2}" dt="2020-08-07T03:59:57.306" v="179" actId="27636"/>
-          <ac:spMkLst>
-            <pc:docMk/>
-            <pc:sldMk cId="470197049" sldId="258"/>
-            <ac:spMk id="3" creationId="{ACE8AE74-60CA-4CC0-B9B2-DAFCEB00217C}"/>
-          </ac:spMkLst>
-        </pc:spChg>
-      </pc:sldChg>
-      <pc:sldChg chg="addSp delSp modSp new mod">
-        <pc:chgData name="Michael" userId="0df92e9667c24698" providerId="LiveId" clId="{63F90B20-AD47-4B60-BE49-36ADD5B2B0D2}" dt="2020-08-07T04:00:11.132" v="184" actId="14100"/>
-        <pc:sldMkLst>
-          <pc:docMk/>
-          <pc:sldMk cId="1022739119" sldId="259"/>
-        </pc:sldMkLst>
-        <pc:spChg chg="del">
-          <ac:chgData name="Michael" userId="0df92e9667c24698" providerId="LiveId" clId="{63F90B20-AD47-4B60-BE49-36ADD5B2B0D2}" dt="2020-08-07T03:57:17.525" v="170" actId="931"/>
-          <ac:spMkLst>
-            <pc:docMk/>
-            <pc:sldMk cId="1022739119" sldId="259"/>
-            <ac:spMk id="3" creationId="{D728B6C6-CA48-40E7-9CF8-60DCFC98566F}"/>
-          </ac:spMkLst>
-        </pc:spChg>
-        <pc:picChg chg="add mod">
-          <ac:chgData name="Michael" userId="0df92e9667c24698" providerId="LiveId" clId="{63F90B20-AD47-4B60-BE49-36ADD5B2B0D2}" dt="2020-08-07T04:00:11.132" v="184" actId="14100"/>
-          <ac:picMkLst>
-            <pc:docMk/>
-            <pc:sldMk cId="1022739119" sldId="259"/>
-            <ac:picMk id="5" creationId="{1481E1AB-C705-4D63-A70E-F14EE30A4318}"/>
-          </ac:picMkLst>
-        </pc:picChg>
-      </pc:sldChg>
-    </pc:docChg>
-  </pc:docChgLst>
-  <pc:docChgLst>
-    <pc:chgData name="Michael" userId="0df92e9667c24698" providerId="LiveId" clId="{D03F7E68-684F-4866-8F6D-378B97081DED}"/>
-    <pc:docChg chg="undo custSel mod addSld delSld modSld sldOrd">
-      <pc:chgData name="Michael" userId="0df92e9667c24698" providerId="LiveId" clId="{D03F7E68-684F-4866-8F6D-378B97081DED}" dt="2020-08-21T17:39:16.734" v="537" actId="20577"/>
-      <pc:docMkLst>
-        <pc:docMk/>
-      </pc:docMkLst>
-      <pc:sldChg chg="ord">
-        <pc:chgData name="Michael" userId="0df92e9667c24698" providerId="LiveId" clId="{D03F7E68-684F-4866-8F6D-378B97081DED}" dt="2020-08-21T16:48:21.834" v="164"/>
-        <pc:sldMkLst>
-          <pc:docMk/>
-          <pc:sldMk cId="2709198907" sldId="257"/>
-        </pc:sldMkLst>
-      </pc:sldChg>
-      <pc:sldChg chg="modSp">
-        <pc:chgData name="Michael" userId="0df92e9667c24698" providerId="LiveId" clId="{D03F7E68-684F-4866-8F6D-378B97081DED}" dt="2020-08-21T16:38:42.757" v="145" actId="20577"/>
-        <pc:sldMkLst>
-          <pc:docMk/>
-          <pc:sldMk cId="470197049" sldId="258"/>
-        </pc:sldMkLst>
-        <pc:graphicFrameChg chg="mod">
-          <ac:chgData name="Michael" userId="0df92e9667c24698" providerId="LiveId" clId="{D03F7E68-684F-4866-8F6D-378B97081DED}" dt="2020-08-21T16:38:42.757" v="145" actId="20577"/>
-          <ac:graphicFrameMkLst>
-            <pc:docMk/>
-            <pc:sldMk cId="470197049" sldId="258"/>
-            <ac:graphicFrameMk id="5" creationId="{8B7A4587-EE7A-478F-8EE2-57CAC50C13B9}"/>
-          </ac:graphicFrameMkLst>
-        </pc:graphicFrameChg>
-      </pc:sldChg>
-      <pc:sldChg chg="del ord">
-        <pc:chgData name="Michael" userId="0df92e9667c24698" providerId="LiveId" clId="{D03F7E68-684F-4866-8F6D-378B97081DED}" dt="2020-08-21T16:44:12.611" v="162" actId="47"/>
-        <pc:sldMkLst>
-          <pc:docMk/>
-          <pc:sldMk cId="1022739119" sldId="259"/>
-        </pc:sldMkLst>
-      </pc:sldChg>
-      <pc:sldChg chg="modSp mod ord">
-        <pc:chgData name="Michael" userId="0df92e9667c24698" providerId="LiveId" clId="{D03F7E68-684F-4866-8F6D-378B97081DED}" dt="2020-08-21T17:39:16.734" v="537" actId="20577"/>
-        <pc:sldMkLst>
-          <pc:docMk/>
-          <pc:sldMk cId="2304363769" sldId="260"/>
-        </pc:sldMkLst>
-        <pc:spChg chg="mod">
-          <ac:chgData name="Michael" userId="0df92e9667c24698" providerId="LiveId" clId="{D03F7E68-684F-4866-8F6D-378B97081DED}" dt="2020-08-21T17:01:24.107" v="274" actId="20577"/>
-          <ac:spMkLst>
-            <pc:docMk/>
-            <pc:sldMk cId="2304363769" sldId="260"/>
-            <ac:spMk id="9" creationId="{63F6D637-8721-48F5-BA42-6BAE117EBE5F}"/>
-          </ac:spMkLst>
-        </pc:spChg>
-        <pc:spChg chg="mod">
-          <ac:chgData name="Michael" userId="0df92e9667c24698" providerId="LiveId" clId="{D03F7E68-684F-4866-8F6D-378B97081DED}" dt="2020-08-21T17:39:16.734" v="537" actId="20577"/>
-          <ac:spMkLst>
-            <pc:docMk/>
-            <pc:sldMk cId="2304363769" sldId="260"/>
-            <ac:spMk id="12" creationId="{8D9D8FD4-EBBF-4072-9F33-BDF42AA1E8B2}"/>
-          </ac:spMkLst>
-        </pc:spChg>
-      </pc:sldChg>
-      <pc:sldChg chg="ord">
-        <pc:chgData name="Michael" userId="0df92e9667c24698" providerId="LiveId" clId="{D03F7E68-684F-4866-8F6D-378B97081DED}" dt="2020-08-21T16:35:06.074" v="3"/>
-        <pc:sldMkLst>
-          <pc:docMk/>
-          <pc:sldMk cId="2067595967" sldId="265"/>
-        </pc:sldMkLst>
-      </pc:sldChg>
-      <pc:sldChg chg="ord">
-        <pc:chgData name="Michael" userId="0df92e9667c24698" providerId="LiveId" clId="{D03F7E68-684F-4866-8F6D-378B97081DED}" dt="2020-08-21T16:35:04.467" v="1"/>
-        <pc:sldMkLst>
-          <pc:docMk/>
-          <pc:sldMk cId="3904453236" sldId="266"/>
-        </pc:sldMkLst>
-      </pc:sldChg>
-      <pc:sldChg chg="modSp mod ord">
-        <pc:chgData name="Michael" userId="0df92e9667c24698" providerId="LiveId" clId="{D03F7E68-684F-4866-8F6D-378B97081DED}" dt="2020-08-21T17:00:21.152" v="262" actId="20577"/>
-        <pc:sldMkLst>
-          <pc:docMk/>
-          <pc:sldMk cId="768361343" sldId="267"/>
-        </pc:sldMkLst>
-        <pc:spChg chg="mod">
-          <ac:chgData name="Michael" userId="0df92e9667c24698" providerId="LiveId" clId="{D03F7E68-684F-4866-8F6D-378B97081DED}" dt="2020-08-21T17:00:21.152" v="262" actId="20577"/>
-          <ac:spMkLst>
-            <pc:docMk/>
-            <pc:sldMk cId="768361343" sldId="267"/>
-            <ac:spMk id="2" creationId="{7CEEDC77-E986-4CF2-96F5-F75D3CA692A8}"/>
-          </ac:spMkLst>
-        </pc:spChg>
-      </pc:sldChg>
-      <pc:sldChg chg="modSp">
-        <pc:chgData name="Michael" userId="0df92e9667c24698" providerId="LiveId" clId="{D03F7E68-684F-4866-8F6D-378B97081DED}" dt="2020-08-21T17:00:00.659" v="261" actId="13926"/>
-        <pc:sldMkLst>
-          <pc:docMk/>
-          <pc:sldMk cId="213043462" sldId="269"/>
-        </pc:sldMkLst>
-        <pc:graphicFrameChg chg="mod">
-          <ac:chgData name="Michael" userId="0df92e9667c24698" providerId="LiveId" clId="{D03F7E68-684F-4866-8F6D-378B97081DED}" dt="2020-08-21T17:00:00.659" v="261" actId="13926"/>
-          <ac:graphicFrameMkLst>
-            <pc:docMk/>
-            <pc:sldMk cId="213043462" sldId="269"/>
-            <ac:graphicFrameMk id="5" creationId="{51EFF8DE-DDA7-4567-B714-044064201C04}"/>
-          </ac:graphicFrameMkLst>
-        </pc:graphicFrameChg>
-      </pc:sldChg>
-      <pc:sldChg chg="addSp delSp modSp mod">
-        <pc:chgData name="Michael" userId="0df92e9667c24698" providerId="LiveId" clId="{D03F7E68-684F-4866-8F6D-378B97081DED}" dt="2020-08-21T16:53:17.238" v="204" actId="20577"/>
-        <pc:sldMkLst>
-          <pc:docMk/>
-          <pc:sldMk cId="3207320007" sldId="270"/>
-        </pc:sldMkLst>
-        <pc:spChg chg="mod">
-          <ac:chgData name="Michael" userId="0df92e9667c24698" providerId="LiveId" clId="{D03F7E68-684F-4866-8F6D-378B97081DED}" dt="2020-08-21T16:53:17.238" v="204" actId="20577"/>
-          <ac:spMkLst>
-            <pc:docMk/>
-            <pc:sldMk cId="3207320007" sldId="270"/>
-            <ac:spMk id="2" creationId="{026D2AB0-A3C9-467D-8F79-8E1DDF8F7D4B}"/>
-          </ac:spMkLst>
-        </pc:spChg>
-        <pc:spChg chg="mod">
-          <ac:chgData name="Michael" userId="0df92e9667c24698" providerId="LiveId" clId="{D03F7E68-684F-4866-8F6D-378B97081DED}" dt="2020-08-21T16:43:16.001" v="158" actId="26606"/>
-          <ac:spMkLst>
-            <pc:docMk/>
-            <pc:sldMk cId="3207320007" sldId="270"/>
-            <ac:spMk id="3" creationId="{17034AE3-3B2F-4463-8CAD-5F9D41FE05EE}"/>
-          </ac:spMkLst>
-        </pc:spChg>
-        <pc:spChg chg="add del">
-          <ac:chgData name="Michael" userId="0df92e9667c24698" providerId="LiveId" clId="{D03F7E68-684F-4866-8F6D-378B97081DED}" dt="2020-08-21T16:43:15.996" v="157" actId="26606"/>
-          <ac:spMkLst>
-            <pc:docMk/>
-            <pc:sldMk cId="3207320007" sldId="270"/>
-            <ac:spMk id="11" creationId="{9F4444CE-BC8D-4D61-B303-4C05614E62AB}"/>
-          </ac:spMkLst>
-        </pc:spChg>
-        <pc:spChg chg="add del">
-          <ac:chgData name="Michael" userId="0df92e9667c24698" providerId="LiveId" clId="{D03F7E68-684F-4866-8F6D-378B97081DED}" dt="2020-08-21T16:43:15.996" v="157" actId="26606"/>
-          <ac:spMkLst>
-            <pc:docMk/>
-            <pc:sldMk cId="3207320007" sldId="270"/>
-            <ac:spMk id="13" creationId="{62423CA5-E2E1-4789-B759-9906C1C94063}"/>
-          </ac:spMkLst>
-        </pc:spChg>
-        <pc:spChg chg="add del">
-          <ac:chgData name="Michael" userId="0df92e9667c24698" providerId="LiveId" clId="{D03F7E68-684F-4866-8F6D-378B97081DED}" dt="2020-08-21T16:43:15.996" v="157" actId="26606"/>
-          <ac:spMkLst>
-            <pc:docMk/>
-            <pc:sldMk cId="3207320007" sldId="270"/>
-            <ac:spMk id="15" creationId="{73772B81-181F-48B7-8826-4D9686D15DF5}"/>
-          </ac:spMkLst>
-        </pc:spChg>
-        <pc:spChg chg="add del">
-          <ac:chgData name="Michael" userId="0df92e9667c24698" providerId="LiveId" clId="{D03F7E68-684F-4866-8F6D-378B97081DED}" dt="2020-08-21T16:43:15.996" v="157" actId="26606"/>
-          <ac:spMkLst>
-            <pc:docMk/>
-            <pc:sldMk cId="3207320007" sldId="270"/>
-            <ac:spMk id="17" creationId="{B2205F6E-03C6-4E92-877C-E2482F6599AA}"/>
-          </ac:spMkLst>
-        </pc:spChg>
-        <pc:picChg chg="del mod">
-          <ac:chgData name="Michael" userId="0df92e9667c24698" providerId="LiveId" clId="{D03F7E68-684F-4866-8F6D-378B97081DED}" dt="2020-08-21T16:42:52.222" v="153" actId="478"/>
-          <ac:picMkLst>
-            <pc:docMk/>
-            <pc:sldMk cId="3207320007" sldId="270"/>
-            <ac:picMk id="5" creationId="{C0D3224F-3A98-42EB-B169-FDA2D118F9CD}"/>
-          </ac:picMkLst>
-        </pc:picChg>
-        <pc:picChg chg="add mod">
-          <ac:chgData name="Michael" userId="0df92e9667c24698" providerId="LiveId" clId="{D03F7E68-684F-4866-8F6D-378B97081DED}" dt="2020-08-21T16:43:16.001" v="158" actId="26606"/>
-          <ac:picMkLst>
-            <pc:docMk/>
-            <pc:sldMk cId="3207320007" sldId="270"/>
-            <ac:picMk id="6" creationId="{BE1744DD-4FF3-4056-AEFB-80E91A7963C8}"/>
-          </ac:picMkLst>
-        </pc:picChg>
-      </pc:sldChg>
-      <pc:sldChg chg="ord">
-        <pc:chgData name="Michael" userId="0df92e9667c24698" providerId="LiveId" clId="{D03F7E68-684F-4866-8F6D-378B97081DED}" dt="2020-08-21T16:48:30.045" v="166"/>
-        <pc:sldMkLst>
-          <pc:docMk/>
-          <pc:sldMk cId="1657909057" sldId="271"/>
-        </pc:sldMkLst>
-      </pc:sldChg>
-      <pc:sldChg chg="del">
-        <pc:chgData name="Michael" userId="0df92e9667c24698" providerId="LiveId" clId="{D03F7E68-684F-4866-8F6D-378B97081DED}" dt="2020-08-21T16:43:46.433" v="159" actId="47"/>
-        <pc:sldMkLst>
-          <pc:docMk/>
-          <pc:sldMk cId="2507736653" sldId="272"/>
-        </pc:sldMkLst>
-      </pc:sldChg>
-      <pc:sldChg chg="addSp delSp modSp mod setBg">
-        <pc:chgData name="Michael" userId="0df92e9667c24698" providerId="LiveId" clId="{D03F7E68-684F-4866-8F6D-378B97081DED}" dt="2020-08-21T17:11:14.271" v="536" actId="313"/>
-        <pc:sldMkLst>
-          <pc:docMk/>
-          <pc:sldMk cId="3272095856" sldId="274"/>
-        </pc:sldMkLst>
-        <pc:spChg chg="mod">
-          <ac:chgData name="Michael" userId="0df92e9667c24698" providerId="LiveId" clId="{D03F7E68-684F-4866-8F6D-378B97081DED}" dt="2020-08-21T17:11:14.271" v="536" actId="313"/>
-          <ac:spMkLst>
-            <pc:docMk/>
-            <pc:sldMk cId="3272095856" sldId="274"/>
-            <ac:spMk id="2" creationId="{A07D79F0-CB9B-457B-B051-2222FF6FA40E}"/>
-          </ac:spMkLst>
-        </pc:spChg>
-        <pc:spChg chg="add mod">
-          <ac:chgData name="Michael" userId="0df92e9667c24698" providerId="LiveId" clId="{D03F7E68-684F-4866-8F6D-378B97081DED}" dt="2020-08-21T17:10:36.483" v="535" actId="20577"/>
-          <ac:spMkLst>
-            <pc:docMk/>
-            <pc:sldMk cId="3272095856" sldId="274"/>
-            <ac:spMk id="8" creationId="{B8A4FADB-B25C-40B2-8A30-F66B2360551C}"/>
-          </ac:spMkLst>
-        </pc:spChg>
-        <pc:picChg chg="mod">
-          <ac:chgData name="Michael" userId="0df92e9667c24698" providerId="LiveId" clId="{D03F7E68-684F-4866-8F6D-378B97081DED}" dt="2020-08-21T17:09:04.881" v="281" actId="14100"/>
-          <ac:picMkLst>
-            <pc:docMk/>
-            <pc:sldMk cId="3272095856" sldId="274"/>
-            <ac:picMk id="4" creationId="{D7D6234F-10BF-4199-B4EB-B16E27BE8140}"/>
-          </ac:picMkLst>
-        </pc:picChg>
-        <pc:picChg chg="del">
-          <ac:chgData name="Michael" userId="0df92e9667c24698" providerId="LiveId" clId="{D03F7E68-684F-4866-8F6D-378B97081DED}" dt="2020-08-21T17:08:42.644" v="277" actId="478"/>
-          <ac:picMkLst>
-            <pc:docMk/>
-            <pc:sldMk cId="3272095856" sldId="274"/>
-            <ac:picMk id="5" creationId="{9CA82B81-2F7C-4AAF-B304-F10D0392C979}"/>
-          </ac:picMkLst>
-        </pc:picChg>
-      </pc:sldChg>
-      <pc:sldChg chg="addSp delSp modSp new mod setBg">
-        <pc:chgData name="Michael" userId="0df92e9667c24698" providerId="LiveId" clId="{D03F7E68-684F-4866-8F6D-378B97081DED}" dt="2020-08-21T16:58:42.637" v="254" actId="26606"/>
-        <pc:sldMkLst>
-          <pc:docMk/>
-          <pc:sldMk cId="3980097061" sldId="275"/>
-        </pc:sldMkLst>
-        <pc:spChg chg="mod ord">
-          <ac:chgData name="Michael" userId="0df92e9667c24698" providerId="LiveId" clId="{D03F7E68-684F-4866-8F6D-378B97081DED}" dt="2020-08-21T16:58:42.637" v="254" actId="26606"/>
-          <ac:spMkLst>
-            <pc:docMk/>
-            <pc:sldMk cId="3980097061" sldId="275"/>
-            <ac:spMk id="2" creationId="{01DF1B08-A8D9-4332-B70C-EF97784B972B}"/>
-          </ac:spMkLst>
-        </pc:spChg>
-        <pc:spChg chg="del">
-          <ac:chgData name="Michael" userId="0df92e9667c24698" providerId="LiveId" clId="{D03F7E68-684F-4866-8F6D-378B97081DED}" dt="2020-08-21T16:56:53.052" v="206" actId="478"/>
-          <ac:spMkLst>
-            <pc:docMk/>
-            <pc:sldMk cId="3980097061" sldId="275"/>
-            <ac:spMk id="3" creationId="{788DF69A-C0C2-4B6E-8213-EA2E8219781C}"/>
-          </ac:spMkLst>
-        </pc:spChg>
-        <pc:spChg chg="add del">
-          <ac:chgData name="Michael" userId="0df92e9667c24698" providerId="LiveId" clId="{D03F7E68-684F-4866-8F6D-378B97081DED}" dt="2020-08-21T16:58:40.310" v="251" actId="26606"/>
-          <ac:spMkLst>
-            <pc:docMk/>
-            <pc:sldMk cId="3980097061" sldId="275"/>
-            <ac:spMk id="26" creationId="{66D61E08-70C3-48D8-BEA0-787111DC30DA}"/>
-          </ac:spMkLst>
-        </pc:spChg>
-        <pc:spChg chg="add del">
-          <ac:chgData name="Michael" userId="0df92e9667c24698" providerId="LiveId" clId="{D03F7E68-684F-4866-8F6D-378B97081DED}" dt="2020-08-21T16:58:40.310" v="251" actId="26606"/>
-          <ac:spMkLst>
-            <pc:docMk/>
-            <pc:sldMk cId="3980097061" sldId="275"/>
-            <ac:spMk id="28" creationId="{FC55298F-0AE5-478E-AD2B-03C2614C5833}"/>
-          </ac:spMkLst>
-        </pc:spChg>
-        <pc:spChg chg="add del">
-          <ac:chgData name="Michael" userId="0df92e9667c24698" providerId="LiveId" clId="{D03F7E68-684F-4866-8F6D-378B97081DED}" dt="2020-08-21T16:58:40.310" v="251" actId="26606"/>
-          <ac:spMkLst>
-            <pc:docMk/>
-            <pc:sldMk cId="3980097061" sldId="275"/>
-            <ac:spMk id="30" creationId="{C180E4EA-0B63-4779-A895-7E90E71088F3}"/>
-          </ac:spMkLst>
-        </pc:spChg>
-        <pc:spChg chg="add del">
-          <ac:chgData name="Michael" userId="0df92e9667c24698" providerId="LiveId" clId="{D03F7E68-684F-4866-8F6D-378B97081DED}" dt="2020-08-21T16:58:40.310" v="251" actId="26606"/>
-          <ac:spMkLst>
-            <pc:docMk/>
-            <pc:sldMk cId="3980097061" sldId="275"/>
-            <ac:spMk id="32" creationId="{CEE01D9D-3DE8-4EED-B0D3-8F3C79CC7673}"/>
-          </ac:spMkLst>
-        </pc:spChg>
-        <pc:spChg chg="add del">
-          <ac:chgData name="Michael" userId="0df92e9667c24698" providerId="LiveId" clId="{D03F7E68-684F-4866-8F6D-378B97081DED}" dt="2020-08-21T16:58:40.310" v="251" actId="26606"/>
-          <ac:spMkLst>
-            <pc:docMk/>
-            <pc:sldMk cId="3980097061" sldId="275"/>
-            <ac:spMk id="34" creationId="{89AF5CE9-607F-43F4-8983-DCD6DA4051FD}"/>
-          </ac:spMkLst>
-        </pc:spChg>
-        <pc:spChg chg="add del">
-          <ac:chgData name="Michael" userId="0df92e9667c24698" providerId="LiveId" clId="{D03F7E68-684F-4866-8F6D-378B97081DED}" dt="2020-08-21T16:58:40.310" v="251" actId="26606"/>
-          <ac:spMkLst>
-            <pc:docMk/>
-            <pc:sldMk cId="3980097061" sldId="275"/>
-            <ac:spMk id="36" creationId="{6EEA2DBD-9E1E-4521-8C01-F32AD18A89E3}"/>
-          </ac:spMkLst>
-        </pc:spChg>
-        <pc:spChg chg="add del">
-          <ac:chgData name="Michael" userId="0df92e9667c24698" providerId="LiveId" clId="{D03F7E68-684F-4866-8F6D-378B97081DED}" dt="2020-08-21T16:58:40.310" v="251" actId="26606"/>
-          <ac:spMkLst>
-            <pc:docMk/>
-            <pc:sldMk cId="3980097061" sldId="275"/>
-            <ac:spMk id="38" creationId="{15BBD2C1-BA9B-46A9-A27A-33498B169272}"/>
-          </ac:spMkLst>
-        </pc:spChg>
-        <pc:spChg chg="add del">
-          <ac:chgData name="Michael" userId="0df92e9667c24698" providerId="LiveId" clId="{D03F7E68-684F-4866-8F6D-378B97081DED}" dt="2020-08-21T16:58:42.624" v="253" actId="26606"/>
-          <ac:spMkLst>
-            <pc:docMk/>
-            <pc:sldMk cId="3980097061" sldId="275"/>
-            <ac:spMk id="41" creationId="{5A7802B6-FF37-40CF-A7E2-6F2A0D9A91EF}"/>
-          </ac:spMkLst>
-        </pc:spChg>
-        <pc:grpChg chg="add del">
-          <ac:chgData name="Michael" userId="0df92e9667c24698" providerId="LiveId" clId="{D03F7E68-684F-4866-8F6D-378B97081DED}" dt="2020-08-21T16:58:40.310" v="251" actId="26606"/>
-          <ac:grpSpMkLst>
-            <pc:docMk/>
-            <pc:sldMk cId="3980097061" sldId="275"/>
-            <ac:grpSpMk id="10" creationId="{88C9B83F-64CD-41C1-925F-A08801FFD0BD}"/>
-          </ac:grpSpMkLst>
-        </pc:grpChg>
-        <pc:grpChg chg="add del">
-          <ac:chgData name="Michael" userId="0df92e9667c24698" providerId="LiveId" clId="{D03F7E68-684F-4866-8F6D-378B97081DED}" dt="2020-08-21T16:58:42.624" v="253" actId="26606"/>
-          <ac:grpSpMkLst>
-            <pc:docMk/>
-            <pc:sldMk cId="3980097061" sldId="275"/>
-            <ac:grpSpMk id="40" creationId="{B4DE830A-B531-4A3B-96F6-0ECE88B08555}"/>
-          </ac:grpSpMkLst>
-        </pc:grpChg>
-        <pc:grpChg chg="add">
-          <ac:chgData name="Michael" userId="0df92e9667c24698" providerId="LiveId" clId="{D03F7E68-684F-4866-8F6D-378B97081DED}" dt="2020-08-21T16:58:42.637" v="254" actId="26606"/>
-          <ac:grpSpMkLst>
-            <pc:docMk/>
-            <pc:sldMk cId="3980097061" sldId="275"/>
-            <ac:grpSpMk id="43" creationId="{B4DE830A-B531-4A3B-96F6-0ECE88B08555}"/>
-          </ac:grpSpMkLst>
-        </pc:grpChg>
-        <pc:picChg chg="add mod">
-          <ac:chgData name="Michael" userId="0df92e9667c24698" providerId="LiveId" clId="{D03F7E68-684F-4866-8F6D-378B97081DED}" dt="2020-08-21T16:58:42.637" v="254" actId="26606"/>
-          <ac:picMkLst>
-            <pc:docMk/>
-            <pc:sldMk cId="3980097061" sldId="275"/>
-            <ac:picMk id="5" creationId="{B3191A73-41E7-4DA8-91BA-9B3CCDCAA32C}"/>
-          </ac:picMkLst>
-        </pc:picChg>
-        <pc:cxnChg chg="add del">
-          <ac:chgData name="Michael" userId="0df92e9667c24698" providerId="LiveId" clId="{D03F7E68-684F-4866-8F6D-378B97081DED}" dt="2020-08-21T16:58:40.310" v="251" actId="26606"/>
-          <ac:cxnSpMkLst>
-            <pc:docMk/>
-            <pc:sldMk cId="3980097061" sldId="275"/>
-            <ac:cxnSpMk id="22" creationId="{A57C1A16-B8AB-4D99-A195-A38F556A6486}"/>
-          </ac:cxnSpMkLst>
-        </pc:cxnChg>
-        <pc:cxnChg chg="add del">
-          <ac:chgData name="Michael" userId="0df92e9667c24698" providerId="LiveId" clId="{D03F7E68-684F-4866-8F6D-378B97081DED}" dt="2020-08-21T16:58:40.310" v="251" actId="26606"/>
-          <ac:cxnSpMkLst>
-            <pc:docMk/>
-            <pc:sldMk cId="3980097061" sldId="275"/>
-            <ac:cxnSpMk id="24" creationId="{F8A9B20B-D1DD-4573-B5EC-558029519236}"/>
-          </ac:cxnSpMkLst>
-        </pc:cxnChg>
-      </pc:sldChg>
-    </pc:docChg>
-  </pc:docChgLst>
-  <pc:docChgLst>
-    <pc:chgData name="Michael" userId="0df92e9667c24698" providerId="LiveId" clId="{51027CB0-4EFB-41A8-88F7-48E0C374C192}"/>
-    <pc:docChg chg="addSld">
-      <pc:chgData name="Michael" userId="0df92e9667c24698" providerId="LiveId" clId="{51027CB0-4EFB-41A8-88F7-48E0C374C192}" dt="2020-07-31T18:00:55.740" v="0" actId="680"/>
-      <pc:docMkLst>
-        <pc:docMk/>
-      </pc:docMkLst>
-      <pc:sldChg chg="new">
-        <pc:chgData name="Michael" userId="0df92e9667c24698" providerId="LiveId" clId="{51027CB0-4EFB-41A8-88F7-48E0C374C192}" dt="2020-07-31T18:00:55.740" v="0" actId="680"/>
-        <pc:sldMkLst>
-          <pc:docMk/>
-          <pc:sldMk cId="1265917787" sldId="256"/>
-        </pc:sldMkLst>
       </pc:sldChg>
     </pc:docChg>
   </pc:docChgLst>
@@ -13538,7 +13591,7 @@
           <a:p>
             <a:fld id="{A43AA471-775E-4005-B9AD-A9EBE2990D06}" type="datetimeFigureOut">
               <a:rPr lang="en-US" smtClean="0"/>
-              <a:t>8/21/2020</a:t>
+              <a:t>8/23/2020</a:t>
             </a:fld>
             <a:endParaRPr lang="en-US"/>
           </a:p>
@@ -14609,7 +14662,7 @@
           <a:p>
             <a:fld id="{A310A56D-2A73-4214-BDEC-EE3DDD3E3C39}" type="datetimeFigureOut">
               <a:rPr lang="en-US" smtClean="0"/>
-              <a:t>8/21/2020</a:t>
+              <a:t>8/23/2020</a:t>
             </a:fld>
             <a:endParaRPr lang="en-US"/>
           </a:p>
@@ -14859,7 +14912,7 @@
           <a:p>
             <a:fld id="{A310A56D-2A73-4214-BDEC-EE3DDD3E3C39}" type="datetimeFigureOut">
               <a:rPr lang="en-US" smtClean="0"/>
-              <a:t>8/21/2020</a:t>
+              <a:t>8/23/2020</a:t>
             </a:fld>
             <a:endParaRPr lang="en-US"/>
           </a:p>
@@ -15172,7 +15225,7 @@
           <a:p>
             <a:fld id="{A310A56D-2A73-4214-BDEC-EE3DDD3E3C39}" type="datetimeFigureOut">
               <a:rPr lang="en-US" smtClean="0"/>
-              <a:t>8/21/2020</a:t>
+              <a:t>8/23/2020</a:t>
             </a:fld>
             <a:endParaRPr lang="en-US"/>
           </a:p>
@@ -15512,7 +15565,7 @@
           <a:p>
             <a:fld id="{A310A56D-2A73-4214-BDEC-EE3DDD3E3C39}" type="datetimeFigureOut">
               <a:rPr lang="en-US" smtClean="0"/>
-              <a:t>8/21/2020</a:t>
+              <a:t>8/23/2020</a:t>
             </a:fld>
             <a:endParaRPr lang="en-US"/>
           </a:p>
@@ -15825,7 +15878,7 @@
           <a:p>
             <a:fld id="{A310A56D-2A73-4214-BDEC-EE3DDD3E3C39}" type="datetimeFigureOut">
               <a:rPr lang="en-US" smtClean="0"/>
-              <a:t>8/21/2020</a:t>
+              <a:t>8/23/2020</a:t>
             </a:fld>
             <a:endParaRPr lang="en-US"/>
           </a:p>
@@ -16217,7 +16270,7 @@
           <a:p>
             <a:fld id="{A310A56D-2A73-4214-BDEC-EE3DDD3E3C39}" type="datetimeFigureOut">
               <a:rPr lang="en-US" smtClean="0"/>
-              <a:t>8/21/2020</a:t>
+              <a:t>8/23/2020</a:t>
             </a:fld>
             <a:endParaRPr lang="en-US"/>
           </a:p>
@@ -16385,7 +16438,7 @@
           <a:p>
             <a:fld id="{A310A56D-2A73-4214-BDEC-EE3DDD3E3C39}" type="datetimeFigureOut">
               <a:rPr lang="en-US" smtClean="0"/>
-              <a:t>8/21/2020</a:t>
+              <a:t>8/23/2020</a:t>
             </a:fld>
             <a:endParaRPr lang="en-US"/>
           </a:p>
@@ -16563,7 +16616,7 @@
           <a:p>
             <a:fld id="{A310A56D-2A73-4214-BDEC-EE3DDD3E3C39}" type="datetimeFigureOut">
               <a:rPr lang="en-US" smtClean="0"/>
-              <a:t>8/21/2020</a:t>
+              <a:t>8/23/2020</a:t>
             </a:fld>
             <a:endParaRPr lang="en-US"/>
           </a:p>
@@ -16737,7 +16790,7 @@
           <a:p>
             <a:fld id="{A310A56D-2A73-4214-BDEC-EE3DDD3E3C39}" type="datetimeFigureOut">
               <a:rPr lang="en-US" smtClean="0"/>
-              <a:t>8/21/2020</a:t>
+              <a:t>8/23/2020</a:t>
             </a:fld>
             <a:endParaRPr lang="en-US"/>
           </a:p>
@@ -16983,7 +17036,7 @@
           <a:p>
             <a:fld id="{A310A56D-2A73-4214-BDEC-EE3DDD3E3C39}" type="datetimeFigureOut">
               <a:rPr lang="en-US" smtClean="0"/>
-              <a:t>8/21/2020</a:t>
+              <a:t>8/23/2020</a:t>
             </a:fld>
             <a:endParaRPr lang="en-US"/>
           </a:p>
@@ -17212,7 +17265,7 @@
           <a:p>
             <a:fld id="{A310A56D-2A73-4214-BDEC-EE3DDD3E3C39}" type="datetimeFigureOut">
               <a:rPr lang="en-US" smtClean="0"/>
-              <a:t>8/21/2020</a:t>
+              <a:t>8/23/2020</a:t>
             </a:fld>
             <a:endParaRPr lang="en-US"/>
           </a:p>
@@ -17583,7 +17636,7 @@
           <a:p>
             <a:fld id="{A310A56D-2A73-4214-BDEC-EE3DDD3E3C39}" type="datetimeFigureOut">
               <a:rPr lang="en-US" smtClean="0"/>
-              <a:t>8/21/2020</a:t>
+              <a:t>8/23/2020</a:t>
             </a:fld>
             <a:endParaRPr lang="en-US"/>
           </a:p>
@@ -17705,7 +17758,7 @@
           <a:p>
             <a:fld id="{A310A56D-2A73-4214-BDEC-EE3DDD3E3C39}" type="datetimeFigureOut">
               <a:rPr lang="en-US" smtClean="0"/>
-              <a:t>8/21/2020</a:t>
+              <a:t>8/23/2020</a:t>
             </a:fld>
             <a:endParaRPr lang="en-US"/>
           </a:p>
@@ -17800,7 +17853,7 @@
           <a:p>
             <a:fld id="{A310A56D-2A73-4214-BDEC-EE3DDD3E3C39}" type="datetimeFigureOut">
               <a:rPr lang="en-US" smtClean="0"/>
-              <a:t>8/21/2020</a:t>
+              <a:t>8/23/2020</a:t>
             </a:fld>
             <a:endParaRPr lang="en-US"/>
           </a:p>
@@ -18053,7 +18106,7 @@
           <a:p>
             <a:fld id="{A310A56D-2A73-4214-BDEC-EE3DDD3E3C39}" type="datetimeFigureOut">
               <a:rPr lang="en-US" smtClean="0"/>
-              <a:t>8/21/2020</a:t>
+              <a:t>8/23/2020</a:t>
             </a:fld>
             <a:endParaRPr lang="en-US"/>
           </a:p>
@@ -18314,7 +18367,7 @@
           <a:p>
             <a:fld id="{A310A56D-2A73-4214-BDEC-EE3DDD3E3C39}" type="datetimeFigureOut">
               <a:rPr lang="en-US" smtClean="0"/>
-              <a:t>8/21/2020</a:t>
+              <a:t>8/23/2020</a:t>
             </a:fld>
             <a:endParaRPr lang="en-US"/>
           </a:p>
@@ -19055,7 +19108,7 @@
           <a:p>
             <a:fld id="{A310A56D-2A73-4214-BDEC-EE3DDD3E3C39}" type="datetimeFigureOut">
               <a:rPr lang="en-US" smtClean="0"/>
-              <a:t>8/21/2020</a:t>
+              <a:t>8/23/2020</a:t>
             </a:fld>
             <a:endParaRPr lang="en-US"/>
           </a:p>
@@ -19702,7 +19755,7 @@
           <a:lstStyle/>
           <a:p>
             <a:r>
-              <a:rPr lang="en-US"/>
+              <a:rPr lang="en-US" dirty="0"/>
               <a:t>Advertising</a:t>
             </a:r>
           </a:p>
@@ -19726,34 +19779,40 @@
         </p:nvSpPr>
         <p:spPr>
           <a:xfrm>
-            <a:off x="685167" y="2160589"/>
+            <a:off x="669188" y="2132597"/>
             <a:ext cx="3720916" cy="3560733"/>
           </a:xfrm>
         </p:spPr>
         <p:txBody>
           <a:bodyPr>
-            <a:normAutofit/>
+            <a:normAutofit fontScale="92500" lnSpcReduction="10000"/>
           </a:bodyPr>
           <a:lstStyle/>
           <a:p>
             <a:r>
-              <a:rPr lang="en-US"/>
+              <a:rPr lang="en-US" dirty="0"/>
               <a:t>As they say, the more the people who view the home prior to sale, the merrier. </a:t>
+            </a:r>
+          </a:p>
+          <a:p>
+            <a:r>
+              <a:rPr lang="en-US" dirty="0"/>
+              <a:t>The relationship in the graph to the right demonstrates that increased views leads to a higher sales price. The slight exception is the difference between 1 and 2 views in which a small negative trend is seen. Despite this, homes that had any views sold at substantially higher prices on average. </a:t>
             </a:r>
           </a:p>
         </p:txBody>
       </p:sp>
       <p:pic>
         <p:nvPicPr>
-          <p:cNvPr id="4" name="Content Placeholder 4" descr="A screenshot of a social media post&#10;&#10;Description automatically generated">
+          <p:cNvPr id="1026" name="Picture 2">
             <a:extLst>
               <a:ext uri="{FF2B5EF4-FFF2-40B4-BE49-F238E27FC236}">
-                <a16:creationId xmlns:a16="http://schemas.microsoft.com/office/drawing/2014/main" id="{D7D6234F-10BF-4199-B4EB-B16E27BE8140}"/>
+                <a16:creationId xmlns:a16="http://schemas.microsoft.com/office/drawing/2014/main" id="{F747CC84-0278-4D8F-AFA7-25E7C318D603}"/>
               </a:ext>
             </a:extLst>
           </p:cNvPr>
           <p:cNvPicPr>
-            <a:picLocks noChangeAspect="1"/>
+            <a:picLocks noChangeAspect="1" noChangeArrowheads="1"/>
           </p:cNvPicPr>
           <p:nvPr/>
         </p:nvPicPr>
@@ -19765,18 +19824,29 @@
               </a:ext>
             </a:extLst>
           </a:blip>
+          <a:srcRect/>
           <a:stretch>
             <a:fillRect/>
           </a:stretch>
         </p:blipFill>
-        <p:spPr>
+        <p:spPr bwMode="auto">
           <a:xfrm>
-            <a:off x="4207987" y="363391"/>
-            <a:ext cx="6379754" cy="6129767"/>
+            <a:off x="4854086" y="723900"/>
+            <a:ext cx="5410200" cy="5410200"/>
           </a:xfrm>
           <a:prstGeom prst="rect">
             <a:avLst/>
           </a:prstGeom>
+          <a:noFill/>
+          <a:extLst>
+            <a:ext uri="{909E8E84-426E-40DD-AFC4-6F175D3DCCD1}">
+              <a14:hiddenFill xmlns:a14="http://schemas.microsoft.com/office/drawing/2010/main">
+                <a:solidFill>
+                  <a:srgbClr val="FFFFFF"/>
+                </a:solidFill>
+              </a14:hiddenFill>
+            </a:ext>
+          </a:extLst>
         </p:spPr>
       </p:pic>
     </p:spTree>
@@ -19853,6 +19923,128 @@
 </file>
 
 <file path=ppt/slides/slide12.xml><?xml version="1.0" encoding="utf-8"?>
+<p:sld xmlns:a="http://schemas.openxmlformats.org/drawingml/2006/main" xmlns:r="http://schemas.openxmlformats.org/officeDocument/2006/relationships" xmlns:p="http://schemas.openxmlformats.org/presentationml/2006/main">
+  <p:cSld>
+    <p:spTree>
+      <p:nvGrpSpPr>
+        <p:cNvPr id="1" name=""/>
+        <p:cNvGrpSpPr/>
+        <p:nvPr/>
+      </p:nvGrpSpPr>
+      <p:grpSpPr>
+        <a:xfrm>
+          <a:off x="0" y="0"/>
+          <a:ext cx="0" cy="0"/>
+          <a:chOff x="0" y="0"/>
+          <a:chExt cx="0" cy="0"/>
+        </a:xfrm>
+      </p:grpSpPr>
+      <p:sp>
+        <p:nvSpPr>
+          <p:cNvPr id="2" name="Title 1">
+            <a:extLst>
+              <a:ext uri="{FF2B5EF4-FFF2-40B4-BE49-F238E27FC236}">
+                <a16:creationId xmlns:a16="http://schemas.microsoft.com/office/drawing/2014/main" id="{D07127C8-5289-4B1B-B385-6E88797B4B04}"/>
+              </a:ext>
+            </a:extLst>
+          </p:cNvPr>
+          <p:cNvSpPr>
+            <a:spLocks noGrp="1"/>
+          </p:cNvSpPr>
+          <p:nvPr>
+            <p:ph type="title"/>
+          </p:nvPr>
+        </p:nvSpPr>
+        <p:spPr/>
+        <p:txBody>
+          <a:bodyPr/>
+          <a:lstStyle/>
+          <a:p>
+            <a:r>
+              <a:rPr lang="en-US" dirty="0"/>
+              <a:t>Conclusions</a:t>
+            </a:r>
+          </a:p>
+        </p:txBody>
+      </p:sp>
+      <p:sp>
+        <p:nvSpPr>
+          <p:cNvPr id="3" name="Content Placeholder 2">
+            <a:extLst>
+              <a:ext uri="{FF2B5EF4-FFF2-40B4-BE49-F238E27FC236}">
+                <a16:creationId xmlns:a16="http://schemas.microsoft.com/office/drawing/2014/main" id="{605AB4AA-AC6A-45C0-956C-D6393503B362}"/>
+              </a:ext>
+            </a:extLst>
+          </p:cNvPr>
+          <p:cNvSpPr>
+            <a:spLocks noGrp="1"/>
+          </p:cNvSpPr>
+          <p:nvPr>
+            <p:ph idx="1"/>
+          </p:nvPr>
+        </p:nvSpPr>
+        <p:spPr/>
+        <p:txBody>
+          <a:bodyPr/>
+          <a:lstStyle/>
+          <a:p>
+            <a:r>
+              <a:rPr lang="en-US" dirty="0"/>
+              <a:t>Remember that maximizing your homes value is done by the following</a:t>
+            </a:r>
+          </a:p>
+          <a:p>
+            <a:pPr lvl="1"/>
+            <a:r>
+              <a:rPr lang="en-US" dirty="0"/>
+              <a:t>Increase the overall square footage.</a:t>
+            </a:r>
+          </a:p>
+          <a:p>
+            <a:pPr lvl="1"/>
+            <a:r>
+              <a:rPr lang="en-US" dirty="0"/>
+              <a:t>If building a new home or doing renovations, use quality building materials.</a:t>
+            </a:r>
+          </a:p>
+          <a:p>
+            <a:pPr lvl="1"/>
+            <a:r>
+              <a:rPr lang="en-US" dirty="0"/>
+              <a:t>List your home for sale in March or April in order to sell in June.</a:t>
+            </a:r>
+          </a:p>
+          <a:p>
+            <a:pPr lvl="1"/>
+            <a:r>
+              <a:rPr lang="en-US" dirty="0"/>
+              <a:t>Advertise to generate views of your home prior to sale. </a:t>
+            </a:r>
+          </a:p>
+          <a:p>
+            <a:pPr lvl="1"/>
+            <a:endParaRPr lang="en-US" dirty="0"/>
+          </a:p>
+          <a:p>
+            <a:pPr lvl="1"/>
+            <a:endParaRPr lang="en-US" dirty="0"/>
+          </a:p>
+        </p:txBody>
+      </p:sp>
+    </p:spTree>
+    <p:extLst>
+      <p:ext uri="{BB962C8B-B14F-4D97-AF65-F5344CB8AC3E}">
+        <p14:creationId xmlns:p14="http://schemas.microsoft.com/office/powerpoint/2010/main" val="3765954286"/>
+      </p:ext>
+    </p:extLst>
+  </p:cSld>
+  <p:clrMapOvr>
+    <a:masterClrMapping/>
+  </p:clrMapOvr>
+</p:sld>
+</file>
+
+<file path=ppt/slides/slide13.xml><?xml version="1.0" encoding="utf-8"?>
 <p:sld xmlns:a="http://schemas.openxmlformats.org/drawingml/2006/main" xmlns:r="http://schemas.openxmlformats.org/officeDocument/2006/relationships" xmlns:p="http://schemas.openxmlformats.org/presentationml/2006/main">
   <p:cSld>
     <p:bg>
@@ -20788,7 +20980,7 @@
 </p:sld>
 </file>
 
-<file path=ppt/slides/slide13.xml><?xml version="1.0" encoding="utf-8"?>
+<file path=ppt/slides/slide14.xml><?xml version="1.0" encoding="utf-8"?>
 <p:sld xmlns:a="http://schemas.openxmlformats.org/drawingml/2006/main" xmlns:r="http://schemas.openxmlformats.org/officeDocument/2006/relationships" xmlns:p="http://schemas.openxmlformats.org/presentationml/2006/main">
   <p:cSld>
     <p:bg>
@@ -21068,7 +21260,7 @@
 </p:sld>
 </file>
 
-<file path=ppt/slides/slide14.xml><?xml version="1.0" encoding="utf-8"?>
+<file path=ppt/slides/slide15.xml><?xml version="1.0" encoding="utf-8"?>
 <p:sld xmlns:a="http://schemas.openxmlformats.org/drawingml/2006/main" xmlns:r="http://schemas.openxmlformats.org/officeDocument/2006/relationships" xmlns:p="http://schemas.openxmlformats.org/presentationml/2006/main">
   <p:cSld>
     <p:bg>
@@ -24931,7 +25123,7 @@
           <a:lstStyle/>
           <a:p>
             <a:r>
-              <a:rPr lang="en-US">
+              <a:rPr lang="en-US" dirty="0">
                 <a:solidFill>
                   <a:srgbClr val="FFFFFF"/>
                 </a:solidFill>
@@ -24939,14 +25131,14 @@
               <a:t>Best Option:</a:t>
             </a:r>
             <a:br>
-              <a:rPr lang="en-US">
+              <a:rPr lang="en-US" dirty="0">
                 <a:solidFill>
                   <a:srgbClr val="FFFFFF"/>
                 </a:solidFill>
               </a:rPr>
             </a:br>
             <a:r>
-              <a:rPr lang="en-US">
+              <a:rPr lang="en-US" dirty="0">
                 <a:solidFill>
                   <a:srgbClr val="FFFFFF"/>
                 </a:solidFill>
@@ -25015,7 +25207,7 @@
           <a:lstStyle/>
           <a:p>
             <a:r>
-              <a:rPr lang="en-US">
+              <a:rPr lang="en-US" dirty="0">
                 <a:solidFill>
                   <a:srgbClr val="FFFFFF"/>
                 </a:solidFill>
@@ -25132,8 +25324,14 @@
           <a:lstStyle/>
           <a:p>
             <a:r>
-              <a:rPr lang="en-US"/>
-              <a:t>King County has a grading system on which they rate the overall quality of the materials used in the homes construction. The visual to the left is the average sale price per the given grade. </a:t>
+              <a:rPr lang="en-US" dirty="0"/>
+              <a:t>King County has a grading system on which they rate the overall quality of the materials used in the homes construction. The visual to the left is the average sale price per the given grade.</a:t>
+            </a:r>
+          </a:p>
+          <a:p>
+            <a:r>
+              <a:rPr lang="en-US" dirty="0"/>
+              <a:t>Utilization of more quality building materials in any new build or renovation will increase your homes value. </a:t>
             </a:r>
           </a:p>
         </p:txBody>
@@ -25401,7 +25599,7 @@
           <a:lstStyle/>
           <a:p>
             <a:r>
-              <a:rPr lang="en-US"/>
+              <a:rPr lang="en-US" dirty="0"/>
               <a:t>Bed or Bath?</a:t>
             </a:r>
           </a:p>
@@ -25431,43 +25629,36 @@
         </p:spPr>
         <p:txBody>
           <a:bodyPr>
-            <a:normAutofit/>
+            <a:normAutofit lnSpcReduction="10000"/>
           </a:bodyPr>
           <a:lstStyle/>
           <a:p>
             <a:r>
-              <a:rPr lang="en-US"/>
+              <a:rPr lang="en-US" dirty="0"/>
               <a:t>If I have space to add an additional room, what should I put in the space if I want to increase my home value the most?</a:t>
             </a:r>
           </a:p>
           <a:p>
             <a:r>
-              <a:rPr lang="en-US"/>
-              <a:t>Answer:</a:t>
+              <a:rPr lang="en-US" dirty="0"/>
+              <a:t>If your home has less than 4 bathrooms then add an additional bathroom.</a:t>
             </a:r>
           </a:p>
           <a:p>
             <a:pPr lvl="1"/>
             <a:r>
-              <a:rPr lang="en-US"/>
-              <a:t>Add a bathroom</a:t>
+              <a:rPr lang="en-US" dirty="0"/>
+              <a:t>Bathrooms had the largest positive effect on sale price when compared to any other space but only as long as there were 4 or less.</a:t>
             </a:r>
           </a:p>
           <a:p>
-            <a:pPr lvl="2"/>
-            <a:r>
-              <a:rPr lang="en-US"/>
-              <a:t>Bathrooms had the largest positive effect on sale price when compared to any other space</a:t>
-            </a:r>
-          </a:p>
-          <a:p>
-            <a:endParaRPr lang="en-US"/>
+            <a:endParaRPr lang="en-US" dirty="0"/>
           </a:p>
           <a:p>
             <a:pPr marL="0" indent="0">
               <a:buNone/>
             </a:pPr>
-            <a:endParaRPr lang="en-US"/>
+            <a:endParaRPr lang="en-US" dirty="0"/>
           </a:p>
         </p:txBody>
       </p:sp>
